--- a/docs/content/fr/cards.pptx
+++ b/docs/content/fr/cards.pptx
@@ -16896,7 +16896,13 @@
               <a:rPr lang="fr-FR" sz="700" dirty="0" smtClean="0">
                 <a:latin typeface="Stone Serif" pitchFamily="2" charset="0"/>
               </a:rPr>
-              <a:t>., Kim Rees</a:t>
+              <a:t>, Kim </a:t>
+            </a:r>
+            <a:r>
+              <a:rPr lang="fr-FR" sz="700" dirty="0" smtClean="0">
+                <a:latin typeface="Stone Serif" pitchFamily="2" charset="0"/>
+              </a:rPr>
+              <a:t>Rees</a:t>
             </a:r>
             <a:endParaRPr lang="fr-FR" sz="700" dirty="0">
               <a:latin typeface="Stone Serif" pitchFamily="2" charset="0"/>
@@ -22240,7 +22246,13 @@
               <a:rPr lang="fr-FR" sz="700" dirty="0">
                 <a:latin typeface="Stone Serif" pitchFamily="2" charset="0"/>
               </a:rPr>
-              <a:t>Quadrature du Net, Tarik </a:t>
+              <a:t>Quadrature du Net, </a:t>
+            </a:r>
+            <a:r>
+              <a:rPr lang="fr-FR" sz="700" smtClean="0">
+                <a:latin typeface="Stone Serif" pitchFamily="2" charset="0"/>
+              </a:rPr>
+              <a:t>Tariq </a:t>
             </a:r>
             <a:r>
               <a:rPr lang="fr-FR" sz="700" dirty="0" err="1">

--- a/docs/content/fr/cards.pptx
+++ b/docs/content/fr/cards.pptx
@@ -5,10 +5,10 @@
     <p:sldMasterId id="2147483684" r:id="rId1"/>
   </p:sldMasterIdLst>
   <p:notesMasterIdLst>
-    <p:notesMasterId r:id="rId12"/>
+    <p:notesMasterId r:id="rId13"/>
   </p:notesMasterIdLst>
   <p:handoutMasterIdLst>
-    <p:handoutMasterId r:id="rId13"/>
+    <p:handoutMasterId r:id="rId14"/>
   </p:handoutMasterIdLst>
   <p:sldIdLst>
     <p:sldId id="256" r:id="rId2"/>
@@ -21,6 +21,7 @@
     <p:sldId id="268" r:id="rId9"/>
     <p:sldId id="264" r:id="rId10"/>
     <p:sldId id="265" r:id="rId11"/>
+    <p:sldId id="269" r:id="rId12"/>
   </p:sldIdLst>
   <p:sldSz cx="7559675" cy="5381625"/>
   <p:notesSz cx="9144000" cy="6858000"/>
@@ -209,7 +210,7 @@
           <a:p>
             <a:fld id="{D121557B-95DC-4F9D-80D7-494E711A263C}" type="datetimeFigureOut">
               <a:rPr lang="fr-FR" smtClean="0"/>
-              <a:t>13/05/2019</a:t>
+              <a:t>16/05/2019</a:t>
             </a:fld>
             <a:endParaRPr lang="fr-FR"/>
           </a:p>
@@ -375,7 +376,7 @@
           <a:p>
             <a:fld id="{34B0D5AD-2B20-4FC5-9805-AA792A2BEE79}" type="datetimeFigureOut">
               <a:rPr lang="fr-FR" smtClean="0"/>
-              <a:t>13/05/2019</a:t>
+              <a:t>16/05/2019</a:t>
             </a:fld>
             <a:endParaRPr lang="fr-FR"/>
           </a:p>
@@ -836,7 +837,7 @@
           <a:p>
             <a:fld id="{654FF092-CFE9-4329-97B3-D872B1066925}" type="datetimeFigureOut">
               <a:rPr lang="fr-FR" smtClean="0"/>
-              <a:t>13/05/2019</a:t>
+              <a:t>16/05/2019</a:t>
             </a:fld>
             <a:endParaRPr lang="fr-FR"/>
           </a:p>
@@ -1006,7 +1007,7 @@
           <a:p>
             <a:fld id="{654FF092-CFE9-4329-97B3-D872B1066925}" type="datetimeFigureOut">
               <a:rPr lang="fr-FR" smtClean="0"/>
-              <a:t>13/05/2019</a:t>
+              <a:t>16/05/2019</a:t>
             </a:fld>
             <a:endParaRPr lang="fr-FR"/>
           </a:p>
@@ -1186,7 +1187,7 @@
           <a:p>
             <a:fld id="{654FF092-CFE9-4329-97B3-D872B1066925}" type="datetimeFigureOut">
               <a:rPr lang="fr-FR" smtClean="0"/>
-              <a:t>13/05/2019</a:t>
+              <a:t>16/05/2019</a:t>
             </a:fld>
             <a:endParaRPr lang="fr-FR"/>
           </a:p>
@@ -1356,7 +1357,7 @@
           <a:p>
             <a:fld id="{654FF092-CFE9-4329-97B3-D872B1066925}" type="datetimeFigureOut">
               <a:rPr lang="fr-FR" smtClean="0"/>
-              <a:t>13/05/2019</a:t>
+              <a:t>16/05/2019</a:t>
             </a:fld>
             <a:endParaRPr lang="fr-FR"/>
           </a:p>
@@ -1600,7 +1601,7 @@
           <a:p>
             <a:fld id="{654FF092-CFE9-4329-97B3-D872B1066925}" type="datetimeFigureOut">
               <a:rPr lang="fr-FR" smtClean="0"/>
-              <a:t>13/05/2019</a:t>
+              <a:t>16/05/2019</a:t>
             </a:fld>
             <a:endParaRPr lang="fr-FR"/>
           </a:p>
@@ -1832,7 +1833,7 @@
           <a:p>
             <a:fld id="{654FF092-CFE9-4329-97B3-D872B1066925}" type="datetimeFigureOut">
               <a:rPr lang="fr-FR" smtClean="0"/>
-              <a:t>13/05/2019</a:t>
+              <a:t>16/05/2019</a:t>
             </a:fld>
             <a:endParaRPr lang="fr-FR"/>
           </a:p>
@@ -2199,7 +2200,7 @@
           <a:p>
             <a:fld id="{654FF092-CFE9-4329-97B3-D872B1066925}" type="datetimeFigureOut">
               <a:rPr lang="fr-FR" smtClean="0"/>
-              <a:t>13/05/2019</a:t>
+              <a:t>16/05/2019</a:t>
             </a:fld>
             <a:endParaRPr lang="fr-FR"/>
           </a:p>
@@ -2317,7 +2318,7 @@
           <a:p>
             <a:fld id="{654FF092-CFE9-4329-97B3-D872B1066925}" type="datetimeFigureOut">
               <a:rPr lang="fr-FR" smtClean="0"/>
-              <a:t>13/05/2019</a:t>
+              <a:t>16/05/2019</a:t>
             </a:fld>
             <a:endParaRPr lang="fr-FR"/>
           </a:p>
@@ -2412,7 +2413,7 @@
           <a:p>
             <a:fld id="{654FF092-CFE9-4329-97B3-D872B1066925}" type="datetimeFigureOut">
               <a:rPr lang="fr-FR" smtClean="0"/>
-              <a:t>13/05/2019</a:t>
+              <a:t>16/05/2019</a:t>
             </a:fld>
             <a:endParaRPr lang="fr-FR"/>
           </a:p>
@@ -2689,7 +2690,7 @@
           <a:p>
             <a:fld id="{654FF092-CFE9-4329-97B3-D872B1066925}" type="datetimeFigureOut">
               <a:rPr lang="fr-FR" smtClean="0"/>
-              <a:t>13/05/2019</a:t>
+              <a:t>16/05/2019</a:t>
             </a:fld>
             <a:endParaRPr lang="fr-FR"/>
           </a:p>
@@ -2946,7 +2947,7 @@
           <a:p>
             <a:fld id="{654FF092-CFE9-4329-97B3-D872B1066925}" type="datetimeFigureOut">
               <a:rPr lang="fr-FR" smtClean="0"/>
-              <a:t>13/05/2019</a:t>
+              <a:t>16/05/2019</a:t>
             </a:fld>
             <a:endParaRPr lang="fr-FR"/>
           </a:p>
@@ -3159,7 +3160,7 @@
           <a:p>
             <a:fld id="{654FF092-CFE9-4329-97B3-D872B1066925}" type="datetimeFigureOut">
               <a:rPr lang="fr-FR" smtClean="0"/>
-              <a:t>13/05/2019</a:t>
+              <a:t>16/05/2019</a:t>
             </a:fld>
             <a:endParaRPr lang="fr-FR"/>
           </a:p>
@@ -8440,6 +8441,2322 @@
 </p:sld>
 </file>
 
+<file path=ppt/slides/slide11.xml><?xml version="1.0" encoding="utf-8"?>
+<p:sld xmlns:a="http://schemas.openxmlformats.org/drawingml/2006/main" xmlns:r="http://schemas.openxmlformats.org/officeDocument/2006/relationships" xmlns:p="http://schemas.openxmlformats.org/presentationml/2006/main">
+  <p:cSld>
+    <p:spTree>
+      <p:nvGrpSpPr>
+        <p:cNvPr id="1" name=""/>
+        <p:cNvGrpSpPr/>
+        <p:nvPr/>
+      </p:nvGrpSpPr>
+      <p:grpSpPr>
+        <a:xfrm>
+          <a:off x="0" y="0"/>
+          <a:ext cx="0" cy="0"/>
+          <a:chOff x="0" y="0"/>
+          <a:chExt cx="0" cy="0"/>
+        </a:xfrm>
+      </p:grpSpPr>
+      <p:sp>
+        <p:nvSpPr>
+          <p:cNvPr id="17" name="Sous-titre 2"/>
+          <p:cNvSpPr txBox="1">
+            <a:spLocks/>
+          </p:cNvSpPr>
+          <p:nvPr/>
+        </p:nvSpPr>
+        <p:spPr>
+          <a:xfrm>
+            <a:off x="4097348" y="2913631"/>
+            <a:ext cx="3203542" cy="590853"/>
+          </a:xfrm>
+          <a:prstGeom prst="rect">
+            <a:avLst/>
+          </a:prstGeom>
+          <a:ln>
+            <a:solidFill>
+              <a:schemeClr val="tx1"/>
+            </a:solidFill>
+            <a:prstDash val="dash"/>
+          </a:ln>
+        </p:spPr>
+        <p:txBody>
+          <a:bodyPr vert="horz" lIns="91440" tIns="45720" rIns="91440" bIns="45720" rtlCol="0">
+            <a:noAutofit/>
+          </a:bodyPr>
+          <a:lstStyle>
+            <a:lvl1pPr marL="0" indent="0" algn="ctr" defTabSz="717530" rtl="0" eaLnBrk="1" latinLnBrk="0" hangingPunct="1">
+              <a:lnSpc>
+                <a:spcPct val="90000"/>
+              </a:lnSpc>
+              <a:spcBef>
+                <a:spcPts val="785"/>
+              </a:spcBef>
+              <a:buFont typeface="Arial" panose="020B0604020202020204" pitchFamily="34" charset="0"/>
+              <a:buNone/>
+              <a:defRPr sz="1883" kern="1200">
+                <a:solidFill>
+                  <a:schemeClr val="tx1"/>
+                </a:solidFill>
+                <a:latin typeface="+mn-lt"/>
+                <a:ea typeface="+mn-ea"/>
+                <a:cs typeface="+mn-cs"/>
+              </a:defRPr>
+            </a:lvl1pPr>
+            <a:lvl2pPr marL="358765" indent="0" algn="ctr" defTabSz="717530" rtl="0" eaLnBrk="1" latinLnBrk="0" hangingPunct="1">
+              <a:lnSpc>
+                <a:spcPct val="90000"/>
+              </a:lnSpc>
+              <a:spcBef>
+                <a:spcPts val="392"/>
+              </a:spcBef>
+              <a:buFont typeface="Arial" panose="020B0604020202020204" pitchFamily="34" charset="0"/>
+              <a:buNone/>
+              <a:defRPr sz="1569" kern="1200">
+                <a:solidFill>
+                  <a:schemeClr val="tx1"/>
+                </a:solidFill>
+                <a:latin typeface="+mn-lt"/>
+                <a:ea typeface="+mn-ea"/>
+                <a:cs typeface="+mn-cs"/>
+              </a:defRPr>
+            </a:lvl2pPr>
+            <a:lvl3pPr marL="717530" indent="0" algn="ctr" defTabSz="717530" rtl="0" eaLnBrk="1" latinLnBrk="0" hangingPunct="1">
+              <a:lnSpc>
+                <a:spcPct val="90000"/>
+              </a:lnSpc>
+              <a:spcBef>
+                <a:spcPts val="392"/>
+              </a:spcBef>
+              <a:buFont typeface="Arial" panose="020B0604020202020204" pitchFamily="34" charset="0"/>
+              <a:buNone/>
+              <a:defRPr sz="1412" kern="1200">
+                <a:solidFill>
+                  <a:schemeClr val="tx1"/>
+                </a:solidFill>
+                <a:latin typeface="+mn-lt"/>
+                <a:ea typeface="+mn-ea"/>
+                <a:cs typeface="+mn-cs"/>
+              </a:defRPr>
+            </a:lvl3pPr>
+            <a:lvl4pPr marL="1076295" indent="0" algn="ctr" defTabSz="717530" rtl="0" eaLnBrk="1" latinLnBrk="0" hangingPunct="1">
+              <a:lnSpc>
+                <a:spcPct val="90000"/>
+              </a:lnSpc>
+              <a:spcBef>
+                <a:spcPts val="392"/>
+              </a:spcBef>
+              <a:buFont typeface="Arial" panose="020B0604020202020204" pitchFamily="34" charset="0"/>
+              <a:buNone/>
+              <a:defRPr sz="1256" kern="1200">
+                <a:solidFill>
+                  <a:schemeClr val="tx1"/>
+                </a:solidFill>
+                <a:latin typeface="+mn-lt"/>
+                <a:ea typeface="+mn-ea"/>
+                <a:cs typeface="+mn-cs"/>
+              </a:defRPr>
+            </a:lvl4pPr>
+            <a:lvl5pPr marL="1435059" indent="0" algn="ctr" defTabSz="717530" rtl="0" eaLnBrk="1" latinLnBrk="0" hangingPunct="1">
+              <a:lnSpc>
+                <a:spcPct val="90000"/>
+              </a:lnSpc>
+              <a:spcBef>
+                <a:spcPts val="392"/>
+              </a:spcBef>
+              <a:buFont typeface="Arial" panose="020B0604020202020204" pitchFamily="34" charset="0"/>
+              <a:buNone/>
+              <a:defRPr sz="1256" kern="1200">
+                <a:solidFill>
+                  <a:schemeClr val="tx1"/>
+                </a:solidFill>
+                <a:latin typeface="+mn-lt"/>
+                <a:ea typeface="+mn-ea"/>
+                <a:cs typeface="+mn-cs"/>
+              </a:defRPr>
+            </a:lvl5pPr>
+            <a:lvl6pPr marL="1793824" indent="0" algn="ctr" defTabSz="717530" rtl="0" eaLnBrk="1" latinLnBrk="0" hangingPunct="1">
+              <a:lnSpc>
+                <a:spcPct val="90000"/>
+              </a:lnSpc>
+              <a:spcBef>
+                <a:spcPts val="392"/>
+              </a:spcBef>
+              <a:buFont typeface="Arial" panose="020B0604020202020204" pitchFamily="34" charset="0"/>
+              <a:buNone/>
+              <a:defRPr sz="1256" kern="1200">
+                <a:solidFill>
+                  <a:schemeClr val="tx1"/>
+                </a:solidFill>
+                <a:latin typeface="+mn-lt"/>
+                <a:ea typeface="+mn-ea"/>
+                <a:cs typeface="+mn-cs"/>
+              </a:defRPr>
+            </a:lvl6pPr>
+            <a:lvl7pPr marL="2152589" indent="0" algn="ctr" defTabSz="717530" rtl="0" eaLnBrk="1" latinLnBrk="0" hangingPunct="1">
+              <a:lnSpc>
+                <a:spcPct val="90000"/>
+              </a:lnSpc>
+              <a:spcBef>
+                <a:spcPts val="392"/>
+              </a:spcBef>
+              <a:buFont typeface="Arial" panose="020B0604020202020204" pitchFamily="34" charset="0"/>
+              <a:buNone/>
+              <a:defRPr sz="1256" kern="1200">
+                <a:solidFill>
+                  <a:schemeClr val="tx1"/>
+                </a:solidFill>
+                <a:latin typeface="+mn-lt"/>
+                <a:ea typeface="+mn-ea"/>
+                <a:cs typeface="+mn-cs"/>
+              </a:defRPr>
+            </a:lvl7pPr>
+            <a:lvl8pPr marL="2511354" indent="0" algn="ctr" defTabSz="717530" rtl="0" eaLnBrk="1" latinLnBrk="0" hangingPunct="1">
+              <a:lnSpc>
+                <a:spcPct val="90000"/>
+              </a:lnSpc>
+              <a:spcBef>
+                <a:spcPts val="392"/>
+              </a:spcBef>
+              <a:buFont typeface="Arial" panose="020B0604020202020204" pitchFamily="34" charset="0"/>
+              <a:buNone/>
+              <a:defRPr sz="1256" kern="1200">
+                <a:solidFill>
+                  <a:schemeClr val="tx1"/>
+                </a:solidFill>
+                <a:latin typeface="+mn-lt"/>
+                <a:ea typeface="+mn-ea"/>
+                <a:cs typeface="+mn-cs"/>
+              </a:defRPr>
+            </a:lvl8pPr>
+            <a:lvl9pPr marL="2870119" indent="0" algn="ctr" defTabSz="717530" rtl="0" eaLnBrk="1" latinLnBrk="0" hangingPunct="1">
+              <a:lnSpc>
+                <a:spcPct val="90000"/>
+              </a:lnSpc>
+              <a:spcBef>
+                <a:spcPts val="392"/>
+              </a:spcBef>
+              <a:buFont typeface="Arial" panose="020B0604020202020204" pitchFamily="34" charset="0"/>
+              <a:buNone/>
+              <a:defRPr sz="1256" kern="1200">
+                <a:solidFill>
+                  <a:schemeClr val="tx1"/>
+                </a:solidFill>
+                <a:latin typeface="+mn-lt"/>
+                <a:ea typeface="+mn-ea"/>
+                <a:cs typeface="+mn-cs"/>
+              </a:defRPr>
+            </a:lvl9pPr>
+          </a:lstStyle>
+          <a:p>
+            <a:pPr algn="l">
+              <a:lnSpc>
+                <a:spcPct val="135000"/>
+              </a:lnSpc>
+            </a:pPr>
+            <a:r>
+              <a:rPr lang="fr-FR" sz="800" dirty="0" err="1" smtClean="0">
+                <a:latin typeface="Stone Serif" pitchFamily="2" charset="0"/>
+              </a:rPr>
+              <a:t>StratumnHQ</a:t>
+            </a:r>
+            <a:r>
+              <a:rPr lang="fr-FR" sz="800" dirty="0" smtClean="0">
+                <a:latin typeface="Stone Serif" pitchFamily="2" charset="0"/>
+              </a:rPr>
+              <a:t>, TheLedger.be, </a:t>
+            </a:r>
+            <a:r>
+              <a:rPr lang="fr-FR" sz="800" dirty="0" err="1" smtClean="0">
+                <a:latin typeface="Stone Serif" pitchFamily="2" charset="0"/>
+              </a:rPr>
+              <a:t>ChainAccelerator</a:t>
+            </a:r>
+            <a:endParaRPr lang="fr-FR" sz="800" dirty="0">
+              <a:latin typeface="Stone Serif" pitchFamily="2" charset="0"/>
+            </a:endParaRPr>
+          </a:p>
+        </p:txBody>
+      </p:sp>
+      <p:sp>
+        <p:nvSpPr>
+          <p:cNvPr id="6" name="ZoneTexte 5"/>
+          <p:cNvSpPr txBox="1"/>
+          <p:nvPr/>
+        </p:nvSpPr>
+        <p:spPr>
+          <a:xfrm>
+            <a:off x="4097350" y="2670212"/>
+            <a:ext cx="3203540" cy="279307"/>
+          </a:xfrm>
+          <a:prstGeom prst="rect">
+            <a:avLst/>
+          </a:prstGeom>
+          <a:solidFill>
+            <a:srgbClr val="FFBDF5"/>
+          </a:solidFill>
+        </p:spPr>
+        <p:txBody>
+          <a:bodyPr wrap="square" rtlCol="0">
+            <a:spAutoFit/>
+          </a:bodyPr>
+          <a:lstStyle/>
+          <a:p>
+            <a:pPr>
+              <a:lnSpc>
+                <a:spcPct val="135000"/>
+              </a:lnSpc>
+            </a:pPr>
+            <a:r>
+              <a:rPr lang="fr-FR" sz="900" dirty="0" smtClean="0">
+                <a:latin typeface="Stone Serif" pitchFamily="2" charset="0"/>
+              </a:rPr>
+              <a:t>Des entreprises pour vous accompagner</a:t>
+            </a:r>
+            <a:endParaRPr lang="fr-FR" sz="900" dirty="0">
+              <a:latin typeface="Stone Serif" pitchFamily="2" charset="0"/>
+            </a:endParaRPr>
+          </a:p>
+        </p:txBody>
+      </p:sp>
+      <p:sp>
+        <p:nvSpPr>
+          <p:cNvPr id="3" name="Sous-titre 2"/>
+          <p:cNvSpPr>
+            <a:spLocks noGrp="1"/>
+          </p:cNvSpPr>
+          <p:nvPr>
+            <p:ph type="subTitle" idx="1"/>
+          </p:nvPr>
+        </p:nvSpPr>
+        <p:spPr>
+          <a:xfrm>
+            <a:off x="4090260" y="1248868"/>
+            <a:ext cx="3224941" cy="1306355"/>
+          </a:xfrm>
+          <a:ln>
+            <a:solidFill>
+              <a:schemeClr val="tx1"/>
+            </a:solidFill>
+            <a:prstDash val="dash"/>
+          </a:ln>
+        </p:spPr>
+        <p:txBody>
+          <a:bodyPr>
+            <a:normAutofit fontScale="92500" lnSpcReduction="20000"/>
+          </a:bodyPr>
+          <a:lstStyle/>
+          <a:p>
+            <a:pPr algn="just">
+              <a:lnSpc>
+                <a:spcPct val="145000"/>
+              </a:lnSpc>
+              <a:spcBef>
+                <a:spcPts val="0"/>
+              </a:spcBef>
+            </a:pPr>
+            <a:r>
+              <a:rPr lang="fr-FR" sz="800" dirty="0" smtClean="0">
+                <a:latin typeface="Stone Serif" pitchFamily="2" charset="0"/>
+              </a:rPr>
+              <a:t>- Désintermédiation. La </a:t>
+            </a:r>
+            <a:r>
+              <a:rPr lang="fr-FR" sz="800" dirty="0" err="1" smtClean="0">
+                <a:latin typeface="Stone Serif" pitchFamily="2" charset="0"/>
+              </a:rPr>
+              <a:t>blockchain</a:t>
+            </a:r>
+            <a:r>
+              <a:rPr lang="fr-FR" sz="800" dirty="0" smtClean="0">
+                <a:latin typeface="Stone Serif" pitchFamily="2" charset="0"/>
+              </a:rPr>
+              <a:t> garantit l’inaltérabilité des transactions enregistrées, elle peut assurer la fonction remplie d’habitude par les tiers de confiance chargés de la notarisation d’actes: notaires, bureaux de certification, organismes bancaires, régulateurs publics et agences officielles... la garantie apportée par ces organismes serait désormais apportée par la techno </a:t>
+            </a:r>
+            <a:r>
+              <a:rPr lang="fr-FR" sz="800" dirty="0" err="1" smtClean="0">
+                <a:latin typeface="Stone Serif" pitchFamily="2" charset="0"/>
+              </a:rPr>
+              <a:t>blockchain</a:t>
+            </a:r>
+            <a:r>
+              <a:rPr lang="fr-FR" sz="800" dirty="0" smtClean="0">
+                <a:latin typeface="Stone Serif" pitchFamily="2" charset="0"/>
+              </a:rPr>
+              <a:t>.</a:t>
+            </a:r>
+          </a:p>
+          <a:p>
+            <a:pPr algn="just">
+              <a:lnSpc>
+                <a:spcPct val="145000"/>
+              </a:lnSpc>
+              <a:spcBef>
+                <a:spcPts val="0"/>
+              </a:spcBef>
+            </a:pPr>
+            <a:r>
+              <a:rPr lang="fr-FR" sz="800" dirty="0" smtClean="0">
+                <a:latin typeface="Stone Serif" pitchFamily="2" charset="0"/>
+              </a:rPr>
+              <a:t>- Ré-intermédiation. De nouveaux acteurs inventent plusieurs variantes de </a:t>
+            </a:r>
+            <a:r>
+              <a:rPr lang="fr-FR" sz="800" dirty="0" err="1" smtClean="0">
+                <a:latin typeface="Stone Serif" pitchFamily="2" charset="0"/>
+              </a:rPr>
+              <a:t>blockchain</a:t>
+            </a:r>
+            <a:r>
+              <a:rPr lang="fr-FR" sz="800" dirty="0" smtClean="0">
+                <a:latin typeface="Stone Serif" pitchFamily="2" charset="0"/>
+              </a:rPr>
+              <a:t> (« </a:t>
+            </a:r>
+            <a:r>
+              <a:rPr lang="fr-FR" sz="800" dirty="0" err="1" smtClean="0">
+                <a:latin typeface="Stone Serif" pitchFamily="2" charset="0"/>
+              </a:rPr>
+              <a:t>distributed</a:t>
+            </a:r>
+            <a:r>
+              <a:rPr lang="fr-FR" sz="800" dirty="0" smtClean="0">
+                <a:latin typeface="Stone Serif" pitchFamily="2" charset="0"/>
+              </a:rPr>
+              <a:t> </a:t>
+            </a:r>
+            <a:r>
+              <a:rPr lang="fr-FR" sz="800" dirty="0" err="1" smtClean="0">
+                <a:latin typeface="Stone Serif" pitchFamily="2" charset="0"/>
+              </a:rPr>
+              <a:t>ledgers</a:t>
+            </a:r>
+            <a:r>
+              <a:rPr lang="fr-FR" sz="800" dirty="0" smtClean="0">
+                <a:latin typeface="Stone Serif" pitchFamily="2" charset="0"/>
+              </a:rPr>
+              <a:t> »), les implémentent et les gèrent, et créent des services associés (certification, audit, places de marché, etc.)</a:t>
+            </a:r>
+          </a:p>
+        </p:txBody>
+      </p:sp>
+      <p:sp>
+        <p:nvSpPr>
+          <p:cNvPr id="2" name="Titre 1"/>
+          <p:cNvSpPr>
+            <a:spLocks noGrp="1"/>
+          </p:cNvSpPr>
+          <p:nvPr>
+            <p:ph type="ctrTitle"/>
+          </p:nvPr>
+        </p:nvSpPr>
+        <p:spPr>
+          <a:xfrm>
+            <a:off x="432659" y="249842"/>
+            <a:ext cx="6896718" cy="592691"/>
+          </a:xfrm>
+          <a:solidFill>
+            <a:srgbClr val="E80C72"/>
+          </a:solidFill>
+          <a:ln>
+            <a:solidFill>
+              <a:schemeClr val="tx1">
+                <a:lumMod val="50000"/>
+                <a:lumOff val="50000"/>
+              </a:schemeClr>
+            </a:solidFill>
+          </a:ln>
+        </p:spPr>
+        <p:txBody>
+          <a:bodyPr>
+            <a:noAutofit/>
+          </a:bodyPr>
+          <a:lstStyle/>
+          <a:p>
+            <a:pPr>
+              <a:lnSpc>
+                <a:spcPct val="135000"/>
+              </a:lnSpc>
+            </a:pPr>
+            <a:r>
+              <a:rPr lang="fr-FR" sz="3200" dirty="0" err="1" smtClean="0">
+                <a:solidFill>
+                  <a:schemeClr val="bg1"/>
+                </a:solidFill>
+                <a:latin typeface="Stone Serif" pitchFamily="2" charset="0"/>
+              </a:rPr>
+              <a:t>Blockchain</a:t>
+            </a:r>
+            <a:endParaRPr lang="fr-FR" sz="3200" dirty="0">
+              <a:solidFill>
+                <a:schemeClr val="bg1"/>
+              </a:solidFill>
+              <a:latin typeface="Stone Serif" pitchFamily="2" charset="0"/>
+            </a:endParaRPr>
+          </a:p>
+        </p:txBody>
+      </p:sp>
+      <p:sp>
+        <p:nvSpPr>
+          <p:cNvPr id="8" name="Sous-titre 2"/>
+          <p:cNvSpPr txBox="1">
+            <a:spLocks/>
+          </p:cNvSpPr>
+          <p:nvPr/>
+        </p:nvSpPr>
+        <p:spPr>
+          <a:xfrm>
+            <a:off x="432657" y="1248866"/>
+            <a:ext cx="3409241" cy="1375426"/>
+          </a:xfrm>
+          <a:prstGeom prst="rect">
+            <a:avLst/>
+          </a:prstGeom>
+          <a:ln>
+            <a:solidFill>
+              <a:schemeClr val="tx1"/>
+            </a:solidFill>
+            <a:prstDash val="dash"/>
+          </a:ln>
+        </p:spPr>
+        <p:txBody>
+          <a:bodyPr vert="horz" lIns="91440" tIns="45720" rIns="91440" bIns="45720" rtlCol="0">
+            <a:noAutofit/>
+          </a:bodyPr>
+          <a:lstStyle>
+            <a:lvl1pPr marL="0" indent="0" algn="ctr" defTabSz="717530" rtl="0" eaLnBrk="1" latinLnBrk="0" hangingPunct="1">
+              <a:lnSpc>
+                <a:spcPct val="90000"/>
+              </a:lnSpc>
+              <a:spcBef>
+                <a:spcPts val="785"/>
+              </a:spcBef>
+              <a:buFont typeface="Arial" panose="020B0604020202020204" pitchFamily="34" charset="0"/>
+              <a:buNone/>
+              <a:defRPr sz="1883" kern="1200">
+                <a:solidFill>
+                  <a:schemeClr val="tx1"/>
+                </a:solidFill>
+                <a:latin typeface="+mn-lt"/>
+                <a:ea typeface="+mn-ea"/>
+                <a:cs typeface="+mn-cs"/>
+              </a:defRPr>
+            </a:lvl1pPr>
+            <a:lvl2pPr marL="358765" indent="0" algn="ctr" defTabSz="717530" rtl="0" eaLnBrk="1" latinLnBrk="0" hangingPunct="1">
+              <a:lnSpc>
+                <a:spcPct val="90000"/>
+              </a:lnSpc>
+              <a:spcBef>
+                <a:spcPts val="392"/>
+              </a:spcBef>
+              <a:buFont typeface="Arial" panose="020B0604020202020204" pitchFamily="34" charset="0"/>
+              <a:buNone/>
+              <a:defRPr sz="1569" kern="1200">
+                <a:solidFill>
+                  <a:schemeClr val="tx1"/>
+                </a:solidFill>
+                <a:latin typeface="+mn-lt"/>
+                <a:ea typeface="+mn-ea"/>
+                <a:cs typeface="+mn-cs"/>
+              </a:defRPr>
+            </a:lvl2pPr>
+            <a:lvl3pPr marL="717530" indent="0" algn="ctr" defTabSz="717530" rtl="0" eaLnBrk="1" latinLnBrk="0" hangingPunct="1">
+              <a:lnSpc>
+                <a:spcPct val="90000"/>
+              </a:lnSpc>
+              <a:spcBef>
+                <a:spcPts val="392"/>
+              </a:spcBef>
+              <a:buFont typeface="Arial" panose="020B0604020202020204" pitchFamily="34" charset="0"/>
+              <a:buNone/>
+              <a:defRPr sz="1412" kern="1200">
+                <a:solidFill>
+                  <a:schemeClr val="tx1"/>
+                </a:solidFill>
+                <a:latin typeface="+mn-lt"/>
+                <a:ea typeface="+mn-ea"/>
+                <a:cs typeface="+mn-cs"/>
+              </a:defRPr>
+            </a:lvl3pPr>
+            <a:lvl4pPr marL="1076295" indent="0" algn="ctr" defTabSz="717530" rtl="0" eaLnBrk="1" latinLnBrk="0" hangingPunct="1">
+              <a:lnSpc>
+                <a:spcPct val="90000"/>
+              </a:lnSpc>
+              <a:spcBef>
+                <a:spcPts val="392"/>
+              </a:spcBef>
+              <a:buFont typeface="Arial" panose="020B0604020202020204" pitchFamily="34" charset="0"/>
+              <a:buNone/>
+              <a:defRPr sz="1256" kern="1200">
+                <a:solidFill>
+                  <a:schemeClr val="tx1"/>
+                </a:solidFill>
+                <a:latin typeface="+mn-lt"/>
+                <a:ea typeface="+mn-ea"/>
+                <a:cs typeface="+mn-cs"/>
+              </a:defRPr>
+            </a:lvl4pPr>
+            <a:lvl5pPr marL="1435059" indent="0" algn="ctr" defTabSz="717530" rtl="0" eaLnBrk="1" latinLnBrk="0" hangingPunct="1">
+              <a:lnSpc>
+                <a:spcPct val="90000"/>
+              </a:lnSpc>
+              <a:spcBef>
+                <a:spcPts val="392"/>
+              </a:spcBef>
+              <a:buFont typeface="Arial" panose="020B0604020202020204" pitchFamily="34" charset="0"/>
+              <a:buNone/>
+              <a:defRPr sz="1256" kern="1200">
+                <a:solidFill>
+                  <a:schemeClr val="tx1"/>
+                </a:solidFill>
+                <a:latin typeface="+mn-lt"/>
+                <a:ea typeface="+mn-ea"/>
+                <a:cs typeface="+mn-cs"/>
+              </a:defRPr>
+            </a:lvl5pPr>
+            <a:lvl6pPr marL="1793824" indent="0" algn="ctr" defTabSz="717530" rtl="0" eaLnBrk="1" latinLnBrk="0" hangingPunct="1">
+              <a:lnSpc>
+                <a:spcPct val="90000"/>
+              </a:lnSpc>
+              <a:spcBef>
+                <a:spcPts val="392"/>
+              </a:spcBef>
+              <a:buFont typeface="Arial" panose="020B0604020202020204" pitchFamily="34" charset="0"/>
+              <a:buNone/>
+              <a:defRPr sz="1256" kern="1200">
+                <a:solidFill>
+                  <a:schemeClr val="tx1"/>
+                </a:solidFill>
+                <a:latin typeface="+mn-lt"/>
+                <a:ea typeface="+mn-ea"/>
+                <a:cs typeface="+mn-cs"/>
+              </a:defRPr>
+            </a:lvl6pPr>
+            <a:lvl7pPr marL="2152589" indent="0" algn="ctr" defTabSz="717530" rtl="0" eaLnBrk="1" latinLnBrk="0" hangingPunct="1">
+              <a:lnSpc>
+                <a:spcPct val="90000"/>
+              </a:lnSpc>
+              <a:spcBef>
+                <a:spcPts val="392"/>
+              </a:spcBef>
+              <a:buFont typeface="Arial" panose="020B0604020202020204" pitchFamily="34" charset="0"/>
+              <a:buNone/>
+              <a:defRPr sz="1256" kern="1200">
+                <a:solidFill>
+                  <a:schemeClr val="tx1"/>
+                </a:solidFill>
+                <a:latin typeface="+mn-lt"/>
+                <a:ea typeface="+mn-ea"/>
+                <a:cs typeface="+mn-cs"/>
+              </a:defRPr>
+            </a:lvl7pPr>
+            <a:lvl8pPr marL="2511354" indent="0" algn="ctr" defTabSz="717530" rtl="0" eaLnBrk="1" latinLnBrk="0" hangingPunct="1">
+              <a:lnSpc>
+                <a:spcPct val="90000"/>
+              </a:lnSpc>
+              <a:spcBef>
+                <a:spcPts val="392"/>
+              </a:spcBef>
+              <a:buFont typeface="Arial" panose="020B0604020202020204" pitchFamily="34" charset="0"/>
+              <a:buNone/>
+              <a:defRPr sz="1256" kern="1200">
+                <a:solidFill>
+                  <a:schemeClr val="tx1"/>
+                </a:solidFill>
+                <a:latin typeface="+mn-lt"/>
+                <a:ea typeface="+mn-ea"/>
+                <a:cs typeface="+mn-cs"/>
+              </a:defRPr>
+            </a:lvl8pPr>
+            <a:lvl9pPr marL="2870119" indent="0" algn="ctr" defTabSz="717530" rtl="0" eaLnBrk="1" latinLnBrk="0" hangingPunct="1">
+              <a:lnSpc>
+                <a:spcPct val="90000"/>
+              </a:lnSpc>
+              <a:spcBef>
+                <a:spcPts val="392"/>
+              </a:spcBef>
+              <a:buFont typeface="Arial" panose="020B0604020202020204" pitchFamily="34" charset="0"/>
+              <a:buNone/>
+              <a:defRPr sz="1256" kern="1200">
+                <a:solidFill>
+                  <a:schemeClr val="tx1"/>
+                </a:solidFill>
+                <a:latin typeface="+mn-lt"/>
+                <a:ea typeface="+mn-ea"/>
+                <a:cs typeface="+mn-cs"/>
+              </a:defRPr>
+            </a:lvl9pPr>
+          </a:lstStyle>
+          <a:p>
+            <a:pPr algn="just">
+              <a:lnSpc>
+                <a:spcPct val="135000"/>
+              </a:lnSpc>
+              <a:spcBef>
+                <a:spcPts val="0"/>
+              </a:spcBef>
+            </a:pPr>
+            <a:r>
+              <a:rPr lang="fr-FR" sz="800" dirty="0" smtClean="0">
+                <a:latin typeface="Stone Serif" pitchFamily="2" charset="0"/>
+              </a:rPr>
+              <a:t>La </a:t>
+            </a:r>
+            <a:r>
+              <a:rPr lang="fr-FR" sz="800" dirty="0" err="1" smtClean="0">
+                <a:latin typeface="Stone Serif" pitchFamily="2" charset="0"/>
+              </a:rPr>
+              <a:t>blockchain</a:t>
+            </a:r>
+            <a:r>
+              <a:rPr lang="fr-FR" sz="800" dirty="0" smtClean="0">
+                <a:latin typeface="Stone Serif" pitchFamily="2" charset="0"/>
+              </a:rPr>
+              <a:t> est une technologie proche d’une base de données (</a:t>
+            </a:r>
+            <a:r>
+              <a:rPr lang="fr-FR" sz="800" dirty="0" err="1" smtClean="0">
+                <a:latin typeface="Stone Serif" pitchFamily="2" charset="0"/>
+              </a:rPr>
+              <a:t>bdd</a:t>
+            </a:r>
+            <a:r>
+              <a:rPr lang="fr-FR" sz="800" dirty="0" smtClean="0">
+                <a:latin typeface="Stone Serif" pitchFamily="2" charset="0"/>
+              </a:rPr>
+              <a:t>): elle permet l’enregistrement et l’accès à des données stockées sur un support informatique. A la différence d’une </a:t>
+            </a:r>
+            <a:r>
+              <a:rPr lang="fr-FR" sz="800" dirty="0" err="1" smtClean="0">
+                <a:latin typeface="Stone Serif" pitchFamily="2" charset="0"/>
+              </a:rPr>
+              <a:t>bdd</a:t>
+            </a:r>
+            <a:r>
+              <a:rPr lang="fr-FR" sz="800" dirty="0" smtClean="0">
+                <a:latin typeface="Stone Serif" pitchFamily="2" charset="0"/>
+              </a:rPr>
+              <a:t>, les données enregistrées sur une </a:t>
+            </a:r>
+            <a:r>
+              <a:rPr lang="fr-FR" sz="800" dirty="0" err="1" smtClean="0">
+                <a:latin typeface="Stone Serif" pitchFamily="2" charset="0"/>
+              </a:rPr>
+              <a:t>blockchain</a:t>
+            </a:r>
+            <a:r>
+              <a:rPr lang="fr-FR" sz="800" dirty="0" smtClean="0">
+                <a:latin typeface="Stone Serif" pitchFamily="2" charset="0"/>
+              </a:rPr>
+              <a:t> le sont de façon </a:t>
+            </a:r>
+            <a:r>
+              <a:rPr lang="fr-FR" sz="800" u="sng" dirty="0" smtClean="0">
+                <a:latin typeface="Stone Serif" pitchFamily="2" charset="0"/>
+              </a:rPr>
+              <a:t>permanente</a:t>
+            </a:r>
+            <a:r>
+              <a:rPr lang="fr-FR" sz="800" dirty="0" smtClean="0">
+                <a:latin typeface="Stone Serif" pitchFamily="2" charset="0"/>
+              </a:rPr>
+              <a:t> et </a:t>
+            </a:r>
+            <a:r>
+              <a:rPr lang="fr-FR" sz="800" u="sng" dirty="0" smtClean="0">
+                <a:latin typeface="Stone Serif" pitchFamily="2" charset="0"/>
+              </a:rPr>
+              <a:t>inaltérable</a:t>
+            </a:r>
+            <a:r>
+              <a:rPr lang="fr-FR" sz="800" dirty="0" smtClean="0">
+                <a:latin typeface="Stone Serif" pitchFamily="2" charset="0"/>
+              </a:rPr>
+              <a:t>: on ne pas les effacer ni les modifier. Autre différence: la </a:t>
+            </a:r>
+            <a:r>
+              <a:rPr lang="fr-FR" sz="800" dirty="0" err="1" smtClean="0">
+                <a:latin typeface="Stone Serif" pitchFamily="2" charset="0"/>
+              </a:rPr>
+              <a:t>blockchain</a:t>
+            </a:r>
+            <a:r>
+              <a:rPr lang="fr-FR" sz="800" dirty="0" smtClean="0">
+                <a:latin typeface="Stone Serif" pitchFamily="2" charset="0"/>
+              </a:rPr>
+              <a:t> n’est pas contrôlée par un acteur en particulier: chacun en possède une copie. Cela en garantit la transparence et l’inaltérabilité,  et supprime le besoin d’un tiers de confiance.</a:t>
+            </a:r>
+            <a:endParaRPr lang="fr-FR" sz="800" dirty="0">
+              <a:latin typeface="Stone Serif" pitchFamily="2" charset="0"/>
+            </a:endParaRPr>
+          </a:p>
+        </p:txBody>
+      </p:sp>
+      <p:sp>
+        <p:nvSpPr>
+          <p:cNvPr id="5" name="ZoneTexte 4"/>
+          <p:cNvSpPr txBox="1"/>
+          <p:nvPr/>
+        </p:nvSpPr>
+        <p:spPr>
+          <a:xfrm>
+            <a:off x="432658" y="957446"/>
+            <a:ext cx="3409240" cy="320857"/>
+          </a:xfrm>
+          <a:prstGeom prst="rect">
+            <a:avLst/>
+          </a:prstGeom>
+          <a:solidFill>
+            <a:srgbClr val="FFBDF5"/>
+          </a:solidFill>
+        </p:spPr>
+        <p:txBody>
+          <a:bodyPr wrap="square" rtlCol="0">
+            <a:spAutoFit/>
+          </a:bodyPr>
+          <a:lstStyle/>
+          <a:p>
+            <a:pPr>
+              <a:lnSpc>
+                <a:spcPct val="135000"/>
+              </a:lnSpc>
+            </a:pPr>
+            <a:r>
+              <a:rPr lang="fr-FR" sz="1100" dirty="0">
+                <a:latin typeface="Stone Serif" pitchFamily="2" charset="0"/>
+              </a:rPr>
+              <a:t>Qu’est-ce que c’est?</a:t>
+            </a:r>
+          </a:p>
+        </p:txBody>
+      </p:sp>
+      <p:sp>
+        <p:nvSpPr>
+          <p:cNvPr id="9" name="ZoneTexte 8"/>
+          <p:cNvSpPr txBox="1"/>
+          <p:nvPr/>
+        </p:nvSpPr>
+        <p:spPr>
+          <a:xfrm>
+            <a:off x="4083172" y="957446"/>
+            <a:ext cx="3246204" cy="320857"/>
+          </a:xfrm>
+          <a:prstGeom prst="rect">
+            <a:avLst/>
+          </a:prstGeom>
+          <a:solidFill>
+            <a:srgbClr val="FFBDF5"/>
+          </a:solidFill>
+        </p:spPr>
+        <p:txBody>
+          <a:bodyPr wrap="square" rtlCol="0">
+            <a:spAutoFit/>
+          </a:bodyPr>
+          <a:lstStyle/>
+          <a:p>
+            <a:pPr>
+              <a:lnSpc>
+                <a:spcPct val="135000"/>
+              </a:lnSpc>
+            </a:pPr>
+            <a:r>
+              <a:rPr lang="fr-FR" sz="1100" dirty="0" smtClean="0">
+                <a:latin typeface="Stone Serif" pitchFamily="2" charset="0"/>
+              </a:rPr>
+              <a:t>Quel impact business?</a:t>
+            </a:r>
+            <a:endParaRPr lang="fr-FR" sz="1100" dirty="0">
+              <a:latin typeface="Stone Serif" pitchFamily="2" charset="0"/>
+            </a:endParaRPr>
+          </a:p>
+        </p:txBody>
+      </p:sp>
+      <p:sp>
+        <p:nvSpPr>
+          <p:cNvPr id="7" name="Sous-titre 2"/>
+          <p:cNvSpPr txBox="1">
+            <a:spLocks/>
+          </p:cNvSpPr>
+          <p:nvPr/>
+        </p:nvSpPr>
+        <p:spPr>
+          <a:xfrm>
+            <a:off x="432658" y="2894941"/>
+            <a:ext cx="3416328" cy="613799"/>
+          </a:xfrm>
+          <a:prstGeom prst="rect">
+            <a:avLst/>
+          </a:prstGeom>
+          <a:ln>
+            <a:solidFill>
+              <a:schemeClr val="tx1"/>
+            </a:solidFill>
+            <a:prstDash val="dash"/>
+          </a:ln>
+        </p:spPr>
+        <p:txBody>
+          <a:bodyPr vert="horz" lIns="91440" tIns="45720" rIns="91440" bIns="45720" rtlCol="0">
+            <a:noAutofit/>
+          </a:bodyPr>
+          <a:lstStyle>
+            <a:lvl1pPr marL="0" indent="0" algn="ctr" defTabSz="717530" rtl="0" eaLnBrk="1" latinLnBrk="0" hangingPunct="1">
+              <a:lnSpc>
+                <a:spcPct val="90000"/>
+              </a:lnSpc>
+              <a:spcBef>
+                <a:spcPts val="785"/>
+              </a:spcBef>
+              <a:buFont typeface="Arial" panose="020B0604020202020204" pitchFamily="34" charset="0"/>
+              <a:buNone/>
+              <a:defRPr sz="1883" kern="1200">
+                <a:solidFill>
+                  <a:schemeClr val="tx1"/>
+                </a:solidFill>
+                <a:latin typeface="+mn-lt"/>
+                <a:ea typeface="+mn-ea"/>
+                <a:cs typeface="+mn-cs"/>
+              </a:defRPr>
+            </a:lvl1pPr>
+            <a:lvl2pPr marL="358765" indent="0" algn="ctr" defTabSz="717530" rtl="0" eaLnBrk="1" latinLnBrk="0" hangingPunct="1">
+              <a:lnSpc>
+                <a:spcPct val="90000"/>
+              </a:lnSpc>
+              <a:spcBef>
+                <a:spcPts val="392"/>
+              </a:spcBef>
+              <a:buFont typeface="Arial" panose="020B0604020202020204" pitchFamily="34" charset="0"/>
+              <a:buNone/>
+              <a:defRPr sz="1569" kern="1200">
+                <a:solidFill>
+                  <a:schemeClr val="tx1"/>
+                </a:solidFill>
+                <a:latin typeface="+mn-lt"/>
+                <a:ea typeface="+mn-ea"/>
+                <a:cs typeface="+mn-cs"/>
+              </a:defRPr>
+            </a:lvl2pPr>
+            <a:lvl3pPr marL="717530" indent="0" algn="ctr" defTabSz="717530" rtl="0" eaLnBrk="1" latinLnBrk="0" hangingPunct="1">
+              <a:lnSpc>
+                <a:spcPct val="90000"/>
+              </a:lnSpc>
+              <a:spcBef>
+                <a:spcPts val="392"/>
+              </a:spcBef>
+              <a:buFont typeface="Arial" panose="020B0604020202020204" pitchFamily="34" charset="0"/>
+              <a:buNone/>
+              <a:defRPr sz="1412" kern="1200">
+                <a:solidFill>
+                  <a:schemeClr val="tx1"/>
+                </a:solidFill>
+                <a:latin typeface="+mn-lt"/>
+                <a:ea typeface="+mn-ea"/>
+                <a:cs typeface="+mn-cs"/>
+              </a:defRPr>
+            </a:lvl3pPr>
+            <a:lvl4pPr marL="1076295" indent="0" algn="ctr" defTabSz="717530" rtl="0" eaLnBrk="1" latinLnBrk="0" hangingPunct="1">
+              <a:lnSpc>
+                <a:spcPct val="90000"/>
+              </a:lnSpc>
+              <a:spcBef>
+                <a:spcPts val="392"/>
+              </a:spcBef>
+              <a:buFont typeface="Arial" panose="020B0604020202020204" pitchFamily="34" charset="0"/>
+              <a:buNone/>
+              <a:defRPr sz="1256" kern="1200">
+                <a:solidFill>
+                  <a:schemeClr val="tx1"/>
+                </a:solidFill>
+                <a:latin typeface="+mn-lt"/>
+                <a:ea typeface="+mn-ea"/>
+                <a:cs typeface="+mn-cs"/>
+              </a:defRPr>
+            </a:lvl4pPr>
+            <a:lvl5pPr marL="1435059" indent="0" algn="ctr" defTabSz="717530" rtl="0" eaLnBrk="1" latinLnBrk="0" hangingPunct="1">
+              <a:lnSpc>
+                <a:spcPct val="90000"/>
+              </a:lnSpc>
+              <a:spcBef>
+                <a:spcPts val="392"/>
+              </a:spcBef>
+              <a:buFont typeface="Arial" panose="020B0604020202020204" pitchFamily="34" charset="0"/>
+              <a:buNone/>
+              <a:defRPr sz="1256" kern="1200">
+                <a:solidFill>
+                  <a:schemeClr val="tx1"/>
+                </a:solidFill>
+                <a:latin typeface="+mn-lt"/>
+                <a:ea typeface="+mn-ea"/>
+                <a:cs typeface="+mn-cs"/>
+              </a:defRPr>
+            </a:lvl5pPr>
+            <a:lvl6pPr marL="1793824" indent="0" algn="ctr" defTabSz="717530" rtl="0" eaLnBrk="1" latinLnBrk="0" hangingPunct="1">
+              <a:lnSpc>
+                <a:spcPct val="90000"/>
+              </a:lnSpc>
+              <a:spcBef>
+                <a:spcPts val="392"/>
+              </a:spcBef>
+              <a:buFont typeface="Arial" panose="020B0604020202020204" pitchFamily="34" charset="0"/>
+              <a:buNone/>
+              <a:defRPr sz="1256" kern="1200">
+                <a:solidFill>
+                  <a:schemeClr val="tx1"/>
+                </a:solidFill>
+                <a:latin typeface="+mn-lt"/>
+                <a:ea typeface="+mn-ea"/>
+                <a:cs typeface="+mn-cs"/>
+              </a:defRPr>
+            </a:lvl6pPr>
+            <a:lvl7pPr marL="2152589" indent="0" algn="ctr" defTabSz="717530" rtl="0" eaLnBrk="1" latinLnBrk="0" hangingPunct="1">
+              <a:lnSpc>
+                <a:spcPct val="90000"/>
+              </a:lnSpc>
+              <a:spcBef>
+                <a:spcPts val="392"/>
+              </a:spcBef>
+              <a:buFont typeface="Arial" panose="020B0604020202020204" pitchFamily="34" charset="0"/>
+              <a:buNone/>
+              <a:defRPr sz="1256" kern="1200">
+                <a:solidFill>
+                  <a:schemeClr val="tx1"/>
+                </a:solidFill>
+                <a:latin typeface="+mn-lt"/>
+                <a:ea typeface="+mn-ea"/>
+                <a:cs typeface="+mn-cs"/>
+              </a:defRPr>
+            </a:lvl7pPr>
+            <a:lvl8pPr marL="2511354" indent="0" algn="ctr" defTabSz="717530" rtl="0" eaLnBrk="1" latinLnBrk="0" hangingPunct="1">
+              <a:lnSpc>
+                <a:spcPct val="90000"/>
+              </a:lnSpc>
+              <a:spcBef>
+                <a:spcPts val="392"/>
+              </a:spcBef>
+              <a:buFont typeface="Arial" panose="020B0604020202020204" pitchFamily="34" charset="0"/>
+              <a:buNone/>
+              <a:defRPr sz="1256" kern="1200">
+                <a:solidFill>
+                  <a:schemeClr val="tx1"/>
+                </a:solidFill>
+                <a:latin typeface="+mn-lt"/>
+                <a:ea typeface="+mn-ea"/>
+                <a:cs typeface="+mn-cs"/>
+              </a:defRPr>
+            </a:lvl8pPr>
+            <a:lvl9pPr marL="2870119" indent="0" algn="ctr" defTabSz="717530" rtl="0" eaLnBrk="1" latinLnBrk="0" hangingPunct="1">
+              <a:lnSpc>
+                <a:spcPct val="90000"/>
+              </a:lnSpc>
+              <a:spcBef>
+                <a:spcPts val="392"/>
+              </a:spcBef>
+              <a:buFont typeface="Arial" panose="020B0604020202020204" pitchFamily="34" charset="0"/>
+              <a:buNone/>
+              <a:defRPr sz="1256" kern="1200">
+                <a:solidFill>
+                  <a:schemeClr val="tx1"/>
+                </a:solidFill>
+                <a:latin typeface="+mn-lt"/>
+                <a:ea typeface="+mn-ea"/>
+                <a:cs typeface="+mn-cs"/>
+              </a:defRPr>
+            </a:lvl9pPr>
+          </a:lstStyle>
+          <a:p>
+            <a:pPr algn="l">
+              <a:lnSpc>
+                <a:spcPct val="145000"/>
+              </a:lnSpc>
+            </a:pPr>
+            <a:r>
+              <a:rPr lang="fr-FR" sz="800" dirty="0" smtClean="0">
+                <a:latin typeface="Stone Serif" pitchFamily="2" charset="0"/>
+              </a:rPr>
+              <a:t>Nadia </a:t>
+            </a:r>
+            <a:r>
+              <a:rPr lang="fr-FR" sz="800" dirty="0" err="1" smtClean="0">
+                <a:latin typeface="Stone Serif" pitchFamily="2" charset="0"/>
+              </a:rPr>
+              <a:t>Filali</a:t>
+            </a:r>
+            <a:r>
+              <a:rPr lang="fr-FR" sz="800" dirty="0" smtClean="0">
+                <a:latin typeface="Stone Serif" pitchFamily="2" charset="0"/>
+              </a:rPr>
+              <a:t>, </a:t>
+            </a:r>
+            <a:r>
+              <a:rPr lang="fr-FR" sz="800" dirty="0" err="1" smtClean="0">
+                <a:latin typeface="Stone Serif" pitchFamily="2" charset="0"/>
+              </a:rPr>
+              <a:t>Sajida</a:t>
+            </a:r>
+            <a:r>
+              <a:rPr lang="fr-FR" sz="800" dirty="0" smtClean="0">
+                <a:latin typeface="Stone Serif" pitchFamily="2" charset="0"/>
+              </a:rPr>
+              <a:t> </a:t>
+            </a:r>
+            <a:r>
+              <a:rPr lang="fr-FR" sz="800" dirty="0" err="1">
+                <a:latin typeface="Stone Serif" pitchFamily="2" charset="0"/>
+              </a:rPr>
+              <a:t>Zouarhi</a:t>
+            </a:r>
+            <a:r>
+              <a:rPr lang="fr-FR" sz="800" dirty="0">
+                <a:latin typeface="Stone Serif" pitchFamily="2" charset="0"/>
+              </a:rPr>
+              <a:t>, Luca </a:t>
+            </a:r>
+            <a:r>
+              <a:rPr lang="fr-FR" sz="800" dirty="0" err="1">
+                <a:latin typeface="Stone Serif" pitchFamily="2" charset="0"/>
+              </a:rPr>
+              <a:t>Comparini</a:t>
+            </a:r>
+            <a:r>
+              <a:rPr lang="fr-FR" sz="800" dirty="0">
+                <a:latin typeface="Stone Serif" pitchFamily="2" charset="0"/>
+              </a:rPr>
+              <a:t>, Xavier </a:t>
+            </a:r>
+            <a:r>
+              <a:rPr lang="fr-FR" sz="800" dirty="0" err="1">
+                <a:latin typeface="Stone Serif" pitchFamily="2" charset="0"/>
+              </a:rPr>
+              <a:t>Lavayssiere</a:t>
+            </a:r>
+            <a:r>
+              <a:rPr lang="fr-FR" sz="800" dirty="0">
+                <a:latin typeface="Stone Serif" pitchFamily="2" charset="0"/>
+              </a:rPr>
+              <a:t>, @</a:t>
+            </a:r>
+            <a:r>
+              <a:rPr lang="fr-FR" sz="800" dirty="0" err="1">
+                <a:latin typeface="Stone Serif" pitchFamily="2" charset="0"/>
+              </a:rPr>
+              <a:t>leshackeuses</a:t>
+            </a:r>
+            <a:endParaRPr lang="fr-FR" sz="800" dirty="0">
+              <a:latin typeface="Stone Serif" pitchFamily="2" charset="0"/>
+            </a:endParaRPr>
+          </a:p>
+        </p:txBody>
+      </p:sp>
+      <p:sp>
+        <p:nvSpPr>
+          <p:cNvPr id="16" name="ZoneTexte 15"/>
+          <p:cNvSpPr txBox="1"/>
+          <p:nvPr/>
+        </p:nvSpPr>
+        <p:spPr>
+          <a:xfrm>
+            <a:off x="432665" y="2668618"/>
+            <a:ext cx="3416321" cy="279307"/>
+          </a:xfrm>
+          <a:prstGeom prst="rect">
+            <a:avLst/>
+          </a:prstGeom>
+          <a:solidFill>
+            <a:srgbClr val="FFBDF5"/>
+          </a:solidFill>
+        </p:spPr>
+        <p:txBody>
+          <a:bodyPr wrap="square" rtlCol="0">
+            <a:spAutoFit/>
+          </a:bodyPr>
+          <a:lstStyle/>
+          <a:p>
+            <a:pPr>
+              <a:lnSpc>
+                <a:spcPct val="135000"/>
+              </a:lnSpc>
+            </a:pPr>
+            <a:r>
+              <a:rPr lang="fr-FR" sz="900" dirty="0" smtClean="0">
+                <a:latin typeface="Stone Serif" pitchFamily="2" charset="0"/>
+              </a:rPr>
+              <a:t>Influenceurs à suivre</a:t>
+            </a:r>
+          </a:p>
+        </p:txBody>
+      </p:sp>
+      <p:pic>
+        <p:nvPicPr>
+          <p:cNvPr id="28" name="Image 27"/>
+          <p:cNvPicPr>
+            <a:picLocks noChangeAspect="1"/>
+          </p:cNvPicPr>
+          <p:nvPr/>
+        </p:nvPicPr>
+        <p:blipFill>
+          <a:blip r:embed="rId2" cstate="print">
+            <a:extLst>
+              <a:ext uri="{28A0092B-C50C-407E-A947-70E740481C1C}">
+                <a14:useLocalDpi xmlns:a14="http://schemas.microsoft.com/office/drawing/2010/main" val="0"/>
+              </a:ext>
+            </a:extLst>
+          </a:blip>
+          <a:stretch>
+            <a:fillRect/>
+          </a:stretch>
+        </p:blipFill>
+        <p:spPr>
+          <a:xfrm rot="16200000">
+            <a:off x="-120915" y="4769262"/>
+            <a:ext cx="672857" cy="278333"/>
+          </a:xfrm>
+          <a:prstGeom prst="rect">
+            <a:avLst/>
+          </a:prstGeom>
+        </p:spPr>
+      </p:pic>
+      <p:sp>
+        <p:nvSpPr>
+          <p:cNvPr id="29" name="ZoneTexte 28"/>
+          <p:cNvSpPr txBox="1"/>
+          <p:nvPr/>
+        </p:nvSpPr>
+        <p:spPr>
+          <a:xfrm rot="16200000">
+            <a:off x="-881993" y="3351266"/>
+            <a:ext cx="2340098" cy="230832"/>
+          </a:xfrm>
+          <a:prstGeom prst="rect">
+            <a:avLst/>
+          </a:prstGeom>
+          <a:noFill/>
+          <a:ln>
+            <a:noFill/>
+          </a:ln>
+        </p:spPr>
+        <p:txBody>
+          <a:bodyPr wrap="square" rtlCol="0">
+            <a:spAutoFit/>
+          </a:bodyPr>
+          <a:lstStyle/>
+          <a:p>
+            <a:r>
+              <a:rPr lang="fr-FR" sz="700" dirty="0" smtClean="0"/>
+              <a:t>Pour aller plus </a:t>
+            </a:r>
+            <a:r>
+              <a:rPr lang="fr-FR" sz="700" dirty="0"/>
+              <a:t>loin : </a:t>
+            </a:r>
+            <a:r>
+              <a:rPr lang="fr-FR" sz="700" dirty="0">
+                <a:hlinkClick r:id="rId3"/>
+              </a:rPr>
+              <a:t>https://</a:t>
+            </a:r>
+            <a:r>
+              <a:rPr lang="fr-FR" sz="900" dirty="0" smtClean="0">
+                <a:hlinkClick r:id="rId3"/>
+              </a:rPr>
+              <a:t>emlyon.github.io/mk99</a:t>
+            </a:r>
+            <a:r>
+              <a:rPr lang="fr-FR" sz="700" dirty="0" smtClean="0"/>
+              <a:t>  </a:t>
+            </a:r>
+            <a:endParaRPr lang="fr-FR" sz="700" dirty="0"/>
+          </a:p>
+        </p:txBody>
+      </p:sp>
+      <p:sp>
+        <p:nvSpPr>
+          <p:cNvPr id="23" name="Sous-titre 2"/>
+          <p:cNvSpPr txBox="1">
+            <a:spLocks/>
+          </p:cNvSpPr>
+          <p:nvPr/>
+        </p:nvSpPr>
+        <p:spPr>
+          <a:xfrm>
+            <a:off x="432368" y="3852847"/>
+            <a:ext cx="1311374" cy="1292778"/>
+          </a:xfrm>
+          <a:prstGeom prst="rect">
+            <a:avLst/>
+          </a:prstGeom>
+          <a:ln>
+            <a:solidFill>
+              <a:schemeClr val="tx1"/>
+            </a:solidFill>
+            <a:prstDash val="dash"/>
+          </a:ln>
+        </p:spPr>
+        <p:txBody>
+          <a:bodyPr vert="horz" lIns="91440" tIns="45720" rIns="91440" bIns="45720" rtlCol="0">
+            <a:normAutofit/>
+          </a:bodyPr>
+          <a:lstStyle>
+            <a:lvl1pPr marL="0" indent="0" algn="ctr" defTabSz="717530" rtl="0" eaLnBrk="1" latinLnBrk="0" hangingPunct="1">
+              <a:lnSpc>
+                <a:spcPct val="90000"/>
+              </a:lnSpc>
+              <a:spcBef>
+                <a:spcPts val="785"/>
+              </a:spcBef>
+              <a:buFont typeface="Arial" panose="020B0604020202020204" pitchFamily="34" charset="0"/>
+              <a:buNone/>
+              <a:defRPr sz="1883" kern="1200">
+                <a:solidFill>
+                  <a:schemeClr val="tx1"/>
+                </a:solidFill>
+                <a:latin typeface="+mn-lt"/>
+                <a:ea typeface="+mn-ea"/>
+                <a:cs typeface="+mn-cs"/>
+              </a:defRPr>
+            </a:lvl1pPr>
+            <a:lvl2pPr marL="358765" indent="0" algn="ctr" defTabSz="717530" rtl="0" eaLnBrk="1" latinLnBrk="0" hangingPunct="1">
+              <a:lnSpc>
+                <a:spcPct val="90000"/>
+              </a:lnSpc>
+              <a:spcBef>
+                <a:spcPts val="392"/>
+              </a:spcBef>
+              <a:buFont typeface="Arial" panose="020B0604020202020204" pitchFamily="34" charset="0"/>
+              <a:buNone/>
+              <a:defRPr sz="1569" kern="1200">
+                <a:solidFill>
+                  <a:schemeClr val="tx1"/>
+                </a:solidFill>
+                <a:latin typeface="+mn-lt"/>
+                <a:ea typeface="+mn-ea"/>
+                <a:cs typeface="+mn-cs"/>
+              </a:defRPr>
+            </a:lvl2pPr>
+            <a:lvl3pPr marL="717530" indent="0" algn="ctr" defTabSz="717530" rtl="0" eaLnBrk="1" latinLnBrk="0" hangingPunct="1">
+              <a:lnSpc>
+                <a:spcPct val="90000"/>
+              </a:lnSpc>
+              <a:spcBef>
+                <a:spcPts val="392"/>
+              </a:spcBef>
+              <a:buFont typeface="Arial" panose="020B0604020202020204" pitchFamily="34" charset="0"/>
+              <a:buNone/>
+              <a:defRPr sz="1412" kern="1200">
+                <a:solidFill>
+                  <a:schemeClr val="tx1"/>
+                </a:solidFill>
+                <a:latin typeface="+mn-lt"/>
+                <a:ea typeface="+mn-ea"/>
+                <a:cs typeface="+mn-cs"/>
+              </a:defRPr>
+            </a:lvl3pPr>
+            <a:lvl4pPr marL="1076295" indent="0" algn="ctr" defTabSz="717530" rtl="0" eaLnBrk="1" latinLnBrk="0" hangingPunct="1">
+              <a:lnSpc>
+                <a:spcPct val="90000"/>
+              </a:lnSpc>
+              <a:spcBef>
+                <a:spcPts val="392"/>
+              </a:spcBef>
+              <a:buFont typeface="Arial" panose="020B0604020202020204" pitchFamily="34" charset="0"/>
+              <a:buNone/>
+              <a:defRPr sz="1256" kern="1200">
+                <a:solidFill>
+                  <a:schemeClr val="tx1"/>
+                </a:solidFill>
+                <a:latin typeface="+mn-lt"/>
+                <a:ea typeface="+mn-ea"/>
+                <a:cs typeface="+mn-cs"/>
+              </a:defRPr>
+            </a:lvl4pPr>
+            <a:lvl5pPr marL="1435059" indent="0" algn="ctr" defTabSz="717530" rtl="0" eaLnBrk="1" latinLnBrk="0" hangingPunct="1">
+              <a:lnSpc>
+                <a:spcPct val="90000"/>
+              </a:lnSpc>
+              <a:spcBef>
+                <a:spcPts val="392"/>
+              </a:spcBef>
+              <a:buFont typeface="Arial" panose="020B0604020202020204" pitchFamily="34" charset="0"/>
+              <a:buNone/>
+              <a:defRPr sz="1256" kern="1200">
+                <a:solidFill>
+                  <a:schemeClr val="tx1"/>
+                </a:solidFill>
+                <a:latin typeface="+mn-lt"/>
+                <a:ea typeface="+mn-ea"/>
+                <a:cs typeface="+mn-cs"/>
+              </a:defRPr>
+            </a:lvl5pPr>
+            <a:lvl6pPr marL="1793824" indent="0" algn="ctr" defTabSz="717530" rtl="0" eaLnBrk="1" latinLnBrk="0" hangingPunct="1">
+              <a:lnSpc>
+                <a:spcPct val="90000"/>
+              </a:lnSpc>
+              <a:spcBef>
+                <a:spcPts val="392"/>
+              </a:spcBef>
+              <a:buFont typeface="Arial" panose="020B0604020202020204" pitchFamily="34" charset="0"/>
+              <a:buNone/>
+              <a:defRPr sz="1256" kern="1200">
+                <a:solidFill>
+                  <a:schemeClr val="tx1"/>
+                </a:solidFill>
+                <a:latin typeface="+mn-lt"/>
+                <a:ea typeface="+mn-ea"/>
+                <a:cs typeface="+mn-cs"/>
+              </a:defRPr>
+            </a:lvl6pPr>
+            <a:lvl7pPr marL="2152589" indent="0" algn="ctr" defTabSz="717530" rtl="0" eaLnBrk="1" latinLnBrk="0" hangingPunct="1">
+              <a:lnSpc>
+                <a:spcPct val="90000"/>
+              </a:lnSpc>
+              <a:spcBef>
+                <a:spcPts val="392"/>
+              </a:spcBef>
+              <a:buFont typeface="Arial" panose="020B0604020202020204" pitchFamily="34" charset="0"/>
+              <a:buNone/>
+              <a:defRPr sz="1256" kern="1200">
+                <a:solidFill>
+                  <a:schemeClr val="tx1"/>
+                </a:solidFill>
+                <a:latin typeface="+mn-lt"/>
+                <a:ea typeface="+mn-ea"/>
+                <a:cs typeface="+mn-cs"/>
+              </a:defRPr>
+            </a:lvl7pPr>
+            <a:lvl8pPr marL="2511354" indent="0" algn="ctr" defTabSz="717530" rtl="0" eaLnBrk="1" latinLnBrk="0" hangingPunct="1">
+              <a:lnSpc>
+                <a:spcPct val="90000"/>
+              </a:lnSpc>
+              <a:spcBef>
+                <a:spcPts val="392"/>
+              </a:spcBef>
+              <a:buFont typeface="Arial" panose="020B0604020202020204" pitchFamily="34" charset="0"/>
+              <a:buNone/>
+              <a:defRPr sz="1256" kern="1200">
+                <a:solidFill>
+                  <a:schemeClr val="tx1"/>
+                </a:solidFill>
+                <a:latin typeface="+mn-lt"/>
+                <a:ea typeface="+mn-ea"/>
+                <a:cs typeface="+mn-cs"/>
+              </a:defRPr>
+            </a:lvl8pPr>
+            <a:lvl9pPr marL="2870119" indent="0" algn="ctr" defTabSz="717530" rtl="0" eaLnBrk="1" latinLnBrk="0" hangingPunct="1">
+              <a:lnSpc>
+                <a:spcPct val="90000"/>
+              </a:lnSpc>
+              <a:spcBef>
+                <a:spcPts val="392"/>
+              </a:spcBef>
+              <a:buFont typeface="Arial" panose="020B0604020202020204" pitchFamily="34" charset="0"/>
+              <a:buNone/>
+              <a:defRPr sz="1256" kern="1200">
+                <a:solidFill>
+                  <a:schemeClr val="tx1"/>
+                </a:solidFill>
+                <a:latin typeface="+mn-lt"/>
+                <a:ea typeface="+mn-ea"/>
+                <a:cs typeface="+mn-cs"/>
+              </a:defRPr>
+            </a:lvl9pPr>
+          </a:lstStyle>
+          <a:p>
+            <a:pPr algn="l">
+              <a:lnSpc>
+                <a:spcPct val="135000"/>
+              </a:lnSpc>
+            </a:pPr>
+            <a:r>
+              <a:rPr lang="en-US" sz="800" b="1" dirty="0" err="1">
+                <a:latin typeface="Stone Serif" pitchFamily="2" charset="0"/>
+              </a:rPr>
+              <a:t>Quantmetry</a:t>
+            </a:r>
+            <a:r>
+              <a:rPr lang="en-US" sz="800" b="1" dirty="0">
+                <a:latin typeface="Stone Serif" pitchFamily="2" charset="0"/>
+              </a:rPr>
+              <a:t> </a:t>
+            </a:r>
+            <a:r>
+              <a:rPr lang="fr-FR" sz="800" dirty="0" smtClean="0">
+                <a:latin typeface="Stone Serif" pitchFamily="2" charset="0"/>
+              </a:rPr>
+              <a:t>utilise </a:t>
+            </a:r>
+            <a:r>
+              <a:rPr lang="fr-FR" sz="800" dirty="0">
+                <a:latin typeface="Stone Serif" pitchFamily="2" charset="0"/>
+              </a:rPr>
+              <a:t>la </a:t>
+            </a:r>
+            <a:r>
+              <a:rPr lang="fr-FR" sz="800" dirty="0" err="1">
+                <a:latin typeface="Stone Serif" pitchFamily="2" charset="0"/>
+              </a:rPr>
+              <a:t>blockchain</a:t>
+            </a:r>
+            <a:r>
+              <a:rPr lang="fr-FR" sz="800" dirty="0">
+                <a:latin typeface="Stone Serif" pitchFamily="2" charset="0"/>
+              </a:rPr>
+              <a:t> pour assurer le transfert d’actifs (ici, des jeux de données) entre parties prenantes, sans tiers de confiance.</a:t>
+            </a:r>
+            <a:endParaRPr lang="fr-FR" sz="800" dirty="0">
+              <a:latin typeface="Stone Serif" pitchFamily="2" charset="0"/>
+            </a:endParaRPr>
+          </a:p>
+        </p:txBody>
+      </p:sp>
+      <p:sp>
+        <p:nvSpPr>
+          <p:cNvPr id="24" name="Sous-titre 2"/>
+          <p:cNvSpPr txBox="1">
+            <a:spLocks/>
+          </p:cNvSpPr>
+          <p:nvPr/>
+        </p:nvSpPr>
+        <p:spPr>
+          <a:xfrm>
+            <a:off x="3668954" y="3846212"/>
+            <a:ext cx="1073169" cy="1276467"/>
+          </a:xfrm>
+          <a:prstGeom prst="rect">
+            <a:avLst/>
+          </a:prstGeom>
+          <a:ln>
+            <a:solidFill>
+              <a:schemeClr val="tx1"/>
+            </a:solidFill>
+            <a:prstDash val="dash"/>
+          </a:ln>
+        </p:spPr>
+        <p:txBody>
+          <a:bodyPr vert="horz" lIns="91440" tIns="45720" rIns="91440" bIns="45720" rtlCol="0">
+            <a:normAutofit/>
+          </a:bodyPr>
+          <a:lstStyle>
+            <a:lvl1pPr marL="0" indent="0" algn="ctr" defTabSz="717530" rtl="0" eaLnBrk="1" latinLnBrk="0" hangingPunct="1">
+              <a:lnSpc>
+                <a:spcPct val="90000"/>
+              </a:lnSpc>
+              <a:spcBef>
+                <a:spcPts val="785"/>
+              </a:spcBef>
+              <a:buFont typeface="Arial" panose="020B0604020202020204" pitchFamily="34" charset="0"/>
+              <a:buNone/>
+              <a:defRPr sz="1883" kern="1200">
+                <a:solidFill>
+                  <a:schemeClr val="tx1"/>
+                </a:solidFill>
+                <a:latin typeface="+mn-lt"/>
+                <a:ea typeface="+mn-ea"/>
+                <a:cs typeface="+mn-cs"/>
+              </a:defRPr>
+            </a:lvl1pPr>
+            <a:lvl2pPr marL="358765" indent="0" algn="ctr" defTabSz="717530" rtl="0" eaLnBrk="1" latinLnBrk="0" hangingPunct="1">
+              <a:lnSpc>
+                <a:spcPct val="90000"/>
+              </a:lnSpc>
+              <a:spcBef>
+                <a:spcPts val="392"/>
+              </a:spcBef>
+              <a:buFont typeface="Arial" panose="020B0604020202020204" pitchFamily="34" charset="0"/>
+              <a:buNone/>
+              <a:defRPr sz="1569" kern="1200">
+                <a:solidFill>
+                  <a:schemeClr val="tx1"/>
+                </a:solidFill>
+                <a:latin typeface="+mn-lt"/>
+                <a:ea typeface="+mn-ea"/>
+                <a:cs typeface="+mn-cs"/>
+              </a:defRPr>
+            </a:lvl2pPr>
+            <a:lvl3pPr marL="717530" indent="0" algn="ctr" defTabSz="717530" rtl="0" eaLnBrk="1" latinLnBrk="0" hangingPunct="1">
+              <a:lnSpc>
+                <a:spcPct val="90000"/>
+              </a:lnSpc>
+              <a:spcBef>
+                <a:spcPts val="392"/>
+              </a:spcBef>
+              <a:buFont typeface="Arial" panose="020B0604020202020204" pitchFamily="34" charset="0"/>
+              <a:buNone/>
+              <a:defRPr sz="1412" kern="1200">
+                <a:solidFill>
+                  <a:schemeClr val="tx1"/>
+                </a:solidFill>
+                <a:latin typeface="+mn-lt"/>
+                <a:ea typeface="+mn-ea"/>
+                <a:cs typeface="+mn-cs"/>
+              </a:defRPr>
+            </a:lvl3pPr>
+            <a:lvl4pPr marL="1076295" indent="0" algn="ctr" defTabSz="717530" rtl="0" eaLnBrk="1" latinLnBrk="0" hangingPunct="1">
+              <a:lnSpc>
+                <a:spcPct val="90000"/>
+              </a:lnSpc>
+              <a:spcBef>
+                <a:spcPts val="392"/>
+              </a:spcBef>
+              <a:buFont typeface="Arial" panose="020B0604020202020204" pitchFamily="34" charset="0"/>
+              <a:buNone/>
+              <a:defRPr sz="1256" kern="1200">
+                <a:solidFill>
+                  <a:schemeClr val="tx1"/>
+                </a:solidFill>
+                <a:latin typeface="+mn-lt"/>
+                <a:ea typeface="+mn-ea"/>
+                <a:cs typeface="+mn-cs"/>
+              </a:defRPr>
+            </a:lvl4pPr>
+            <a:lvl5pPr marL="1435059" indent="0" algn="ctr" defTabSz="717530" rtl="0" eaLnBrk="1" latinLnBrk="0" hangingPunct="1">
+              <a:lnSpc>
+                <a:spcPct val="90000"/>
+              </a:lnSpc>
+              <a:spcBef>
+                <a:spcPts val="392"/>
+              </a:spcBef>
+              <a:buFont typeface="Arial" panose="020B0604020202020204" pitchFamily="34" charset="0"/>
+              <a:buNone/>
+              <a:defRPr sz="1256" kern="1200">
+                <a:solidFill>
+                  <a:schemeClr val="tx1"/>
+                </a:solidFill>
+                <a:latin typeface="+mn-lt"/>
+                <a:ea typeface="+mn-ea"/>
+                <a:cs typeface="+mn-cs"/>
+              </a:defRPr>
+            </a:lvl5pPr>
+            <a:lvl6pPr marL="1793824" indent="0" algn="ctr" defTabSz="717530" rtl="0" eaLnBrk="1" latinLnBrk="0" hangingPunct="1">
+              <a:lnSpc>
+                <a:spcPct val="90000"/>
+              </a:lnSpc>
+              <a:spcBef>
+                <a:spcPts val="392"/>
+              </a:spcBef>
+              <a:buFont typeface="Arial" panose="020B0604020202020204" pitchFamily="34" charset="0"/>
+              <a:buNone/>
+              <a:defRPr sz="1256" kern="1200">
+                <a:solidFill>
+                  <a:schemeClr val="tx1"/>
+                </a:solidFill>
+                <a:latin typeface="+mn-lt"/>
+                <a:ea typeface="+mn-ea"/>
+                <a:cs typeface="+mn-cs"/>
+              </a:defRPr>
+            </a:lvl6pPr>
+            <a:lvl7pPr marL="2152589" indent="0" algn="ctr" defTabSz="717530" rtl="0" eaLnBrk="1" latinLnBrk="0" hangingPunct="1">
+              <a:lnSpc>
+                <a:spcPct val="90000"/>
+              </a:lnSpc>
+              <a:spcBef>
+                <a:spcPts val="392"/>
+              </a:spcBef>
+              <a:buFont typeface="Arial" panose="020B0604020202020204" pitchFamily="34" charset="0"/>
+              <a:buNone/>
+              <a:defRPr sz="1256" kern="1200">
+                <a:solidFill>
+                  <a:schemeClr val="tx1"/>
+                </a:solidFill>
+                <a:latin typeface="+mn-lt"/>
+                <a:ea typeface="+mn-ea"/>
+                <a:cs typeface="+mn-cs"/>
+              </a:defRPr>
+            </a:lvl7pPr>
+            <a:lvl8pPr marL="2511354" indent="0" algn="ctr" defTabSz="717530" rtl="0" eaLnBrk="1" latinLnBrk="0" hangingPunct="1">
+              <a:lnSpc>
+                <a:spcPct val="90000"/>
+              </a:lnSpc>
+              <a:spcBef>
+                <a:spcPts val="392"/>
+              </a:spcBef>
+              <a:buFont typeface="Arial" panose="020B0604020202020204" pitchFamily="34" charset="0"/>
+              <a:buNone/>
+              <a:defRPr sz="1256" kern="1200">
+                <a:solidFill>
+                  <a:schemeClr val="tx1"/>
+                </a:solidFill>
+                <a:latin typeface="+mn-lt"/>
+                <a:ea typeface="+mn-ea"/>
+                <a:cs typeface="+mn-cs"/>
+              </a:defRPr>
+            </a:lvl8pPr>
+            <a:lvl9pPr marL="2870119" indent="0" algn="ctr" defTabSz="717530" rtl="0" eaLnBrk="1" latinLnBrk="0" hangingPunct="1">
+              <a:lnSpc>
+                <a:spcPct val="90000"/>
+              </a:lnSpc>
+              <a:spcBef>
+                <a:spcPts val="392"/>
+              </a:spcBef>
+              <a:buFont typeface="Arial" panose="020B0604020202020204" pitchFamily="34" charset="0"/>
+              <a:buNone/>
+              <a:defRPr sz="1256" kern="1200">
+                <a:solidFill>
+                  <a:schemeClr val="tx1"/>
+                </a:solidFill>
+                <a:latin typeface="+mn-lt"/>
+                <a:ea typeface="+mn-ea"/>
+                <a:cs typeface="+mn-cs"/>
+              </a:defRPr>
+            </a:lvl9pPr>
+          </a:lstStyle>
+          <a:p>
+            <a:pPr algn="l">
+              <a:lnSpc>
+                <a:spcPct val="135000"/>
+              </a:lnSpc>
+            </a:pPr>
+            <a:r>
+              <a:rPr lang="fr-FR" sz="800" b="1" dirty="0" err="1" smtClean="0">
+                <a:latin typeface="Stone Serif" pitchFamily="2" charset="0"/>
+              </a:rPr>
+              <a:t>BCDiploma</a:t>
+            </a:r>
+            <a:r>
+              <a:rPr lang="fr-FR" sz="800" dirty="0" smtClean="0">
+                <a:latin typeface="Stone Serif" pitchFamily="2" charset="0"/>
+              </a:rPr>
+              <a:t>: start-up développant une solution d’authentification de diplômes, multi-écoles.</a:t>
+            </a:r>
+            <a:endParaRPr lang="fr-FR" sz="800" dirty="0">
+              <a:latin typeface="Stone Serif" pitchFamily="2" charset="0"/>
+            </a:endParaRPr>
+          </a:p>
+        </p:txBody>
+      </p:sp>
+      <p:sp>
+        <p:nvSpPr>
+          <p:cNvPr id="30" name="Sous-titre 2"/>
+          <p:cNvSpPr txBox="1">
+            <a:spLocks/>
+          </p:cNvSpPr>
+          <p:nvPr/>
+        </p:nvSpPr>
+        <p:spPr>
+          <a:xfrm>
+            <a:off x="1840155" y="3846268"/>
+            <a:ext cx="1732386" cy="1276411"/>
+          </a:xfrm>
+          <a:prstGeom prst="rect">
+            <a:avLst/>
+          </a:prstGeom>
+          <a:ln>
+            <a:solidFill>
+              <a:schemeClr val="tx1"/>
+            </a:solidFill>
+            <a:prstDash val="dash"/>
+          </a:ln>
+        </p:spPr>
+        <p:txBody>
+          <a:bodyPr vert="horz" lIns="91440" tIns="45720" rIns="91440" bIns="45720" rtlCol="0">
+            <a:noAutofit/>
+          </a:bodyPr>
+          <a:lstStyle>
+            <a:lvl1pPr marL="0" indent="0" algn="ctr" defTabSz="717530" rtl="0" eaLnBrk="1" latinLnBrk="0" hangingPunct="1">
+              <a:lnSpc>
+                <a:spcPct val="90000"/>
+              </a:lnSpc>
+              <a:spcBef>
+                <a:spcPts val="785"/>
+              </a:spcBef>
+              <a:buFont typeface="Arial" panose="020B0604020202020204" pitchFamily="34" charset="0"/>
+              <a:buNone/>
+              <a:defRPr sz="1883" kern="1200">
+                <a:solidFill>
+                  <a:schemeClr val="tx1"/>
+                </a:solidFill>
+                <a:latin typeface="+mn-lt"/>
+                <a:ea typeface="+mn-ea"/>
+                <a:cs typeface="+mn-cs"/>
+              </a:defRPr>
+            </a:lvl1pPr>
+            <a:lvl2pPr marL="358765" indent="0" algn="ctr" defTabSz="717530" rtl="0" eaLnBrk="1" latinLnBrk="0" hangingPunct="1">
+              <a:lnSpc>
+                <a:spcPct val="90000"/>
+              </a:lnSpc>
+              <a:spcBef>
+                <a:spcPts val="392"/>
+              </a:spcBef>
+              <a:buFont typeface="Arial" panose="020B0604020202020204" pitchFamily="34" charset="0"/>
+              <a:buNone/>
+              <a:defRPr sz="1569" kern="1200">
+                <a:solidFill>
+                  <a:schemeClr val="tx1"/>
+                </a:solidFill>
+                <a:latin typeface="+mn-lt"/>
+                <a:ea typeface="+mn-ea"/>
+                <a:cs typeface="+mn-cs"/>
+              </a:defRPr>
+            </a:lvl2pPr>
+            <a:lvl3pPr marL="717530" indent="0" algn="ctr" defTabSz="717530" rtl="0" eaLnBrk="1" latinLnBrk="0" hangingPunct="1">
+              <a:lnSpc>
+                <a:spcPct val="90000"/>
+              </a:lnSpc>
+              <a:spcBef>
+                <a:spcPts val="392"/>
+              </a:spcBef>
+              <a:buFont typeface="Arial" panose="020B0604020202020204" pitchFamily="34" charset="0"/>
+              <a:buNone/>
+              <a:defRPr sz="1412" kern="1200">
+                <a:solidFill>
+                  <a:schemeClr val="tx1"/>
+                </a:solidFill>
+                <a:latin typeface="+mn-lt"/>
+                <a:ea typeface="+mn-ea"/>
+                <a:cs typeface="+mn-cs"/>
+              </a:defRPr>
+            </a:lvl3pPr>
+            <a:lvl4pPr marL="1076295" indent="0" algn="ctr" defTabSz="717530" rtl="0" eaLnBrk="1" latinLnBrk="0" hangingPunct="1">
+              <a:lnSpc>
+                <a:spcPct val="90000"/>
+              </a:lnSpc>
+              <a:spcBef>
+                <a:spcPts val="392"/>
+              </a:spcBef>
+              <a:buFont typeface="Arial" panose="020B0604020202020204" pitchFamily="34" charset="0"/>
+              <a:buNone/>
+              <a:defRPr sz="1256" kern="1200">
+                <a:solidFill>
+                  <a:schemeClr val="tx1"/>
+                </a:solidFill>
+                <a:latin typeface="+mn-lt"/>
+                <a:ea typeface="+mn-ea"/>
+                <a:cs typeface="+mn-cs"/>
+              </a:defRPr>
+            </a:lvl4pPr>
+            <a:lvl5pPr marL="1435059" indent="0" algn="ctr" defTabSz="717530" rtl="0" eaLnBrk="1" latinLnBrk="0" hangingPunct="1">
+              <a:lnSpc>
+                <a:spcPct val="90000"/>
+              </a:lnSpc>
+              <a:spcBef>
+                <a:spcPts val="392"/>
+              </a:spcBef>
+              <a:buFont typeface="Arial" panose="020B0604020202020204" pitchFamily="34" charset="0"/>
+              <a:buNone/>
+              <a:defRPr sz="1256" kern="1200">
+                <a:solidFill>
+                  <a:schemeClr val="tx1"/>
+                </a:solidFill>
+                <a:latin typeface="+mn-lt"/>
+                <a:ea typeface="+mn-ea"/>
+                <a:cs typeface="+mn-cs"/>
+              </a:defRPr>
+            </a:lvl5pPr>
+            <a:lvl6pPr marL="1793824" indent="0" algn="ctr" defTabSz="717530" rtl="0" eaLnBrk="1" latinLnBrk="0" hangingPunct="1">
+              <a:lnSpc>
+                <a:spcPct val="90000"/>
+              </a:lnSpc>
+              <a:spcBef>
+                <a:spcPts val="392"/>
+              </a:spcBef>
+              <a:buFont typeface="Arial" panose="020B0604020202020204" pitchFamily="34" charset="0"/>
+              <a:buNone/>
+              <a:defRPr sz="1256" kern="1200">
+                <a:solidFill>
+                  <a:schemeClr val="tx1"/>
+                </a:solidFill>
+                <a:latin typeface="+mn-lt"/>
+                <a:ea typeface="+mn-ea"/>
+                <a:cs typeface="+mn-cs"/>
+              </a:defRPr>
+            </a:lvl6pPr>
+            <a:lvl7pPr marL="2152589" indent="0" algn="ctr" defTabSz="717530" rtl="0" eaLnBrk="1" latinLnBrk="0" hangingPunct="1">
+              <a:lnSpc>
+                <a:spcPct val="90000"/>
+              </a:lnSpc>
+              <a:spcBef>
+                <a:spcPts val="392"/>
+              </a:spcBef>
+              <a:buFont typeface="Arial" panose="020B0604020202020204" pitchFamily="34" charset="0"/>
+              <a:buNone/>
+              <a:defRPr sz="1256" kern="1200">
+                <a:solidFill>
+                  <a:schemeClr val="tx1"/>
+                </a:solidFill>
+                <a:latin typeface="+mn-lt"/>
+                <a:ea typeface="+mn-ea"/>
+                <a:cs typeface="+mn-cs"/>
+              </a:defRPr>
+            </a:lvl7pPr>
+            <a:lvl8pPr marL="2511354" indent="0" algn="ctr" defTabSz="717530" rtl="0" eaLnBrk="1" latinLnBrk="0" hangingPunct="1">
+              <a:lnSpc>
+                <a:spcPct val="90000"/>
+              </a:lnSpc>
+              <a:spcBef>
+                <a:spcPts val="392"/>
+              </a:spcBef>
+              <a:buFont typeface="Arial" panose="020B0604020202020204" pitchFamily="34" charset="0"/>
+              <a:buNone/>
+              <a:defRPr sz="1256" kern="1200">
+                <a:solidFill>
+                  <a:schemeClr val="tx1"/>
+                </a:solidFill>
+                <a:latin typeface="+mn-lt"/>
+                <a:ea typeface="+mn-ea"/>
+                <a:cs typeface="+mn-cs"/>
+              </a:defRPr>
+            </a:lvl8pPr>
+            <a:lvl9pPr marL="2870119" indent="0" algn="ctr" defTabSz="717530" rtl="0" eaLnBrk="1" latinLnBrk="0" hangingPunct="1">
+              <a:lnSpc>
+                <a:spcPct val="90000"/>
+              </a:lnSpc>
+              <a:spcBef>
+                <a:spcPts val="392"/>
+              </a:spcBef>
+              <a:buFont typeface="Arial" panose="020B0604020202020204" pitchFamily="34" charset="0"/>
+              <a:buNone/>
+              <a:defRPr sz="1256" kern="1200">
+                <a:solidFill>
+                  <a:schemeClr val="tx1"/>
+                </a:solidFill>
+                <a:latin typeface="+mn-lt"/>
+                <a:ea typeface="+mn-ea"/>
+                <a:cs typeface="+mn-cs"/>
+              </a:defRPr>
+            </a:lvl9pPr>
+          </a:lstStyle>
+          <a:p>
+            <a:pPr algn="l">
+              <a:lnSpc>
+                <a:spcPct val="135000"/>
+              </a:lnSpc>
+            </a:pPr>
+            <a:r>
+              <a:rPr lang="fr-FR" sz="800" b="1" dirty="0" err="1" smtClean="0">
+                <a:latin typeface="Stone Serif" pitchFamily="2" charset="0"/>
+              </a:rPr>
+              <a:t>bitcoin</a:t>
+            </a:r>
+            <a:r>
+              <a:rPr lang="fr-FR" sz="800" dirty="0" smtClean="0">
+                <a:latin typeface="Stone Serif" pitchFamily="2" charset="0"/>
+              </a:rPr>
+              <a:t> – cette monnaie utilise la </a:t>
+            </a:r>
+            <a:r>
+              <a:rPr lang="fr-FR" sz="800" dirty="0" err="1" smtClean="0">
+                <a:latin typeface="Stone Serif" pitchFamily="2" charset="0"/>
+              </a:rPr>
+              <a:t>blockchain</a:t>
+            </a:r>
+            <a:r>
+              <a:rPr lang="fr-FR" sz="800" dirty="0" smtClean="0">
+                <a:latin typeface="Stone Serif" pitchFamily="2" charset="0"/>
+              </a:rPr>
+              <a:t> pour déterminer son mode d’émission et pour assurer les transactions financières. Le </a:t>
+            </a:r>
+            <a:r>
+              <a:rPr lang="fr-FR" sz="800" dirty="0" err="1" smtClean="0">
+                <a:latin typeface="Stone Serif" pitchFamily="2" charset="0"/>
+              </a:rPr>
+              <a:t>bitcoin</a:t>
+            </a:r>
+            <a:r>
+              <a:rPr lang="fr-FR" sz="800" dirty="0" smtClean="0">
+                <a:latin typeface="Stone Serif" pitchFamily="2" charset="0"/>
+              </a:rPr>
+              <a:t> a été créé comme premier cas d’usage de la </a:t>
+            </a:r>
+            <a:r>
+              <a:rPr lang="fr-FR" sz="800" dirty="0" err="1" smtClean="0">
+                <a:latin typeface="Stone Serif" pitchFamily="2" charset="0"/>
+              </a:rPr>
+              <a:t>blockchain</a:t>
+            </a:r>
+            <a:r>
+              <a:rPr lang="fr-FR" sz="800" dirty="0" smtClean="0">
+                <a:latin typeface="Stone Serif" pitchFamily="2" charset="0"/>
+              </a:rPr>
+              <a:t> en 2009.</a:t>
+            </a:r>
+            <a:endParaRPr lang="fr-FR" sz="800" dirty="0">
+              <a:latin typeface="Stone Serif" pitchFamily="2" charset="0"/>
+            </a:endParaRPr>
+          </a:p>
+        </p:txBody>
+      </p:sp>
+      <p:sp>
+        <p:nvSpPr>
+          <p:cNvPr id="12" name="ZoneTexte 11"/>
+          <p:cNvSpPr txBox="1"/>
+          <p:nvPr/>
+        </p:nvSpPr>
+        <p:spPr>
+          <a:xfrm>
+            <a:off x="432658" y="3572412"/>
+            <a:ext cx="4309466" cy="320857"/>
+          </a:xfrm>
+          <a:prstGeom prst="rect">
+            <a:avLst/>
+          </a:prstGeom>
+          <a:solidFill>
+            <a:srgbClr val="FFBDF5"/>
+          </a:solidFill>
+        </p:spPr>
+        <p:txBody>
+          <a:bodyPr wrap="square" rtlCol="0">
+            <a:spAutoFit/>
+          </a:bodyPr>
+          <a:lstStyle/>
+          <a:p>
+            <a:pPr>
+              <a:lnSpc>
+                <a:spcPct val="135000"/>
+              </a:lnSpc>
+            </a:pPr>
+            <a:r>
+              <a:rPr lang="fr-FR" sz="1100" dirty="0" smtClean="0">
+                <a:latin typeface="Stone Serif" pitchFamily="2" charset="0"/>
+              </a:rPr>
+              <a:t>3 usages de cette techno</a:t>
+            </a:r>
+            <a:endParaRPr lang="fr-FR" sz="1100" dirty="0">
+              <a:latin typeface="Stone Serif" pitchFamily="2" charset="0"/>
+            </a:endParaRPr>
+          </a:p>
+        </p:txBody>
+      </p:sp>
+      <p:sp>
+        <p:nvSpPr>
+          <p:cNvPr id="32" name="ZoneTexte 31"/>
+          <p:cNvSpPr txBox="1"/>
+          <p:nvPr/>
+        </p:nvSpPr>
+        <p:spPr>
+          <a:xfrm>
+            <a:off x="113682" y="28960"/>
+            <a:ext cx="934068" cy="300082"/>
+          </a:xfrm>
+          <a:prstGeom prst="rect">
+            <a:avLst/>
+          </a:prstGeom>
+          <a:solidFill>
+            <a:srgbClr val="FFBDF5"/>
+          </a:solidFill>
+        </p:spPr>
+        <p:txBody>
+          <a:bodyPr wrap="square" rtlCol="0">
+            <a:spAutoFit/>
+          </a:bodyPr>
+          <a:lstStyle/>
+          <a:p>
+            <a:pPr>
+              <a:lnSpc>
+                <a:spcPct val="135000"/>
+              </a:lnSpc>
+            </a:pPr>
+            <a:r>
+              <a:rPr lang="fr-FR" sz="1000" dirty="0" smtClean="0">
+                <a:latin typeface="Stone Serif" pitchFamily="2" charset="0"/>
+              </a:rPr>
+              <a:t>Techno</a:t>
+            </a:r>
+            <a:endParaRPr lang="fr-FR" sz="1000" dirty="0">
+              <a:latin typeface="Stone Serif" pitchFamily="2" charset="0"/>
+            </a:endParaRPr>
+          </a:p>
+        </p:txBody>
+      </p:sp>
+      <p:sp>
+        <p:nvSpPr>
+          <p:cNvPr id="18" name="Sous-titre 2"/>
+          <p:cNvSpPr txBox="1">
+            <a:spLocks/>
+          </p:cNvSpPr>
+          <p:nvPr/>
+        </p:nvSpPr>
+        <p:spPr>
+          <a:xfrm>
+            <a:off x="4880615" y="3824485"/>
+            <a:ext cx="2349525" cy="1298194"/>
+          </a:xfrm>
+          <a:prstGeom prst="rect">
+            <a:avLst/>
+          </a:prstGeom>
+          <a:ln>
+            <a:solidFill>
+              <a:schemeClr val="tx1"/>
+            </a:solidFill>
+            <a:prstDash val="dash"/>
+          </a:ln>
+        </p:spPr>
+        <p:txBody>
+          <a:bodyPr vert="horz" lIns="91440" tIns="45720" rIns="91440" bIns="45720" rtlCol="0">
+            <a:noAutofit/>
+          </a:bodyPr>
+          <a:lstStyle>
+            <a:lvl1pPr marL="0" indent="0" algn="ctr" defTabSz="717530" rtl="0" eaLnBrk="1" latinLnBrk="0" hangingPunct="1">
+              <a:lnSpc>
+                <a:spcPct val="90000"/>
+              </a:lnSpc>
+              <a:spcBef>
+                <a:spcPts val="785"/>
+              </a:spcBef>
+              <a:buFont typeface="Arial" panose="020B0604020202020204" pitchFamily="34" charset="0"/>
+              <a:buNone/>
+              <a:defRPr sz="1883" kern="1200">
+                <a:solidFill>
+                  <a:schemeClr val="tx1"/>
+                </a:solidFill>
+                <a:latin typeface="+mn-lt"/>
+                <a:ea typeface="+mn-ea"/>
+                <a:cs typeface="+mn-cs"/>
+              </a:defRPr>
+            </a:lvl1pPr>
+            <a:lvl2pPr marL="358765" indent="0" algn="ctr" defTabSz="717530" rtl="0" eaLnBrk="1" latinLnBrk="0" hangingPunct="1">
+              <a:lnSpc>
+                <a:spcPct val="90000"/>
+              </a:lnSpc>
+              <a:spcBef>
+                <a:spcPts val="392"/>
+              </a:spcBef>
+              <a:buFont typeface="Arial" panose="020B0604020202020204" pitchFamily="34" charset="0"/>
+              <a:buNone/>
+              <a:defRPr sz="1569" kern="1200">
+                <a:solidFill>
+                  <a:schemeClr val="tx1"/>
+                </a:solidFill>
+                <a:latin typeface="+mn-lt"/>
+                <a:ea typeface="+mn-ea"/>
+                <a:cs typeface="+mn-cs"/>
+              </a:defRPr>
+            </a:lvl2pPr>
+            <a:lvl3pPr marL="717530" indent="0" algn="ctr" defTabSz="717530" rtl="0" eaLnBrk="1" latinLnBrk="0" hangingPunct="1">
+              <a:lnSpc>
+                <a:spcPct val="90000"/>
+              </a:lnSpc>
+              <a:spcBef>
+                <a:spcPts val="392"/>
+              </a:spcBef>
+              <a:buFont typeface="Arial" panose="020B0604020202020204" pitchFamily="34" charset="0"/>
+              <a:buNone/>
+              <a:defRPr sz="1412" kern="1200">
+                <a:solidFill>
+                  <a:schemeClr val="tx1"/>
+                </a:solidFill>
+                <a:latin typeface="+mn-lt"/>
+                <a:ea typeface="+mn-ea"/>
+                <a:cs typeface="+mn-cs"/>
+              </a:defRPr>
+            </a:lvl3pPr>
+            <a:lvl4pPr marL="1076295" indent="0" algn="ctr" defTabSz="717530" rtl="0" eaLnBrk="1" latinLnBrk="0" hangingPunct="1">
+              <a:lnSpc>
+                <a:spcPct val="90000"/>
+              </a:lnSpc>
+              <a:spcBef>
+                <a:spcPts val="392"/>
+              </a:spcBef>
+              <a:buFont typeface="Arial" panose="020B0604020202020204" pitchFamily="34" charset="0"/>
+              <a:buNone/>
+              <a:defRPr sz="1256" kern="1200">
+                <a:solidFill>
+                  <a:schemeClr val="tx1"/>
+                </a:solidFill>
+                <a:latin typeface="+mn-lt"/>
+                <a:ea typeface="+mn-ea"/>
+                <a:cs typeface="+mn-cs"/>
+              </a:defRPr>
+            </a:lvl4pPr>
+            <a:lvl5pPr marL="1435059" indent="0" algn="ctr" defTabSz="717530" rtl="0" eaLnBrk="1" latinLnBrk="0" hangingPunct="1">
+              <a:lnSpc>
+                <a:spcPct val="90000"/>
+              </a:lnSpc>
+              <a:spcBef>
+                <a:spcPts val="392"/>
+              </a:spcBef>
+              <a:buFont typeface="Arial" panose="020B0604020202020204" pitchFamily="34" charset="0"/>
+              <a:buNone/>
+              <a:defRPr sz="1256" kern="1200">
+                <a:solidFill>
+                  <a:schemeClr val="tx1"/>
+                </a:solidFill>
+                <a:latin typeface="+mn-lt"/>
+                <a:ea typeface="+mn-ea"/>
+                <a:cs typeface="+mn-cs"/>
+              </a:defRPr>
+            </a:lvl5pPr>
+            <a:lvl6pPr marL="1793824" indent="0" algn="ctr" defTabSz="717530" rtl="0" eaLnBrk="1" latinLnBrk="0" hangingPunct="1">
+              <a:lnSpc>
+                <a:spcPct val="90000"/>
+              </a:lnSpc>
+              <a:spcBef>
+                <a:spcPts val="392"/>
+              </a:spcBef>
+              <a:buFont typeface="Arial" panose="020B0604020202020204" pitchFamily="34" charset="0"/>
+              <a:buNone/>
+              <a:defRPr sz="1256" kern="1200">
+                <a:solidFill>
+                  <a:schemeClr val="tx1"/>
+                </a:solidFill>
+                <a:latin typeface="+mn-lt"/>
+                <a:ea typeface="+mn-ea"/>
+                <a:cs typeface="+mn-cs"/>
+              </a:defRPr>
+            </a:lvl6pPr>
+            <a:lvl7pPr marL="2152589" indent="0" algn="ctr" defTabSz="717530" rtl="0" eaLnBrk="1" latinLnBrk="0" hangingPunct="1">
+              <a:lnSpc>
+                <a:spcPct val="90000"/>
+              </a:lnSpc>
+              <a:spcBef>
+                <a:spcPts val="392"/>
+              </a:spcBef>
+              <a:buFont typeface="Arial" panose="020B0604020202020204" pitchFamily="34" charset="0"/>
+              <a:buNone/>
+              <a:defRPr sz="1256" kern="1200">
+                <a:solidFill>
+                  <a:schemeClr val="tx1"/>
+                </a:solidFill>
+                <a:latin typeface="+mn-lt"/>
+                <a:ea typeface="+mn-ea"/>
+                <a:cs typeface="+mn-cs"/>
+              </a:defRPr>
+            </a:lvl7pPr>
+            <a:lvl8pPr marL="2511354" indent="0" algn="ctr" defTabSz="717530" rtl="0" eaLnBrk="1" latinLnBrk="0" hangingPunct="1">
+              <a:lnSpc>
+                <a:spcPct val="90000"/>
+              </a:lnSpc>
+              <a:spcBef>
+                <a:spcPts val="392"/>
+              </a:spcBef>
+              <a:buFont typeface="Arial" panose="020B0604020202020204" pitchFamily="34" charset="0"/>
+              <a:buNone/>
+              <a:defRPr sz="1256" kern="1200">
+                <a:solidFill>
+                  <a:schemeClr val="tx1"/>
+                </a:solidFill>
+                <a:latin typeface="+mn-lt"/>
+                <a:ea typeface="+mn-ea"/>
+                <a:cs typeface="+mn-cs"/>
+              </a:defRPr>
+            </a:lvl8pPr>
+            <a:lvl9pPr marL="2870119" indent="0" algn="ctr" defTabSz="717530" rtl="0" eaLnBrk="1" latinLnBrk="0" hangingPunct="1">
+              <a:lnSpc>
+                <a:spcPct val="90000"/>
+              </a:lnSpc>
+              <a:spcBef>
+                <a:spcPts val="392"/>
+              </a:spcBef>
+              <a:buFont typeface="Arial" panose="020B0604020202020204" pitchFamily="34" charset="0"/>
+              <a:buNone/>
+              <a:defRPr sz="1256" kern="1200">
+                <a:solidFill>
+                  <a:schemeClr val="tx1"/>
+                </a:solidFill>
+                <a:latin typeface="+mn-lt"/>
+                <a:ea typeface="+mn-ea"/>
+                <a:cs typeface="+mn-cs"/>
+              </a:defRPr>
+            </a:lvl9pPr>
+          </a:lstStyle>
+          <a:p>
+            <a:pPr algn="l">
+              <a:lnSpc>
+                <a:spcPct val="135000"/>
+              </a:lnSpc>
+            </a:pPr>
+            <a:r>
+              <a:rPr lang="fr-FR" sz="800" dirty="0" smtClean="0">
+                <a:latin typeface="Stone Serif" pitchFamily="2" charset="0"/>
+              </a:rPr>
+              <a:t>Toujours se poser ces questions avant de se lancer dans un projet </a:t>
+            </a:r>
+            <a:r>
+              <a:rPr lang="fr-FR" sz="800" dirty="0" err="1" smtClean="0">
+                <a:latin typeface="Stone Serif" pitchFamily="2" charset="0"/>
+              </a:rPr>
+              <a:t>blockchain</a:t>
+            </a:r>
+            <a:r>
+              <a:rPr lang="fr-FR" sz="800" dirty="0" smtClean="0">
+                <a:latin typeface="Stone Serif" pitchFamily="2" charset="0"/>
+              </a:rPr>
+              <a:t>:</a:t>
+            </a:r>
+          </a:p>
+          <a:p>
+            <a:pPr algn="l">
+              <a:lnSpc>
+                <a:spcPct val="135000"/>
+              </a:lnSpc>
+            </a:pPr>
+            <a:r>
+              <a:rPr lang="fr-FR" sz="800" dirty="0" smtClean="0">
+                <a:latin typeface="Stone Serif" pitchFamily="2" charset="0"/>
+              </a:rPr>
+              <a:t>- Une base de donnée « classique » suffirait-elle?</a:t>
+            </a:r>
+            <a:r>
+              <a:rPr lang="fr-FR" sz="800" dirty="0">
+                <a:latin typeface="Stone Serif" pitchFamily="2" charset="0"/>
+              </a:rPr>
+              <a:t/>
+            </a:r>
+            <a:br>
+              <a:rPr lang="fr-FR" sz="800" dirty="0">
+                <a:latin typeface="Stone Serif" pitchFamily="2" charset="0"/>
+              </a:rPr>
+            </a:br>
+            <a:r>
+              <a:rPr lang="fr-FR" sz="800" dirty="0" smtClean="0">
+                <a:latin typeface="Stone Serif" pitchFamily="2" charset="0"/>
+              </a:rPr>
+              <a:t>- Le projet implique-t-il le besoin de se passer d’un tiers de confiance?</a:t>
+            </a:r>
+          </a:p>
+        </p:txBody>
+      </p:sp>
+      <p:sp>
+        <p:nvSpPr>
+          <p:cNvPr id="19" name="ZoneTexte 18"/>
+          <p:cNvSpPr txBox="1"/>
+          <p:nvPr/>
+        </p:nvSpPr>
+        <p:spPr>
+          <a:xfrm>
+            <a:off x="4880617" y="3581066"/>
+            <a:ext cx="2349524" cy="279307"/>
+          </a:xfrm>
+          <a:prstGeom prst="rect">
+            <a:avLst/>
+          </a:prstGeom>
+          <a:solidFill>
+            <a:srgbClr val="FFBDF5"/>
+          </a:solidFill>
+        </p:spPr>
+        <p:txBody>
+          <a:bodyPr wrap="square" rtlCol="0">
+            <a:spAutoFit/>
+          </a:bodyPr>
+          <a:lstStyle/>
+          <a:p>
+            <a:pPr>
+              <a:lnSpc>
+                <a:spcPct val="135000"/>
+              </a:lnSpc>
+            </a:pPr>
+            <a:r>
+              <a:rPr lang="fr-FR" sz="900" dirty="0" smtClean="0">
+                <a:latin typeface="Stone Serif" pitchFamily="2" charset="0"/>
+              </a:rPr>
+              <a:t>Pièges à éviter</a:t>
+            </a:r>
+            <a:endParaRPr lang="fr-FR" sz="900" dirty="0">
+              <a:latin typeface="Stone Serif" pitchFamily="2" charset="0"/>
+            </a:endParaRPr>
+          </a:p>
+        </p:txBody>
+      </p:sp>
+    </p:spTree>
+    <p:extLst>
+      <p:ext uri="{BB962C8B-B14F-4D97-AF65-F5344CB8AC3E}">
+        <p14:creationId xmlns:p14="http://schemas.microsoft.com/office/powerpoint/2010/main" val="714722673"/>
+      </p:ext>
+    </p:extLst>
+  </p:cSld>
+  <p:clrMapOvr>
+    <a:masterClrMapping/>
+  </p:clrMapOvr>
+</p:sld>
+</file>
+
 <file path=ppt/slides/slide2.xml><?xml version="1.0" encoding="utf-8"?>
 <p:sld xmlns:a="http://schemas.openxmlformats.org/drawingml/2006/main" xmlns:r="http://schemas.openxmlformats.org/officeDocument/2006/relationships" xmlns:p="http://schemas.openxmlformats.org/presentationml/2006/main">
   <p:cSld>
@@ -16896,13 +19213,7 @@
               <a:rPr lang="fr-FR" sz="700" dirty="0" smtClean="0">
                 <a:latin typeface="Stone Serif" pitchFamily="2" charset="0"/>
               </a:rPr>
-              <a:t>, Kim </a:t>
-            </a:r>
-            <a:r>
-              <a:rPr lang="fr-FR" sz="700" dirty="0" smtClean="0">
-                <a:latin typeface="Stone Serif" pitchFamily="2" charset="0"/>
-              </a:rPr>
-              <a:t>Rees</a:t>
+              <a:t>, Kim Rees</a:t>
             </a:r>
             <a:endParaRPr lang="fr-FR" sz="700" dirty="0">
               <a:latin typeface="Stone Serif" pitchFamily="2" charset="0"/>
@@ -22249,10 +24560,16 @@
               <a:t>Quadrature du Net, </a:t>
             </a:r>
             <a:r>
-              <a:rPr lang="fr-FR" sz="700" smtClean="0">
-                <a:latin typeface="Stone Serif" pitchFamily="2" charset="0"/>
-              </a:rPr>
-              <a:t>Tariq </a:t>
+              <a:rPr lang="fr-FR" sz="700" dirty="0" err="1" smtClean="0">
+                <a:latin typeface="Stone Serif" pitchFamily="2" charset="0"/>
+              </a:rPr>
+              <a:t>Tariq</a:t>
+            </a:r>
+            <a:r>
+              <a:rPr lang="fr-FR" sz="700" dirty="0" smtClean="0">
+                <a:latin typeface="Stone Serif" pitchFamily="2" charset="0"/>
+              </a:rPr>
+              <a:t> </a:t>
             </a:r>
             <a:r>
               <a:rPr lang="fr-FR" sz="700" dirty="0" err="1">

--- a/docs/content/fr/cards.pptx
+++ b/docs/content/fr/cards.pptx
@@ -9098,96 +9098,114 @@
               </a:spcBef>
             </a:pPr>
             <a:r>
-              <a:rPr lang="fr-FR" sz="800" dirty="0" smtClean="0">
+              <a:rPr lang="fr-FR" sz="780" dirty="0" smtClean="0">
                 <a:latin typeface="Stone Serif" pitchFamily="2" charset="0"/>
               </a:rPr>
               <a:t>La </a:t>
             </a:r>
             <a:r>
-              <a:rPr lang="fr-FR" sz="800" dirty="0" err="1" smtClean="0">
+              <a:rPr lang="fr-FR" sz="780" dirty="0" err="1" smtClean="0">
                 <a:latin typeface="Stone Serif" pitchFamily="2" charset="0"/>
               </a:rPr>
               <a:t>blockchain</a:t>
             </a:r>
             <a:r>
-              <a:rPr lang="fr-FR" sz="800" dirty="0" smtClean="0">
+              <a:rPr lang="fr-FR" sz="780" dirty="0" smtClean="0">
                 <a:latin typeface="Stone Serif" pitchFamily="2" charset="0"/>
               </a:rPr>
               <a:t> est une technologie proche d’une base de données (</a:t>
             </a:r>
             <a:r>
-              <a:rPr lang="fr-FR" sz="800" dirty="0" err="1" smtClean="0">
+              <a:rPr lang="fr-FR" sz="780" dirty="0" err="1" smtClean="0">
                 <a:latin typeface="Stone Serif" pitchFamily="2" charset="0"/>
               </a:rPr>
               <a:t>bdd</a:t>
             </a:r>
             <a:r>
-              <a:rPr lang="fr-FR" sz="800" dirty="0" smtClean="0">
+              <a:rPr lang="fr-FR" sz="780" dirty="0" smtClean="0">
                 <a:latin typeface="Stone Serif" pitchFamily="2" charset="0"/>
               </a:rPr>
               <a:t>): elle permet l’enregistrement et l’accès à des données stockées sur un support informatique. A la différence d’une </a:t>
             </a:r>
             <a:r>
-              <a:rPr lang="fr-FR" sz="800" dirty="0" err="1" smtClean="0">
+              <a:rPr lang="fr-FR" sz="780" dirty="0" err="1" smtClean="0">
                 <a:latin typeface="Stone Serif" pitchFamily="2" charset="0"/>
               </a:rPr>
               <a:t>bdd</a:t>
             </a:r>
             <a:r>
-              <a:rPr lang="fr-FR" sz="800" dirty="0" smtClean="0">
+              <a:rPr lang="fr-FR" sz="780" dirty="0" smtClean="0">
                 <a:latin typeface="Stone Serif" pitchFamily="2" charset="0"/>
               </a:rPr>
               <a:t>, les données enregistrées sur une </a:t>
             </a:r>
             <a:r>
-              <a:rPr lang="fr-FR" sz="800" dirty="0" err="1" smtClean="0">
+              <a:rPr lang="fr-FR" sz="780" dirty="0" err="1" smtClean="0">
                 <a:latin typeface="Stone Serif" pitchFamily="2" charset="0"/>
               </a:rPr>
               <a:t>blockchain</a:t>
             </a:r>
             <a:r>
-              <a:rPr lang="fr-FR" sz="800" dirty="0" smtClean="0">
+              <a:rPr lang="fr-FR" sz="780" dirty="0" smtClean="0">
                 <a:latin typeface="Stone Serif" pitchFamily="2" charset="0"/>
               </a:rPr>
               <a:t> le sont de façon </a:t>
             </a:r>
             <a:r>
-              <a:rPr lang="fr-FR" sz="800" u="sng" dirty="0" smtClean="0">
+              <a:rPr lang="fr-FR" sz="780" u="sng" dirty="0" smtClean="0">
                 <a:latin typeface="Stone Serif" pitchFamily="2" charset="0"/>
               </a:rPr>
               <a:t>permanente</a:t>
             </a:r>
             <a:r>
-              <a:rPr lang="fr-FR" sz="800" dirty="0" smtClean="0">
+              <a:rPr lang="fr-FR" sz="780" dirty="0" smtClean="0">
                 <a:latin typeface="Stone Serif" pitchFamily="2" charset="0"/>
               </a:rPr>
               <a:t> et </a:t>
             </a:r>
             <a:r>
-              <a:rPr lang="fr-FR" sz="800" u="sng" dirty="0" smtClean="0">
+              <a:rPr lang="fr-FR" sz="780" u="sng" dirty="0" smtClean="0">
                 <a:latin typeface="Stone Serif" pitchFamily="2" charset="0"/>
               </a:rPr>
               <a:t>inaltérable</a:t>
             </a:r>
             <a:r>
-              <a:rPr lang="fr-FR" sz="800" dirty="0" smtClean="0">
-                <a:latin typeface="Stone Serif" pitchFamily="2" charset="0"/>
-              </a:rPr>
-              <a:t>: on ne pas les effacer ni les modifier. Autre différence: la </a:t>
-            </a:r>
-            <a:r>
-              <a:rPr lang="fr-FR" sz="800" dirty="0" err="1" smtClean="0">
+              <a:rPr lang="fr-FR" sz="780" dirty="0" smtClean="0">
+                <a:latin typeface="Stone Serif" pitchFamily="2" charset="0"/>
+              </a:rPr>
+              <a:t>. On </a:t>
+            </a:r>
+            <a:r>
+              <a:rPr lang="fr-FR" sz="780" dirty="0" smtClean="0">
+                <a:latin typeface="Stone Serif" pitchFamily="2" charset="0"/>
+              </a:rPr>
+              <a:t>ne </a:t>
+            </a:r>
+            <a:r>
+              <a:rPr lang="fr-FR" sz="780" dirty="0" smtClean="0">
+                <a:latin typeface="Stone Serif" pitchFamily="2" charset="0"/>
+              </a:rPr>
+              <a:t>peut ni </a:t>
+            </a:r>
+            <a:r>
+              <a:rPr lang="fr-FR" sz="780" dirty="0" smtClean="0">
+                <a:latin typeface="Stone Serif" pitchFamily="2" charset="0"/>
+              </a:rPr>
+              <a:t>les effacer ni les modifier. Autre différence: la </a:t>
+            </a:r>
+            <a:r>
+              <a:rPr lang="fr-FR" sz="780" dirty="0" err="1" smtClean="0">
                 <a:latin typeface="Stone Serif" pitchFamily="2" charset="0"/>
               </a:rPr>
               <a:t>blockchain</a:t>
             </a:r>
             <a:r>
-              <a:rPr lang="fr-FR" sz="800" dirty="0" smtClean="0">
+              <a:rPr lang="fr-FR" sz="780" dirty="0" smtClean="0">
                 <a:latin typeface="Stone Serif" pitchFamily="2" charset="0"/>
               </a:rPr>
               <a:t> n’est pas contrôlée par un acteur en particulier: chacun en possède une copie. Cela en garantit la transparence et l’inaltérabilité,  et supprime le besoin d’un tiers de confiance.</a:t>
             </a:r>
-            <a:endParaRPr lang="fr-FR" sz="800" dirty="0">
+            <a:endParaRPr lang="fr-FR" sz="780" dirty="0">
               <a:latin typeface="Stone Serif" pitchFamily="2" charset="0"/>
             </a:endParaRPr>
           </a:p>
@@ -9901,9 +9919,6 @@
               </a:rPr>
               <a:t> pour assurer le transfert d’actifs (ici, des jeux de données) entre parties prenantes, sans tiers de confiance.</a:t>
             </a:r>
-            <a:endParaRPr lang="fr-FR" sz="800" dirty="0">
-              <a:latin typeface="Stone Serif" pitchFamily="2" charset="0"/>
-            </a:endParaRPr>
           </a:p>
         </p:txBody>
       </p:sp>

--- a/docs/content/fr/cards.pptx
+++ b/docs/content/fr/cards.pptx
@@ -5292,7 +5292,19 @@
               <a:rPr lang="fr-FR" sz="800" dirty="0" smtClean="0">
                 <a:latin typeface="Stone Serif" pitchFamily="2" charset="0"/>
               </a:rPr>
-              <a:t>- une DSI accepte la culture d’ouverture des données via le web</a:t>
+              <a:t>- une DSI </a:t>
+            </a:r>
+            <a:r>
+              <a:rPr lang="fr-FR" sz="800" dirty="0" smtClean="0">
+                <a:latin typeface="Stone Serif" pitchFamily="2" charset="0"/>
+              </a:rPr>
+              <a:t>qui accepte </a:t>
+            </a:r>
+            <a:r>
+              <a:rPr lang="fr-FR" sz="800" dirty="0" smtClean="0">
+                <a:latin typeface="Stone Serif" pitchFamily="2" charset="0"/>
+              </a:rPr>
+              <a:t>la culture d’ouverture des données via le web</a:t>
             </a:r>
             <a:br>
               <a:rPr lang="fr-FR" sz="800" dirty="0" smtClean="0">
@@ -9173,25 +9185,7 @@
               <a:rPr lang="fr-FR" sz="780" dirty="0" smtClean="0">
                 <a:latin typeface="Stone Serif" pitchFamily="2" charset="0"/>
               </a:rPr>
-              <a:t>. On </a:t>
-            </a:r>
-            <a:r>
-              <a:rPr lang="fr-FR" sz="780" dirty="0" smtClean="0">
-                <a:latin typeface="Stone Serif" pitchFamily="2" charset="0"/>
-              </a:rPr>
-              <a:t>ne </a:t>
-            </a:r>
-            <a:r>
-              <a:rPr lang="fr-FR" sz="780" dirty="0" smtClean="0">
-                <a:latin typeface="Stone Serif" pitchFamily="2" charset="0"/>
-              </a:rPr>
-              <a:t>peut ni </a:t>
-            </a:r>
-            <a:r>
-              <a:rPr lang="fr-FR" sz="780" dirty="0" smtClean="0">
-                <a:latin typeface="Stone Serif" pitchFamily="2" charset="0"/>
-              </a:rPr>
-              <a:t>les effacer ni les modifier. Autre différence: la </a:t>
+              <a:t>. On ne peut ni les effacer ni les modifier. Autre différence: la </a:t>
             </a:r>
             <a:r>
               <a:rPr lang="fr-FR" sz="780" dirty="0" err="1" smtClean="0">
@@ -11026,8 +11020,8 @@
         </p:nvSpPr>
         <p:spPr>
           <a:xfrm>
-            <a:off x="5748940" y="4110907"/>
-            <a:ext cx="1580437" cy="1155214"/>
+            <a:off x="5649434" y="4110906"/>
+            <a:ext cx="1679944" cy="1184107"/>
           </a:xfrm>
           <a:prstGeom prst="rect">
             <a:avLst/>
@@ -11240,7 +11234,30 @@
               <a:rPr lang="fr-FR" sz="700" dirty="0" smtClean="0">
                 <a:latin typeface="Stone Serif" pitchFamily="2" charset="0"/>
               </a:rPr>
-              <a:t> » autour de l’IA et créer des gadgets coûteux. Bien souvent, un problème peut-être résolu par une analyse statistique traditionnelle, sans IA de pointe.</a:t>
+              <a:t> » de l’IA quand une analyse statistique traditionnelle suffit.</a:t>
+            </a:r>
+            <a:br>
+              <a:rPr lang="fr-FR" sz="700" dirty="0" smtClean="0">
+                <a:latin typeface="Stone Serif" pitchFamily="2" charset="0"/>
+              </a:rPr>
+            </a:br>
+            <a:r>
+              <a:rPr lang="fr-FR" sz="700" dirty="0">
+                <a:latin typeface="Stone Serif" pitchFamily="2" charset="0"/>
+              </a:rPr>
+              <a:t>- Traiter les résultats de l'IA comme une « vérité scientifique ».  Ces résultats sont susceptibles de multiples biais </a:t>
+            </a:r>
+            <a:r>
+              <a:rPr lang="fr-FR" sz="700" dirty="0" smtClean="0">
+                <a:latin typeface="Stone Serif" pitchFamily="2" charset="0"/>
+              </a:rPr>
+              <a:t>sociaux</a:t>
+            </a:r>
+            <a:r>
+              <a:rPr lang="fr-FR" sz="700" dirty="0">
+                <a:latin typeface="Stone Serif" pitchFamily="2" charset="0"/>
+              </a:rPr>
+              <a:t>.</a:t>
             </a:r>
           </a:p>
         </p:txBody>
@@ -11255,8 +11272,8 @@
         </p:nvSpPr>
         <p:spPr>
           <a:xfrm>
-            <a:off x="4083171" y="4110908"/>
-            <a:ext cx="1580437" cy="1184106"/>
+            <a:off x="4083172" y="4110908"/>
+            <a:ext cx="1530820" cy="1184106"/>
           </a:xfrm>
           <a:prstGeom prst="rect">
             <a:avLst/>
@@ -11457,7 +11474,7 @@
               <a:rPr lang="fr-FR" sz="700" dirty="0" smtClean="0">
                 <a:latin typeface="Stone Serif" pitchFamily="2" charset="0"/>
               </a:rPr>
-              <a:t>- commencer par moderniser ses SI et ses </a:t>
+              <a:t>- moderniser ses SI et ses </a:t>
             </a:r>
             <a:r>
               <a:rPr lang="fr-FR" sz="700" dirty="0" err="1" smtClean="0">
@@ -16170,7 +16187,7 @@
         </p:spPr>
         <p:txBody>
           <a:bodyPr vert="horz" lIns="91440" tIns="45720" rIns="91440" bIns="45720" rtlCol="0">
-            <a:normAutofit lnSpcReduction="10000"/>
+            <a:normAutofit/>
           </a:bodyPr>
           <a:lstStyle>
             <a:lvl1pPr marL="0" indent="0" algn="ctr" defTabSz="717530" rtl="0" eaLnBrk="1" latinLnBrk="0" hangingPunct="1">
@@ -16352,7 +16369,19 @@
               <a:rPr lang="fr-FR" sz="800" dirty="0" smtClean="0">
                 <a:latin typeface="Stone Serif" pitchFamily="2" charset="0"/>
               </a:rPr>
-              <a:t>– l’Etat français mais à disposition près de 40,000 jeux de données sur la vie publique, réutilisables librement par les citoyens et organisations.</a:t>
+              <a:t>– l’Etat français </a:t>
+            </a:r>
+            <a:r>
+              <a:rPr lang="fr-FR" sz="800" dirty="0" smtClean="0">
+                <a:latin typeface="Stone Serif" pitchFamily="2" charset="0"/>
+              </a:rPr>
+              <a:t>met </a:t>
+            </a:r>
+            <a:r>
+              <a:rPr lang="fr-FR" sz="800" dirty="0" smtClean="0">
+                <a:latin typeface="Stone Serif" pitchFamily="2" charset="0"/>
+              </a:rPr>
+              <a:t>à disposition près de 40,000 jeux de données sur la vie publique, réutilisables librement par les citoyens et organisations.</a:t>
             </a:r>
             <a:endParaRPr lang="fr-FR" sz="800" dirty="0">
               <a:latin typeface="Stone Serif" pitchFamily="2" charset="0"/>
@@ -18878,30 +18907,25 @@
               <a:rPr lang="fr-FR" sz="800" dirty="0" smtClean="0">
                 <a:latin typeface="Stone Serif" pitchFamily="2" charset="0"/>
               </a:rPr>
-              <a:t>- des SI fiables</a:t>
-            </a:r>
-            <a:br>
+              <a:t>- un organigramme qui permet aux spécialistes de  la </a:t>
+            </a:r>
+            <a:r>
+              <a:rPr lang="fr-FR" sz="800" dirty="0" err="1" smtClean="0">
+                <a:latin typeface="Stone Serif" pitchFamily="2" charset="0"/>
+              </a:rPr>
+              <a:t>dataviz</a:t>
+            </a:r>
+            <a:r>
               <a:rPr lang="fr-FR" sz="800" dirty="0" smtClean="0">
                 <a:latin typeface="Stone Serif" pitchFamily="2" charset="0"/>
               </a:rPr>
-            </a:br>
+              <a:t> d’être interfac</a:t>
+            </a:r>
             <a:r>
               <a:rPr lang="fr-FR" sz="800" dirty="0" smtClean="0">
                 <a:latin typeface="Stone Serif" pitchFamily="2" charset="0"/>
               </a:rPr>
-              <a:t>- des collaborateurs formés aux outils de </a:t>
-            </a:r>
-            <a:r>
-              <a:rPr lang="fr-FR" sz="800" dirty="0" err="1" smtClean="0">
-                <a:latin typeface="Stone Serif" pitchFamily="2" charset="0"/>
-              </a:rPr>
-              <a:t>dataviz</a:t>
-            </a:r>
-            <a:r>
-              <a:rPr lang="fr-FR" sz="800" dirty="0">
-                <a:latin typeface="Stone Serif" pitchFamily="2" charset="0"/>
-              </a:rPr>
-              <a:t>.</a:t>
+              <a:t>és aux métiers et à la DSI.</a:t>
             </a:r>
             <a:r>
               <a:rPr lang="fr-FR" sz="800" dirty="0" smtClean="0">

--- a/docs/content/fr/cards.pptx
+++ b/docs/content/fr/cards.pptx
@@ -5,10 +5,10 @@
     <p:sldMasterId id="2147483684" r:id="rId1"/>
   </p:sldMasterIdLst>
   <p:notesMasterIdLst>
-    <p:notesMasterId r:id="rId13"/>
+    <p:notesMasterId r:id="rId14"/>
   </p:notesMasterIdLst>
   <p:handoutMasterIdLst>
-    <p:handoutMasterId r:id="rId14"/>
+    <p:handoutMasterId r:id="rId15"/>
   </p:handoutMasterIdLst>
   <p:sldIdLst>
     <p:sldId id="256" r:id="rId2"/>
@@ -22,6 +22,7 @@
     <p:sldId id="264" r:id="rId10"/>
     <p:sldId id="265" r:id="rId11"/>
     <p:sldId id="269" r:id="rId12"/>
+    <p:sldId id="270" r:id="rId13"/>
   </p:sldIdLst>
   <p:sldSz cx="7559675" cy="5381625"/>
   <p:notesSz cx="9144000" cy="6858000"/>
@@ -210,7 +211,7 @@
           <a:p>
             <a:fld id="{D121557B-95DC-4F9D-80D7-494E711A263C}" type="datetimeFigureOut">
               <a:rPr lang="fr-FR" smtClean="0"/>
-              <a:t>16/05/2019</a:t>
+              <a:t>12/06/2019</a:t>
             </a:fld>
             <a:endParaRPr lang="fr-FR"/>
           </a:p>
@@ -376,7 +377,7 @@
           <a:p>
             <a:fld id="{34B0D5AD-2B20-4FC5-9805-AA792A2BEE79}" type="datetimeFigureOut">
               <a:rPr lang="fr-FR" smtClean="0"/>
-              <a:t>16/05/2019</a:t>
+              <a:t>12/06/2019</a:t>
             </a:fld>
             <a:endParaRPr lang="fr-FR"/>
           </a:p>
@@ -837,7 +838,7 @@
           <a:p>
             <a:fld id="{654FF092-CFE9-4329-97B3-D872B1066925}" type="datetimeFigureOut">
               <a:rPr lang="fr-FR" smtClean="0"/>
-              <a:t>16/05/2019</a:t>
+              <a:t>12/06/2019</a:t>
             </a:fld>
             <a:endParaRPr lang="fr-FR"/>
           </a:p>
@@ -1007,7 +1008,7 @@
           <a:p>
             <a:fld id="{654FF092-CFE9-4329-97B3-D872B1066925}" type="datetimeFigureOut">
               <a:rPr lang="fr-FR" smtClean="0"/>
-              <a:t>16/05/2019</a:t>
+              <a:t>12/06/2019</a:t>
             </a:fld>
             <a:endParaRPr lang="fr-FR"/>
           </a:p>
@@ -1187,7 +1188,7 @@
           <a:p>
             <a:fld id="{654FF092-CFE9-4329-97B3-D872B1066925}" type="datetimeFigureOut">
               <a:rPr lang="fr-FR" smtClean="0"/>
-              <a:t>16/05/2019</a:t>
+              <a:t>12/06/2019</a:t>
             </a:fld>
             <a:endParaRPr lang="fr-FR"/>
           </a:p>
@@ -1357,7 +1358,7 @@
           <a:p>
             <a:fld id="{654FF092-CFE9-4329-97B3-D872B1066925}" type="datetimeFigureOut">
               <a:rPr lang="fr-FR" smtClean="0"/>
-              <a:t>16/05/2019</a:t>
+              <a:t>12/06/2019</a:t>
             </a:fld>
             <a:endParaRPr lang="fr-FR"/>
           </a:p>
@@ -1601,7 +1602,7 @@
           <a:p>
             <a:fld id="{654FF092-CFE9-4329-97B3-D872B1066925}" type="datetimeFigureOut">
               <a:rPr lang="fr-FR" smtClean="0"/>
-              <a:t>16/05/2019</a:t>
+              <a:t>12/06/2019</a:t>
             </a:fld>
             <a:endParaRPr lang="fr-FR"/>
           </a:p>
@@ -1833,7 +1834,7 @@
           <a:p>
             <a:fld id="{654FF092-CFE9-4329-97B3-D872B1066925}" type="datetimeFigureOut">
               <a:rPr lang="fr-FR" smtClean="0"/>
-              <a:t>16/05/2019</a:t>
+              <a:t>12/06/2019</a:t>
             </a:fld>
             <a:endParaRPr lang="fr-FR"/>
           </a:p>
@@ -2200,7 +2201,7 @@
           <a:p>
             <a:fld id="{654FF092-CFE9-4329-97B3-D872B1066925}" type="datetimeFigureOut">
               <a:rPr lang="fr-FR" smtClean="0"/>
-              <a:t>16/05/2019</a:t>
+              <a:t>12/06/2019</a:t>
             </a:fld>
             <a:endParaRPr lang="fr-FR"/>
           </a:p>
@@ -2318,7 +2319,7 @@
           <a:p>
             <a:fld id="{654FF092-CFE9-4329-97B3-D872B1066925}" type="datetimeFigureOut">
               <a:rPr lang="fr-FR" smtClean="0"/>
-              <a:t>16/05/2019</a:t>
+              <a:t>12/06/2019</a:t>
             </a:fld>
             <a:endParaRPr lang="fr-FR"/>
           </a:p>
@@ -2413,7 +2414,7 @@
           <a:p>
             <a:fld id="{654FF092-CFE9-4329-97B3-D872B1066925}" type="datetimeFigureOut">
               <a:rPr lang="fr-FR" smtClean="0"/>
-              <a:t>16/05/2019</a:t>
+              <a:t>12/06/2019</a:t>
             </a:fld>
             <a:endParaRPr lang="fr-FR"/>
           </a:p>
@@ -2690,7 +2691,7 @@
           <a:p>
             <a:fld id="{654FF092-CFE9-4329-97B3-D872B1066925}" type="datetimeFigureOut">
               <a:rPr lang="fr-FR" smtClean="0"/>
-              <a:t>16/05/2019</a:t>
+              <a:t>12/06/2019</a:t>
             </a:fld>
             <a:endParaRPr lang="fr-FR"/>
           </a:p>
@@ -2947,7 +2948,7 @@
           <a:p>
             <a:fld id="{654FF092-CFE9-4329-97B3-D872B1066925}" type="datetimeFigureOut">
               <a:rPr lang="fr-FR" smtClean="0"/>
-              <a:t>16/05/2019</a:t>
+              <a:t>12/06/2019</a:t>
             </a:fld>
             <a:endParaRPr lang="fr-FR"/>
           </a:p>
@@ -3160,7 +3161,7 @@
           <a:p>
             <a:fld id="{654FF092-CFE9-4329-97B3-D872B1066925}" type="datetimeFigureOut">
               <a:rPr lang="fr-FR" smtClean="0"/>
-              <a:t>16/05/2019</a:t>
+              <a:t>12/06/2019</a:t>
             </a:fld>
             <a:endParaRPr lang="fr-FR"/>
           </a:p>
@@ -5292,19 +5293,7 @@
               <a:rPr lang="fr-FR" sz="800" dirty="0" smtClean="0">
                 <a:latin typeface="Stone Serif" pitchFamily="2" charset="0"/>
               </a:rPr>
-              <a:t>- une DSI </a:t>
-            </a:r>
-            <a:r>
-              <a:rPr lang="fr-FR" sz="800" dirty="0" smtClean="0">
-                <a:latin typeface="Stone Serif" pitchFamily="2" charset="0"/>
-              </a:rPr>
-              <a:t>qui accepte </a:t>
-            </a:r>
-            <a:r>
-              <a:rPr lang="fr-FR" sz="800" dirty="0" smtClean="0">
-                <a:latin typeface="Stone Serif" pitchFamily="2" charset="0"/>
-              </a:rPr>
-              <a:t>la culture d’ouverture des données via le web</a:t>
+              <a:t>- une DSI qui accepte la culture d’ouverture des données via le web</a:t>
             </a:r>
             <a:br>
               <a:rPr lang="fr-FR" sz="800" dirty="0" smtClean="0">
@@ -10766,6 +10755,2711 @@
 </p:sld>
 </file>
 
+<file path=ppt/slides/slide12.xml><?xml version="1.0" encoding="utf-8"?>
+<p:sld xmlns:a="http://schemas.openxmlformats.org/drawingml/2006/main" xmlns:r="http://schemas.openxmlformats.org/officeDocument/2006/relationships" xmlns:p="http://schemas.openxmlformats.org/presentationml/2006/main">
+  <p:cSld>
+    <p:spTree>
+      <p:nvGrpSpPr>
+        <p:cNvPr id="1" name=""/>
+        <p:cNvGrpSpPr/>
+        <p:nvPr/>
+      </p:nvGrpSpPr>
+      <p:grpSpPr>
+        <a:xfrm>
+          <a:off x="0" y="0"/>
+          <a:ext cx="0" cy="0"/>
+          <a:chOff x="0" y="0"/>
+          <a:chExt cx="0" cy="0"/>
+        </a:xfrm>
+      </p:grpSpPr>
+      <p:sp>
+        <p:nvSpPr>
+          <p:cNvPr id="26" name="Sous-titre 2"/>
+          <p:cNvSpPr txBox="1">
+            <a:spLocks/>
+          </p:cNvSpPr>
+          <p:nvPr/>
+        </p:nvSpPr>
+        <p:spPr>
+          <a:xfrm>
+            <a:off x="450972" y="4024511"/>
+            <a:ext cx="4425828" cy="382389"/>
+          </a:xfrm>
+          <a:prstGeom prst="rect">
+            <a:avLst/>
+          </a:prstGeom>
+          <a:ln>
+            <a:solidFill>
+              <a:schemeClr val="tx1"/>
+            </a:solidFill>
+            <a:prstDash val="dash"/>
+          </a:ln>
+        </p:spPr>
+        <p:txBody>
+          <a:bodyPr vert="horz" lIns="91440" tIns="45720" rIns="91440" bIns="45720" rtlCol="0">
+            <a:noAutofit/>
+          </a:bodyPr>
+          <a:lstStyle>
+            <a:lvl1pPr marL="0" indent="0" algn="ctr" defTabSz="717530" rtl="0" eaLnBrk="1" latinLnBrk="0" hangingPunct="1">
+              <a:lnSpc>
+                <a:spcPct val="90000"/>
+              </a:lnSpc>
+              <a:spcBef>
+                <a:spcPts val="785"/>
+              </a:spcBef>
+              <a:buFont typeface="Arial" panose="020B0604020202020204" pitchFamily="34" charset="0"/>
+              <a:buNone/>
+              <a:defRPr sz="1883" kern="1200">
+                <a:solidFill>
+                  <a:schemeClr val="tx1"/>
+                </a:solidFill>
+                <a:latin typeface="+mn-lt"/>
+                <a:ea typeface="+mn-ea"/>
+                <a:cs typeface="+mn-cs"/>
+              </a:defRPr>
+            </a:lvl1pPr>
+            <a:lvl2pPr marL="358765" indent="0" algn="ctr" defTabSz="717530" rtl="0" eaLnBrk="1" latinLnBrk="0" hangingPunct="1">
+              <a:lnSpc>
+                <a:spcPct val="90000"/>
+              </a:lnSpc>
+              <a:spcBef>
+                <a:spcPts val="392"/>
+              </a:spcBef>
+              <a:buFont typeface="Arial" panose="020B0604020202020204" pitchFamily="34" charset="0"/>
+              <a:buNone/>
+              <a:defRPr sz="1569" kern="1200">
+                <a:solidFill>
+                  <a:schemeClr val="tx1"/>
+                </a:solidFill>
+                <a:latin typeface="+mn-lt"/>
+                <a:ea typeface="+mn-ea"/>
+                <a:cs typeface="+mn-cs"/>
+              </a:defRPr>
+            </a:lvl2pPr>
+            <a:lvl3pPr marL="717530" indent="0" algn="ctr" defTabSz="717530" rtl="0" eaLnBrk="1" latinLnBrk="0" hangingPunct="1">
+              <a:lnSpc>
+                <a:spcPct val="90000"/>
+              </a:lnSpc>
+              <a:spcBef>
+                <a:spcPts val="392"/>
+              </a:spcBef>
+              <a:buFont typeface="Arial" panose="020B0604020202020204" pitchFamily="34" charset="0"/>
+              <a:buNone/>
+              <a:defRPr sz="1412" kern="1200">
+                <a:solidFill>
+                  <a:schemeClr val="tx1"/>
+                </a:solidFill>
+                <a:latin typeface="+mn-lt"/>
+                <a:ea typeface="+mn-ea"/>
+                <a:cs typeface="+mn-cs"/>
+              </a:defRPr>
+            </a:lvl3pPr>
+            <a:lvl4pPr marL="1076295" indent="0" algn="ctr" defTabSz="717530" rtl="0" eaLnBrk="1" latinLnBrk="0" hangingPunct="1">
+              <a:lnSpc>
+                <a:spcPct val="90000"/>
+              </a:lnSpc>
+              <a:spcBef>
+                <a:spcPts val="392"/>
+              </a:spcBef>
+              <a:buFont typeface="Arial" panose="020B0604020202020204" pitchFamily="34" charset="0"/>
+              <a:buNone/>
+              <a:defRPr sz="1256" kern="1200">
+                <a:solidFill>
+                  <a:schemeClr val="tx1"/>
+                </a:solidFill>
+                <a:latin typeface="+mn-lt"/>
+                <a:ea typeface="+mn-ea"/>
+                <a:cs typeface="+mn-cs"/>
+              </a:defRPr>
+            </a:lvl4pPr>
+            <a:lvl5pPr marL="1435059" indent="0" algn="ctr" defTabSz="717530" rtl="0" eaLnBrk="1" latinLnBrk="0" hangingPunct="1">
+              <a:lnSpc>
+                <a:spcPct val="90000"/>
+              </a:lnSpc>
+              <a:spcBef>
+                <a:spcPts val="392"/>
+              </a:spcBef>
+              <a:buFont typeface="Arial" panose="020B0604020202020204" pitchFamily="34" charset="0"/>
+              <a:buNone/>
+              <a:defRPr sz="1256" kern="1200">
+                <a:solidFill>
+                  <a:schemeClr val="tx1"/>
+                </a:solidFill>
+                <a:latin typeface="+mn-lt"/>
+                <a:ea typeface="+mn-ea"/>
+                <a:cs typeface="+mn-cs"/>
+              </a:defRPr>
+            </a:lvl5pPr>
+            <a:lvl6pPr marL="1793824" indent="0" algn="ctr" defTabSz="717530" rtl="0" eaLnBrk="1" latinLnBrk="0" hangingPunct="1">
+              <a:lnSpc>
+                <a:spcPct val="90000"/>
+              </a:lnSpc>
+              <a:spcBef>
+                <a:spcPts val="392"/>
+              </a:spcBef>
+              <a:buFont typeface="Arial" panose="020B0604020202020204" pitchFamily="34" charset="0"/>
+              <a:buNone/>
+              <a:defRPr sz="1256" kern="1200">
+                <a:solidFill>
+                  <a:schemeClr val="tx1"/>
+                </a:solidFill>
+                <a:latin typeface="+mn-lt"/>
+                <a:ea typeface="+mn-ea"/>
+                <a:cs typeface="+mn-cs"/>
+              </a:defRPr>
+            </a:lvl6pPr>
+            <a:lvl7pPr marL="2152589" indent="0" algn="ctr" defTabSz="717530" rtl="0" eaLnBrk="1" latinLnBrk="0" hangingPunct="1">
+              <a:lnSpc>
+                <a:spcPct val="90000"/>
+              </a:lnSpc>
+              <a:spcBef>
+                <a:spcPts val="392"/>
+              </a:spcBef>
+              <a:buFont typeface="Arial" panose="020B0604020202020204" pitchFamily="34" charset="0"/>
+              <a:buNone/>
+              <a:defRPr sz="1256" kern="1200">
+                <a:solidFill>
+                  <a:schemeClr val="tx1"/>
+                </a:solidFill>
+                <a:latin typeface="+mn-lt"/>
+                <a:ea typeface="+mn-ea"/>
+                <a:cs typeface="+mn-cs"/>
+              </a:defRPr>
+            </a:lvl7pPr>
+            <a:lvl8pPr marL="2511354" indent="0" algn="ctr" defTabSz="717530" rtl="0" eaLnBrk="1" latinLnBrk="0" hangingPunct="1">
+              <a:lnSpc>
+                <a:spcPct val="90000"/>
+              </a:lnSpc>
+              <a:spcBef>
+                <a:spcPts val="392"/>
+              </a:spcBef>
+              <a:buFont typeface="Arial" panose="020B0604020202020204" pitchFamily="34" charset="0"/>
+              <a:buNone/>
+              <a:defRPr sz="1256" kern="1200">
+                <a:solidFill>
+                  <a:schemeClr val="tx1"/>
+                </a:solidFill>
+                <a:latin typeface="+mn-lt"/>
+                <a:ea typeface="+mn-ea"/>
+                <a:cs typeface="+mn-cs"/>
+              </a:defRPr>
+            </a:lvl8pPr>
+            <a:lvl9pPr marL="2870119" indent="0" algn="ctr" defTabSz="717530" rtl="0" eaLnBrk="1" latinLnBrk="0" hangingPunct="1">
+              <a:lnSpc>
+                <a:spcPct val="90000"/>
+              </a:lnSpc>
+              <a:spcBef>
+                <a:spcPts val="392"/>
+              </a:spcBef>
+              <a:buFont typeface="Arial" panose="020B0604020202020204" pitchFamily="34" charset="0"/>
+              <a:buNone/>
+              <a:defRPr sz="1256" kern="1200">
+                <a:solidFill>
+                  <a:schemeClr val="tx1"/>
+                </a:solidFill>
+                <a:latin typeface="+mn-lt"/>
+                <a:ea typeface="+mn-ea"/>
+                <a:cs typeface="+mn-cs"/>
+              </a:defRPr>
+            </a:lvl9pPr>
+          </a:lstStyle>
+          <a:p>
+            <a:pPr algn="l">
+              <a:lnSpc>
+                <a:spcPct val="135000"/>
+              </a:lnSpc>
+            </a:pPr>
+            <a:r>
+              <a:rPr lang="fr-FR" sz="800" dirty="0" smtClean="0">
+                <a:latin typeface="Stone Serif" pitchFamily="2" charset="0"/>
+              </a:rPr>
+              <a:t>A. </a:t>
+            </a:r>
+            <a:r>
+              <a:rPr lang="fr-FR" sz="800" dirty="0" err="1" smtClean="0">
+                <a:latin typeface="Stone Serif" pitchFamily="2" charset="0"/>
+              </a:rPr>
+              <a:t>Casilli</a:t>
+            </a:r>
+            <a:r>
+              <a:rPr lang="fr-FR" sz="800" dirty="0" smtClean="0">
+                <a:latin typeface="Stone Serif" pitchFamily="2" charset="0"/>
+              </a:rPr>
+              <a:t>, </a:t>
+            </a:r>
+            <a:r>
+              <a:rPr lang="fr-FR" sz="800" i="1" dirty="0" smtClean="0">
+                <a:latin typeface="Stone Serif" pitchFamily="2" charset="0"/>
+              </a:rPr>
+              <a:t>En attendant les robots</a:t>
+            </a:r>
+            <a:r>
+              <a:rPr lang="fr-FR" sz="800" dirty="0" smtClean="0">
+                <a:latin typeface="Stone Serif" pitchFamily="2" charset="0"/>
+              </a:rPr>
+              <a:t>,  Seuil, 2019.</a:t>
+            </a:r>
+            <a:br>
+              <a:rPr lang="fr-FR" sz="800" dirty="0" smtClean="0">
+                <a:latin typeface="Stone Serif" pitchFamily="2" charset="0"/>
+              </a:rPr>
+            </a:br>
+            <a:r>
+              <a:rPr lang="da-DK" sz="800" dirty="0" smtClean="0">
+                <a:latin typeface="Stone Serif" pitchFamily="2" charset="0"/>
+              </a:rPr>
+              <a:t>A. Mcafee &amp; E. Brynjolfsson, </a:t>
+            </a:r>
+            <a:r>
+              <a:rPr lang="fr-FR" sz="800" i="1" dirty="0">
+                <a:latin typeface="Stone Serif" pitchFamily="2" charset="0"/>
+              </a:rPr>
+              <a:t>Des Machines, des plateformes et des </a:t>
+            </a:r>
+            <a:r>
+              <a:rPr lang="fr-FR" sz="800" i="1" dirty="0" smtClean="0">
+                <a:latin typeface="Stone Serif" pitchFamily="2" charset="0"/>
+              </a:rPr>
+              <a:t>foules</a:t>
+            </a:r>
+            <a:r>
+              <a:rPr lang="fr-FR" sz="800" dirty="0" smtClean="0">
+                <a:latin typeface="Stone Serif" pitchFamily="2" charset="0"/>
+              </a:rPr>
+              <a:t>, Odile Jacob, 2018.</a:t>
+            </a:r>
+            <a:endParaRPr lang="fr-FR" sz="800" i="1" dirty="0">
+              <a:latin typeface="Stone Serif" pitchFamily="2" charset="0"/>
+            </a:endParaRPr>
+          </a:p>
+        </p:txBody>
+      </p:sp>
+      <p:sp>
+        <p:nvSpPr>
+          <p:cNvPr id="25" name="Sous-titre 2"/>
+          <p:cNvSpPr txBox="1">
+            <a:spLocks/>
+          </p:cNvSpPr>
+          <p:nvPr/>
+        </p:nvSpPr>
+        <p:spPr>
+          <a:xfrm>
+            <a:off x="5165526" y="4737043"/>
+            <a:ext cx="2149674" cy="584255"/>
+          </a:xfrm>
+          <a:prstGeom prst="rect">
+            <a:avLst/>
+          </a:prstGeom>
+          <a:ln>
+            <a:solidFill>
+              <a:schemeClr val="tx1"/>
+            </a:solidFill>
+            <a:prstDash val="dash"/>
+          </a:ln>
+        </p:spPr>
+        <p:txBody>
+          <a:bodyPr vert="horz" lIns="91440" tIns="45720" rIns="91440" bIns="45720" rtlCol="0">
+            <a:normAutofit lnSpcReduction="10000"/>
+          </a:bodyPr>
+          <a:lstStyle>
+            <a:lvl1pPr marL="0" indent="0" algn="ctr" defTabSz="717530" rtl="0" eaLnBrk="1" latinLnBrk="0" hangingPunct="1">
+              <a:lnSpc>
+                <a:spcPct val="90000"/>
+              </a:lnSpc>
+              <a:spcBef>
+                <a:spcPts val="785"/>
+              </a:spcBef>
+              <a:buFont typeface="Arial" panose="020B0604020202020204" pitchFamily="34" charset="0"/>
+              <a:buNone/>
+              <a:defRPr sz="1883" kern="1200">
+                <a:solidFill>
+                  <a:schemeClr val="tx1"/>
+                </a:solidFill>
+                <a:latin typeface="+mn-lt"/>
+                <a:ea typeface="+mn-ea"/>
+                <a:cs typeface="+mn-cs"/>
+              </a:defRPr>
+            </a:lvl1pPr>
+            <a:lvl2pPr marL="358765" indent="0" algn="ctr" defTabSz="717530" rtl="0" eaLnBrk="1" latinLnBrk="0" hangingPunct="1">
+              <a:lnSpc>
+                <a:spcPct val="90000"/>
+              </a:lnSpc>
+              <a:spcBef>
+                <a:spcPts val="392"/>
+              </a:spcBef>
+              <a:buFont typeface="Arial" panose="020B0604020202020204" pitchFamily="34" charset="0"/>
+              <a:buNone/>
+              <a:defRPr sz="1569" kern="1200">
+                <a:solidFill>
+                  <a:schemeClr val="tx1"/>
+                </a:solidFill>
+                <a:latin typeface="+mn-lt"/>
+                <a:ea typeface="+mn-ea"/>
+                <a:cs typeface="+mn-cs"/>
+              </a:defRPr>
+            </a:lvl2pPr>
+            <a:lvl3pPr marL="717530" indent="0" algn="ctr" defTabSz="717530" rtl="0" eaLnBrk="1" latinLnBrk="0" hangingPunct="1">
+              <a:lnSpc>
+                <a:spcPct val="90000"/>
+              </a:lnSpc>
+              <a:spcBef>
+                <a:spcPts val="392"/>
+              </a:spcBef>
+              <a:buFont typeface="Arial" panose="020B0604020202020204" pitchFamily="34" charset="0"/>
+              <a:buNone/>
+              <a:defRPr sz="1412" kern="1200">
+                <a:solidFill>
+                  <a:schemeClr val="tx1"/>
+                </a:solidFill>
+                <a:latin typeface="+mn-lt"/>
+                <a:ea typeface="+mn-ea"/>
+                <a:cs typeface="+mn-cs"/>
+              </a:defRPr>
+            </a:lvl3pPr>
+            <a:lvl4pPr marL="1076295" indent="0" algn="ctr" defTabSz="717530" rtl="0" eaLnBrk="1" latinLnBrk="0" hangingPunct="1">
+              <a:lnSpc>
+                <a:spcPct val="90000"/>
+              </a:lnSpc>
+              <a:spcBef>
+                <a:spcPts val="392"/>
+              </a:spcBef>
+              <a:buFont typeface="Arial" panose="020B0604020202020204" pitchFamily="34" charset="0"/>
+              <a:buNone/>
+              <a:defRPr sz="1256" kern="1200">
+                <a:solidFill>
+                  <a:schemeClr val="tx1"/>
+                </a:solidFill>
+                <a:latin typeface="+mn-lt"/>
+                <a:ea typeface="+mn-ea"/>
+                <a:cs typeface="+mn-cs"/>
+              </a:defRPr>
+            </a:lvl4pPr>
+            <a:lvl5pPr marL="1435059" indent="0" algn="ctr" defTabSz="717530" rtl="0" eaLnBrk="1" latinLnBrk="0" hangingPunct="1">
+              <a:lnSpc>
+                <a:spcPct val="90000"/>
+              </a:lnSpc>
+              <a:spcBef>
+                <a:spcPts val="392"/>
+              </a:spcBef>
+              <a:buFont typeface="Arial" panose="020B0604020202020204" pitchFamily="34" charset="0"/>
+              <a:buNone/>
+              <a:defRPr sz="1256" kern="1200">
+                <a:solidFill>
+                  <a:schemeClr val="tx1"/>
+                </a:solidFill>
+                <a:latin typeface="+mn-lt"/>
+                <a:ea typeface="+mn-ea"/>
+                <a:cs typeface="+mn-cs"/>
+              </a:defRPr>
+            </a:lvl5pPr>
+            <a:lvl6pPr marL="1793824" indent="0" algn="ctr" defTabSz="717530" rtl="0" eaLnBrk="1" latinLnBrk="0" hangingPunct="1">
+              <a:lnSpc>
+                <a:spcPct val="90000"/>
+              </a:lnSpc>
+              <a:spcBef>
+                <a:spcPts val="392"/>
+              </a:spcBef>
+              <a:buFont typeface="Arial" panose="020B0604020202020204" pitchFamily="34" charset="0"/>
+              <a:buNone/>
+              <a:defRPr sz="1256" kern="1200">
+                <a:solidFill>
+                  <a:schemeClr val="tx1"/>
+                </a:solidFill>
+                <a:latin typeface="+mn-lt"/>
+                <a:ea typeface="+mn-ea"/>
+                <a:cs typeface="+mn-cs"/>
+              </a:defRPr>
+            </a:lvl6pPr>
+            <a:lvl7pPr marL="2152589" indent="0" algn="ctr" defTabSz="717530" rtl="0" eaLnBrk="1" latinLnBrk="0" hangingPunct="1">
+              <a:lnSpc>
+                <a:spcPct val="90000"/>
+              </a:lnSpc>
+              <a:spcBef>
+                <a:spcPts val="392"/>
+              </a:spcBef>
+              <a:buFont typeface="Arial" panose="020B0604020202020204" pitchFamily="34" charset="0"/>
+              <a:buNone/>
+              <a:defRPr sz="1256" kern="1200">
+                <a:solidFill>
+                  <a:schemeClr val="tx1"/>
+                </a:solidFill>
+                <a:latin typeface="+mn-lt"/>
+                <a:ea typeface="+mn-ea"/>
+                <a:cs typeface="+mn-cs"/>
+              </a:defRPr>
+            </a:lvl7pPr>
+            <a:lvl8pPr marL="2511354" indent="0" algn="ctr" defTabSz="717530" rtl="0" eaLnBrk="1" latinLnBrk="0" hangingPunct="1">
+              <a:lnSpc>
+                <a:spcPct val="90000"/>
+              </a:lnSpc>
+              <a:spcBef>
+                <a:spcPts val="392"/>
+              </a:spcBef>
+              <a:buFont typeface="Arial" panose="020B0604020202020204" pitchFamily="34" charset="0"/>
+              <a:buNone/>
+              <a:defRPr sz="1256" kern="1200">
+                <a:solidFill>
+                  <a:schemeClr val="tx1"/>
+                </a:solidFill>
+                <a:latin typeface="+mn-lt"/>
+                <a:ea typeface="+mn-ea"/>
+                <a:cs typeface="+mn-cs"/>
+              </a:defRPr>
+            </a:lvl8pPr>
+            <a:lvl9pPr marL="2870119" indent="0" algn="ctr" defTabSz="717530" rtl="0" eaLnBrk="1" latinLnBrk="0" hangingPunct="1">
+              <a:lnSpc>
+                <a:spcPct val="90000"/>
+              </a:lnSpc>
+              <a:spcBef>
+                <a:spcPts val="392"/>
+              </a:spcBef>
+              <a:buFont typeface="Arial" panose="020B0604020202020204" pitchFamily="34" charset="0"/>
+              <a:buNone/>
+              <a:defRPr sz="1256" kern="1200">
+                <a:solidFill>
+                  <a:schemeClr val="tx1"/>
+                </a:solidFill>
+                <a:latin typeface="+mn-lt"/>
+                <a:ea typeface="+mn-ea"/>
+                <a:cs typeface="+mn-cs"/>
+              </a:defRPr>
+            </a:lvl9pPr>
+          </a:lstStyle>
+          <a:p>
+            <a:pPr algn="l">
+              <a:lnSpc>
+                <a:spcPct val="135000"/>
+              </a:lnSpc>
+            </a:pPr>
+            <a:r>
+              <a:rPr lang="fr-FR" sz="600" dirty="0" smtClean="0">
+                <a:latin typeface="Stone Serif" pitchFamily="2" charset="0"/>
+              </a:rPr>
+              <a:t>Plateformes « </a:t>
+            </a:r>
+            <a:r>
+              <a:rPr lang="fr-FR" sz="600" dirty="0" err="1" smtClean="0">
+                <a:latin typeface="Stone Serif" pitchFamily="2" charset="0"/>
+              </a:rPr>
+              <a:t>matching</a:t>
+            </a:r>
+            <a:r>
+              <a:rPr lang="fr-FR" sz="600" dirty="0" smtClean="0">
+                <a:latin typeface="Stone Serif" pitchFamily="2" charset="0"/>
+              </a:rPr>
+              <a:t> » </a:t>
+            </a:r>
+            <a:r>
+              <a:rPr lang="fr-FR" sz="600" dirty="0">
+                <a:latin typeface="Stone Serif" pitchFamily="2" charset="0"/>
+              </a:rPr>
+              <a:t>:  </a:t>
+            </a:r>
+            <a:r>
+              <a:rPr lang="fr-FR" sz="600" b="1" dirty="0">
+                <a:latin typeface="Stone Serif" pitchFamily="2" charset="0"/>
+              </a:rPr>
+              <a:t>Facebook, </a:t>
+            </a:r>
+            <a:r>
+              <a:rPr lang="fr-FR" sz="600" b="1" dirty="0" err="1">
+                <a:latin typeface="Stone Serif" pitchFamily="2" charset="0"/>
+              </a:rPr>
+              <a:t>Airbnb</a:t>
+            </a:r>
+            <a:r>
+              <a:rPr lang="fr-FR" sz="600" b="1" dirty="0">
+                <a:latin typeface="Stone Serif" pitchFamily="2" charset="0"/>
+              </a:rPr>
+              <a:t>, </a:t>
+            </a:r>
+            <a:r>
+              <a:rPr lang="fr-FR" sz="600" b="1" dirty="0" err="1">
+                <a:latin typeface="Stone Serif" pitchFamily="2" charset="0"/>
+              </a:rPr>
+              <a:t>Uber</a:t>
+            </a:r>
+            <a:r>
+              <a:rPr lang="fr-FR" sz="600" b="1" dirty="0">
+                <a:latin typeface="Stone Serif" pitchFamily="2" charset="0"/>
+              </a:rPr>
+              <a:t>, </a:t>
+            </a:r>
+            <a:r>
+              <a:rPr lang="fr-FR" sz="600" b="1" dirty="0" err="1">
+                <a:latin typeface="Stone Serif" pitchFamily="2" charset="0"/>
+              </a:rPr>
+              <a:t>Blablacar</a:t>
+            </a:r>
+            <a:r>
+              <a:rPr lang="fr-FR" sz="600" b="1" dirty="0">
+                <a:latin typeface="Stone Serif" pitchFamily="2" charset="0"/>
+              </a:rPr>
+              <a:t>, </a:t>
+            </a:r>
+            <a:r>
+              <a:rPr lang="fr-FR" sz="600" b="1" dirty="0" err="1">
+                <a:latin typeface="Stone Serif" pitchFamily="2" charset="0"/>
+              </a:rPr>
+              <a:t>LeBonCoin</a:t>
+            </a:r>
+            <a:r>
+              <a:rPr lang="fr-FR" sz="600" b="1" dirty="0">
+                <a:latin typeface="Stone Serif" pitchFamily="2" charset="0"/>
+              </a:rPr>
+              <a:t> </a:t>
+            </a:r>
+            <a:r>
+              <a:rPr lang="fr-FR" sz="600" b="1" dirty="0" smtClean="0">
+                <a:latin typeface="Stone Serif" pitchFamily="2" charset="0"/>
+              </a:rPr>
+              <a:t>… </a:t>
+            </a:r>
+            <a:r>
+              <a:rPr lang="fr-FR" sz="600" dirty="0" smtClean="0">
+                <a:latin typeface="Stone Serif" pitchFamily="2" charset="0"/>
+              </a:rPr>
+              <a:t>fournissent une infrastructure permettant à des usagers d’acheter, d’échanger ou de communiquer.</a:t>
+            </a:r>
+            <a:endParaRPr lang="fr-FR" sz="600" b="1" dirty="0">
+              <a:latin typeface="Stone Serif" pitchFamily="2" charset="0"/>
+            </a:endParaRPr>
+          </a:p>
+        </p:txBody>
+      </p:sp>
+      <p:sp>
+        <p:nvSpPr>
+          <p:cNvPr id="22" name="Sous-titre 2"/>
+          <p:cNvSpPr txBox="1">
+            <a:spLocks/>
+          </p:cNvSpPr>
+          <p:nvPr/>
+        </p:nvSpPr>
+        <p:spPr>
+          <a:xfrm>
+            <a:off x="2976832" y="4739415"/>
+            <a:ext cx="2096818" cy="581884"/>
+          </a:xfrm>
+          <a:prstGeom prst="rect">
+            <a:avLst/>
+          </a:prstGeom>
+          <a:ln>
+            <a:solidFill>
+              <a:schemeClr val="tx1"/>
+            </a:solidFill>
+            <a:prstDash val="dash"/>
+          </a:ln>
+        </p:spPr>
+        <p:txBody>
+          <a:bodyPr vert="horz" lIns="91440" tIns="45720" rIns="91440" bIns="45720" rtlCol="0">
+            <a:normAutofit lnSpcReduction="10000"/>
+          </a:bodyPr>
+          <a:lstStyle>
+            <a:lvl1pPr marL="0" indent="0" algn="ctr" defTabSz="717530" rtl="0" eaLnBrk="1" latinLnBrk="0" hangingPunct="1">
+              <a:lnSpc>
+                <a:spcPct val="90000"/>
+              </a:lnSpc>
+              <a:spcBef>
+                <a:spcPts val="785"/>
+              </a:spcBef>
+              <a:buFont typeface="Arial" panose="020B0604020202020204" pitchFamily="34" charset="0"/>
+              <a:buNone/>
+              <a:defRPr sz="1883" kern="1200">
+                <a:solidFill>
+                  <a:schemeClr val="tx1"/>
+                </a:solidFill>
+                <a:latin typeface="+mn-lt"/>
+                <a:ea typeface="+mn-ea"/>
+                <a:cs typeface="+mn-cs"/>
+              </a:defRPr>
+            </a:lvl1pPr>
+            <a:lvl2pPr marL="358765" indent="0" algn="ctr" defTabSz="717530" rtl="0" eaLnBrk="1" latinLnBrk="0" hangingPunct="1">
+              <a:lnSpc>
+                <a:spcPct val="90000"/>
+              </a:lnSpc>
+              <a:spcBef>
+                <a:spcPts val="392"/>
+              </a:spcBef>
+              <a:buFont typeface="Arial" panose="020B0604020202020204" pitchFamily="34" charset="0"/>
+              <a:buNone/>
+              <a:defRPr sz="1569" kern="1200">
+                <a:solidFill>
+                  <a:schemeClr val="tx1"/>
+                </a:solidFill>
+                <a:latin typeface="+mn-lt"/>
+                <a:ea typeface="+mn-ea"/>
+                <a:cs typeface="+mn-cs"/>
+              </a:defRPr>
+            </a:lvl2pPr>
+            <a:lvl3pPr marL="717530" indent="0" algn="ctr" defTabSz="717530" rtl="0" eaLnBrk="1" latinLnBrk="0" hangingPunct="1">
+              <a:lnSpc>
+                <a:spcPct val="90000"/>
+              </a:lnSpc>
+              <a:spcBef>
+                <a:spcPts val="392"/>
+              </a:spcBef>
+              <a:buFont typeface="Arial" panose="020B0604020202020204" pitchFamily="34" charset="0"/>
+              <a:buNone/>
+              <a:defRPr sz="1412" kern="1200">
+                <a:solidFill>
+                  <a:schemeClr val="tx1"/>
+                </a:solidFill>
+                <a:latin typeface="+mn-lt"/>
+                <a:ea typeface="+mn-ea"/>
+                <a:cs typeface="+mn-cs"/>
+              </a:defRPr>
+            </a:lvl3pPr>
+            <a:lvl4pPr marL="1076295" indent="0" algn="ctr" defTabSz="717530" rtl="0" eaLnBrk="1" latinLnBrk="0" hangingPunct="1">
+              <a:lnSpc>
+                <a:spcPct val="90000"/>
+              </a:lnSpc>
+              <a:spcBef>
+                <a:spcPts val="392"/>
+              </a:spcBef>
+              <a:buFont typeface="Arial" panose="020B0604020202020204" pitchFamily="34" charset="0"/>
+              <a:buNone/>
+              <a:defRPr sz="1256" kern="1200">
+                <a:solidFill>
+                  <a:schemeClr val="tx1"/>
+                </a:solidFill>
+                <a:latin typeface="+mn-lt"/>
+                <a:ea typeface="+mn-ea"/>
+                <a:cs typeface="+mn-cs"/>
+              </a:defRPr>
+            </a:lvl4pPr>
+            <a:lvl5pPr marL="1435059" indent="0" algn="ctr" defTabSz="717530" rtl="0" eaLnBrk="1" latinLnBrk="0" hangingPunct="1">
+              <a:lnSpc>
+                <a:spcPct val="90000"/>
+              </a:lnSpc>
+              <a:spcBef>
+                <a:spcPts val="392"/>
+              </a:spcBef>
+              <a:buFont typeface="Arial" panose="020B0604020202020204" pitchFamily="34" charset="0"/>
+              <a:buNone/>
+              <a:defRPr sz="1256" kern="1200">
+                <a:solidFill>
+                  <a:schemeClr val="tx1"/>
+                </a:solidFill>
+                <a:latin typeface="+mn-lt"/>
+                <a:ea typeface="+mn-ea"/>
+                <a:cs typeface="+mn-cs"/>
+              </a:defRPr>
+            </a:lvl5pPr>
+            <a:lvl6pPr marL="1793824" indent="0" algn="ctr" defTabSz="717530" rtl="0" eaLnBrk="1" latinLnBrk="0" hangingPunct="1">
+              <a:lnSpc>
+                <a:spcPct val="90000"/>
+              </a:lnSpc>
+              <a:spcBef>
+                <a:spcPts val="392"/>
+              </a:spcBef>
+              <a:buFont typeface="Arial" panose="020B0604020202020204" pitchFamily="34" charset="0"/>
+              <a:buNone/>
+              <a:defRPr sz="1256" kern="1200">
+                <a:solidFill>
+                  <a:schemeClr val="tx1"/>
+                </a:solidFill>
+                <a:latin typeface="+mn-lt"/>
+                <a:ea typeface="+mn-ea"/>
+                <a:cs typeface="+mn-cs"/>
+              </a:defRPr>
+            </a:lvl6pPr>
+            <a:lvl7pPr marL="2152589" indent="0" algn="ctr" defTabSz="717530" rtl="0" eaLnBrk="1" latinLnBrk="0" hangingPunct="1">
+              <a:lnSpc>
+                <a:spcPct val="90000"/>
+              </a:lnSpc>
+              <a:spcBef>
+                <a:spcPts val="392"/>
+              </a:spcBef>
+              <a:buFont typeface="Arial" panose="020B0604020202020204" pitchFamily="34" charset="0"/>
+              <a:buNone/>
+              <a:defRPr sz="1256" kern="1200">
+                <a:solidFill>
+                  <a:schemeClr val="tx1"/>
+                </a:solidFill>
+                <a:latin typeface="+mn-lt"/>
+                <a:ea typeface="+mn-ea"/>
+                <a:cs typeface="+mn-cs"/>
+              </a:defRPr>
+            </a:lvl7pPr>
+            <a:lvl8pPr marL="2511354" indent="0" algn="ctr" defTabSz="717530" rtl="0" eaLnBrk="1" latinLnBrk="0" hangingPunct="1">
+              <a:lnSpc>
+                <a:spcPct val="90000"/>
+              </a:lnSpc>
+              <a:spcBef>
+                <a:spcPts val="392"/>
+              </a:spcBef>
+              <a:buFont typeface="Arial" panose="020B0604020202020204" pitchFamily="34" charset="0"/>
+              <a:buNone/>
+              <a:defRPr sz="1256" kern="1200">
+                <a:solidFill>
+                  <a:schemeClr val="tx1"/>
+                </a:solidFill>
+                <a:latin typeface="+mn-lt"/>
+                <a:ea typeface="+mn-ea"/>
+                <a:cs typeface="+mn-cs"/>
+              </a:defRPr>
+            </a:lvl8pPr>
+            <a:lvl9pPr marL="2870119" indent="0" algn="ctr" defTabSz="717530" rtl="0" eaLnBrk="1" latinLnBrk="0" hangingPunct="1">
+              <a:lnSpc>
+                <a:spcPct val="90000"/>
+              </a:lnSpc>
+              <a:spcBef>
+                <a:spcPts val="392"/>
+              </a:spcBef>
+              <a:buFont typeface="Arial" panose="020B0604020202020204" pitchFamily="34" charset="0"/>
+              <a:buNone/>
+              <a:defRPr sz="1256" kern="1200">
+                <a:solidFill>
+                  <a:schemeClr val="tx1"/>
+                </a:solidFill>
+                <a:latin typeface="+mn-lt"/>
+                <a:ea typeface="+mn-ea"/>
+                <a:cs typeface="+mn-cs"/>
+              </a:defRPr>
+            </a:lvl9pPr>
+          </a:lstStyle>
+          <a:p>
+            <a:pPr algn="l">
+              <a:lnSpc>
+                <a:spcPct val="135000"/>
+              </a:lnSpc>
+            </a:pPr>
+            <a:r>
+              <a:rPr lang="fr-FR" sz="600" dirty="0" smtClean="0">
+                <a:latin typeface="Stone Serif" pitchFamily="2" charset="0"/>
+              </a:rPr>
+              <a:t>Plateformes « distributrices » </a:t>
+            </a:r>
+            <a:r>
+              <a:rPr lang="fr-FR" sz="600" dirty="0">
+                <a:latin typeface="Stone Serif" pitchFamily="2" charset="0"/>
+              </a:rPr>
+              <a:t>:  </a:t>
+            </a:r>
+            <a:r>
+              <a:rPr lang="fr-FR" sz="600" b="1" dirty="0" err="1">
+                <a:latin typeface="Stone Serif" pitchFamily="2" charset="0"/>
+              </a:rPr>
+              <a:t>Spotify</a:t>
+            </a:r>
+            <a:r>
+              <a:rPr lang="fr-FR" sz="600" b="1" dirty="0">
+                <a:latin typeface="Stone Serif" pitchFamily="2" charset="0"/>
+              </a:rPr>
+              <a:t>, </a:t>
+            </a:r>
+            <a:r>
+              <a:rPr lang="fr-FR" sz="600" b="1" dirty="0" err="1">
+                <a:latin typeface="Stone Serif" pitchFamily="2" charset="0"/>
+              </a:rPr>
+              <a:t>Netflix</a:t>
+            </a:r>
+            <a:r>
+              <a:rPr lang="fr-FR" sz="600" b="1" dirty="0">
+                <a:latin typeface="Stone Serif" pitchFamily="2" charset="0"/>
+              </a:rPr>
+              <a:t>, </a:t>
+            </a:r>
+            <a:r>
+              <a:rPr lang="fr-FR" sz="600" b="1" dirty="0" err="1">
+                <a:latin typeface="Stone Serif" pitchFamily="2" charset="0"/>
+              </a:rPr>
+              <a:t>Alibaba</a:t>
+            </a:r>
+            <a:r>
+              <a:rPr lang="fr-FR" sz="600" b="1" dirty="0">
+                <a:latin typeface="Stone Serif" pitchFamily="2" charset="0"/>
+              </a:rPr>
+              <a:t>, Amazon, booking.com, </a:t>
+            </a:r>
+            <a:r>
+              <a:rPr lang="fr-FR" sz="600" b="1" dirty="0" err="1">
+                <a:latin typeface="Stone Serif" pitchFamily="2" charset="0"/>
+              </a:rPr>
+              <a:t>Uber</a:t>
+            </a:r>
+            <a:r>
+              <a:rPr lang="fr-FR" sz="600" b="1" dirty="0">
+                <a:latin typeface="Stone Serif" pitchFamily="2" charset="0"/>
+              </a:rPr>
+              <a:t> </a:t>
+            </a:r>
+            <a:r>
+              <a:rPr lang="fr-FR" sz="600" b="1" dirty="0" err="1" smtClean="0">
+                <a:latin typeface="Stone Serif" pitchFamily="2" charset="0"/>
+              </a:rPr>
+              <a:t>Eats</a:t>
+            </a:r>
+            <a:r>
+              <a:rPr lang="fr-FR" sz="600" b="1" dirty="0" smtClean="0">
+                <a:latin typeface="Stone Serif" pitchFamily="2" charset="0"/>
+              </a:rPr>
+              <a:t> … </a:t>
+            </a:r>
+            <a:r>
+              <a:rPr lang="fr-FR" sz="600" dirty="0" smtClean="0">
+                <a:latin typeface="Stone Serif" pitchFamily="2" charset="0"/>
+              </a:rPr>
+              <a:t>mettent en relation des producteurs de biens et services avec une clientèle dispersée.</a:t>
+            </a:r>
+            <a:endParaRPr lang="fr-FR" sz="600" b="1" dirty="0">
+              <a:latin typeface="Stone Serif" pitchFamily="2" charset="0"/>
+            </a:endParaRPr>
+          </a:p>
+        </p:txBody>
+      </p:sp>
+      <p:sp>
+        <p:nvSpPr>
+          <p:cNvPr id="3" name="Sous-titre 2"/>
+          <p:cNvSpPr>
+            <a:spLocks noGrp="1"/>
+          </p:cNvSpPr>
+          <p:nvPr>
+            <p:ph type="subTitle" idx="1"/>
+          </p:nvPr>
+        </p:nvSpPr>
+        <p:spPr>
+          <a:xfrm>
+            <a:off x="4090260" y="1461519"/>
+            <a:ext cx="3224941" cy="2278631"/>
+          </a:xfrm>
+          <a:ln>
+            <a:solidFill>
+              <a:schemeClr val="tx1"/>
+            </a:solidFill>
+            <a:prstDash val="dash"/>
+          </a:ln>
+        </p:spPr>
+        <p:txBody>
+          <a:bodyPr>
+            <a:normAutofit fontScale="85000" lnSpcReduction="20000"/>
+          </a:bodyPr>
+          <a:lstStyle/>
+          <a:p>
+            <a:pPr algn="just">
+              <a:lnSpc>
+                <a:spcPct val="145000"/>
+              </a:lnSpc>
+              <a:spcBef>
+                <a:spcPts val="0"/>
+              </a:spcBef>
+            </a:pPr>
+            <a:r>
+              <a:rPr lang="fr-FR" sz="800" dirty="0" smtClean="0">
+                <a:latin typeface="Stone Serif" pitchFamily="2" charset="0"/>
+              </a:rPr>
+              <a:t>L’avantage </a:t>
+            </a:r>
+            <a:r>
+              <a:rPr lang="fr-FR" sz="800" dirty="0">
+                <a:latin typeface="Stone Serif" pitchFamily="2" charset="0"/>
+              </a:rPr>
+              <a:t>concurrentiel </a:t>
+            </a:r>
+            <a:r>
+              <a:rPr lang="fr-FR" sz="800" dirty="0" smtClean="0">
+                <a:latin typeface="Stone Serif" pitchFamily="2" charset="0"/>
+              </a:rPr>
+              <a:t>d’une plateforme n’est pas le </a:t>
+            </a:r>
+            <a:r>
+              <a:rPr lang="fr-FR" sz="800" dirty="0" err="1">
+                <a:latin typeface="Stone Serif" pitchFamily="2" charset="0"/>
+              </a:rPr>
+              <a:t>market</a:t>
+            </a:r>
+            <a:r>
+              <a:rPr lang="fr-FR" sz="800" dirty="0">
+                <a:latin typeface="Stone Serif" pitchFamily="2" charset="0"/>
+              </a:rPr>
+              <a:t> fit entre </a:t>
+            </a:r>
+            <a:r>
+              <a:rPr lang="fr-FR" sz="800" dirty="0" smtClean="0">
+                <a:latin typeface="Stone Serif" pitchFamily="2" charset="0"/>
+              </a:rPr>
+              <a:t>un </a:t>
+            </a:r>
+            <a:r>
+              <a:rPr lang="fr-FR" sz="800" dirty="0">
+                <a:latin typeface="Stone Serif" pitchFamily="2" charset="0"/>
+              </a:rPr>
+              <a:t>produit créé </a:t>
+            </a:r>
+            <a:r>
+              <a:rPr lang="fr-FR" sz="800" dirty="0" smtClean="0">
+                <a:latin typeface="Stone Serif" pitchFamily="2" charset="0"/>
+              </a:rPr>
+              <a:t>en interne et des acheteurs externes, </a:t>
+            </a:r>
+            <a:r>
+              <a:rPr lang="fr-FR" sz="800" dirty="0">
+                <a:latin typeface="Stone Serif" pitchFamily="2" charset="0"/>
+              </a:rPr>
+              <a:t>mais sa capacité </a:t>
+            </a:r>
+            <a:r>
+              <a:rPr lang="fr-FR" sz="800" dirty="0" smtClean="0">
+                <a:latin typeface="Stone Serif" pitchFamily="2" charset="0"/>
+              </a:rPr>
+              <a:t>à :</a:t>
+            </a:r>
+          </a:p>
+          <a:p>
+            <a:pPr algn="just">
+              <a:lnSpc>
+                <a:spcPct val="145000"/>
+              </a:lnSpc>
+              <a:spcBef>
+                <a:spcPts val="0"/>
+              </a:spcBef>
+            </a:pPr>
+            <a:endParaRPr lang="fr-FR" sz="800" dirty="0" smtClean="0">
+              <a:latin typeface="Stone Serif" pitchFamily="2" charset="0"/>
+            </a:endParaRPr>
+          </a:p>
+          <a:p>
+            <a:pPr marL="171450" indent="-171450" algn="just">
+              <a:lnSpc>
+                <a:spcPct val="145000"/>
+              </a:lnSpc>
+              <a:spcBef>
+                <a:spcPts val="0"/>
+              </a:spcBef>
+              <a:buFontTx/>
+              <a:buChar char="-"/>
+            </a:pPr>
+            <a:r>
+              <a:rPr lang="fr-FR" sz="800" b="1" dirty="0" smtClean="0">
+                <a:latin typeface="Stone Serif" pitchFamily="2" charset="0"/>
+              </a:rPr>
+              <a:t>orchestrer </a:t>
+            </a:r>
+            <a:r>
+              <a:rPr lang="fr-FR" sz="800" b="1" dirty="0">
+                <a:latin typeface="Stone Serif" pitchFamily="2" charset="0"/>
+              </a:rPr>
+              <a:t>une coordination</a:t>
+            </a:r>
+            <a:r>
+              <a:rPr lang="fr-FR" sz="800" dirty="0">
+                <a:latin typeface="Stone Serif" pitchFamily="2" charset="0"/>
+              </a:rPr>
+              <a:t> </a:t>
+            </a:r>
+            <a:r>
+              <a:rPr lang="fr-FR" sz="800" dirty="0" smtClean="0">
+                <a:latin typeface="Stone Serif" pitchFamily="2" charset="0"/>
+              </a:rPr>
+              <a:t>utile, fluide et efficace </a:t>
+            </a:r>
+            <a:r>
+              <a:rPr lang="fr-FR" sz="800" dirty="0">
+                <a:latin typeface="Stone Serif" pitchFamily="2" charset="0"/>
+              </a:rPr>
+              <a:t>entre </a:t>
+            </a:r>
+            <a:r>
+              <a:rPr lang="fr-FR" sz="800" dirty="0" smtClean="0">
+                <a:latin typeface="Stone Serif" pitchFamily="2" charset="0"/>
+              </a:rPr>
+              <a:t>tierce parties nombreuses et variées.  Cela suppose une collecte intensive de données sur les acteurs de la plateforme et leurs usages (voir fiches </a:t>
+            </a:r>
+            <a:r>
+              <a:rPr lang="fr-FR" sz="800" b="1" i="1" dirty="0" err="1" smtClean="0">
+                <a:solidFill>
+                  <a:srgbClr val="E80C72"/>
+                </a:solidFill>
+                <a:latin typeface="Stone Serif" pitchFamily="2" charset="0"/>
+              </a:rPr>
+              <a:t>big</a:t>
+            </a:r>
+            <a:r>
+              <a:rPr lang="fr-FR" sz="800" b="1" i="1" dirty="0" smtClean="0">
+                <a:solidFill>
+                  <a:srgbClr val="E80C72"/>
+                </a:solidFill>
+                <a:latin typeface="Stone Serif" pitchFamily="2" charset="0"/>
+              </a:rPr>
+              <a:t> data</a:t>
+            </a:r>
+            <a:r>
+              <a:rPr lang="fr-FR" sz="800" dirty="0" smtClean="0">
+                <a:latin typeface="Stone Serif" pitchFamily="2" charset="0"/>
+              </a:rPr>
+              <a:t> et </a:t>
+            </a:r>
+            <a:r>
+              <a:rPr lang="fr-FR" sz="800" b="1" i="1" dirty="0" err="1">
+                <a:solidFill>
+                  <a:srgbClr val="E80C72"/>
+                </a:solidFill>
+                <a:latin typeface="Stone Serif" pitchFamily="2" charset="0"/>
+              </a:rPr>
+              <a:t>IoT</a:t>
+            </a:r>
+            <a:r>
+              <a:rPr lang="fr-FR" sz="800" dirty="0" smtClean="0">
+                <a:latin typeface="Stone Serif" pitchFamily="2" charset="0"/>
+              </a:rPr>
+              <a:t>),  une automation et </a:t>
+            </a:r>
+            <a:r>
+              <a:rPr lang="fr-FR" sz="800" dirty="0" err="1" smtClean="0">
+                <a:latin typeface="Stone Serif" pitchFamily="2" charset="0"/>
+              </a:rPr>
+              <a:t>scalabilité</a:t>
+            </a:r>
+            <a:r>
+              <a:rPr lang="fr-FR" sz="800" dirty="0" smtClean="0">
+                <a:latin typeface="Stone Serif" pitchFamily="2" charset="0"/>
+              </a:rPr>
+              <a:t> des échanges d’information (voir fiches </a:t>
+            </a:r>
+            <a:r>
+              <a:rPr lang="fr-FR" sz="800" b="1" i="1" dirty="0" smtClean="0">
+                <a:solidFill>
+                  <a:srgbClr val="E80C72"/>
+                </a:solidFill>
+                <a:latin typeface="Stone Serif" pitchFamily="2" charset="0"/>
+              </a:rPr>
+              <a:t>web API</a:t>
+            </a:r>
+            <a:r>
+              <a:rPr lang="fr-FR" sz="800" dirty="0" smtClean="0">
+                <a:latin typeface="Stone Serif" pitchFamily="2" charset="0"/>
+              </a:rPr>
+              <a:t> et </a:t>
+            </a:r>
+            <a:r>
+              <a:rPr lang="fr-FR" sz="800" b="1" i="1" dirty="0">
+                <a:solidFill>
+                  <a:srgbClr val="E80C72"/>
+                </a:solidFill>
+                <a:latin typeface="Stone Serif" pitchFamily="2" charset="0"/>
+              </a:rPr>
+              <a:t>cloud</a:t>
+            </a:r>
+            <a:r>
+              <a:rPr lang="fr-FR" sz="800" dirty="0" smtClean="0">
+                <a:latin typeface="Stone Serif" pitchFamily="2" charset="0"/>
+              </a:rPr>
+              <a:t>), l’excellence des moyens permettant de s’interfacer (voir fiches </a:t>
+            </a:r>
+            <a:r>
+              <a:rPr lang="fr-FR" sz="800" b="1" i="1" dirty="0" smtClean="0">
+                <a:solidFill>
+                  <a:srgbClr val="E80C72"/>
+                </a:solidFill>
+                <a:latin typeface="Stone Serif" pitchFamily="2" charset="0"/>
+              </a:rPr>
+              <a:t>web API</a:t>
+            </a:r>
+            <a:r>
+              <a:rPr lang="fr-FR" sz="800" dirty="0" smtClean="0">
+                <a:latin typeface="Stone Serif" pitchFamily="2" charset="0"/>
+              </a:rPr>
+              <a:t> et </a:t>
+            </a:r>
+            <a:r>
+              <a:rPr lang="fr-FR" sz="800" b="1" i="1" dirty="0" smtClean="0">
+                <a:solidFill>
+                  <a:srgbClr val="E80C72"/>
+                </a:solidFill>
+                <a:latin typeface="Stone Serif" pitchFamily="2" charset="0"/>
+              </a:rPr>
+              <a:t>visualisation des données</a:t>
+            </a:r>
+            <a:r>
+              <a:rPr lang="fr-FR" sz="800" dirty="0" smtClean="0">
+                <a:latin typeface="Stone Serif" pitchFamily="2" charset="0"/>
+              </a:rPr>
+              <a:t>), et la gestion fine des droits et devoirs associés aux données (voir fiches </a:t>
+            </a:r>
+            <a:r>
+              <a:rPr lang="fr-FR" sz="800" b="1" i="1" dirty="0">
+                <a:solidFill>
+                  <a:srgbClr val="E80C72"/>
+                </a:solidFill>
+                <a:latin typeface="Stone Serif" pitchFamily="2" charset="0"/>
+              </a:rPr>
+              <a:t>RGPD</a:t>
+            </a:r>
+            <a:r>
+              <a:rPr lang="fr-FR" sz="800" dirty="0" smtClean="0">
+                <a:latin typeface="Stone Serif" pitchFamily="2" charset="0"/>
+              </a:rPr>
+              <a:t> et </a:t>
+            </a:r>
+            <a:r>
+              <a:rPr lang="fr-FR" sz="800" b="1" i="1" dirty="0" err="1">
+                <a:solidFill>
+                  <a:srgbClr val="E80C72"/>
+                </a:solidFill>
+                <a:latin typeface="Stone Serif" pitchFamily="2" charset="0"/>
+              </a:rPr>
+              <a:t>blockchain</a:t>
+            </a:r>
+            <a:r>
+              <a:rPr lang="fr-FR" sz="800" dirty="0" smtClean="0">
+                <a:latin typeface="Stone Serif" pitchFamily="2" charset="0"/>
+              </a:rPr>
+              <a:t>).</a:t>
+            </a:r>
+          </a:p>
+          <a:p>
+            <a:pPr marL="171450" indent="-171450" algn="just">
+              <a:lnSpc>
+                <a:spcPct val="145000"/>
+              </a:lnSpc>
+              <a:spcBef>
+                <a:spcPts val="0"/>
+              </a:spcBef>
+              <a:buFontTx/>
+              <a:buChar char="-"/>
+            </a:pPr>
+            <a:endParaRPr lang="fr-FR" sz="800" dirty="0" smtClean="0">
+              <a:latin typeface="Stone Serif" pitchFamily="2" charset="0"/>
+            </a:endParaRPr>
+          </a:p>
+          <a:p>
+            <a:pPr marL="171450" indent="-171450" algn="just">
+              <a:lnSpc>
+                <a:spcPct val="145000"/>
+              </a:lnSpc>
+              <a:spcBef>
+                <a:spcPts val="0"/>
+              </a:spcBef>
+              <a:buFontTx/>
+              <a:buChar char="-"/>
+            </a:pPr>
+            <a:r>
+              <a:rPr lang="fr-FR" sz="800" b="1" dirty="0" smtClean="0">
+                <a:latin typeface="Stone Serif" pitchFamily="2" charset="0"/>
+              </a:rPr>
+              <a:t>mettre en place des mécanismes d’apprentissage </a:t>
+            </a:r>
+            <a:r>
+              <a:rPr lang="fr-FR" sz="800" dirty="0" smtClean="0">
+                <a:latin typeface="Stone Serif" pitchFamily="2" charset="0"/>
+              </a:rPr>
+              <a:t>qui accroissent la valeur tirée par les utilisateurs de la plateforme au cours du temps. Cela est rendu possible par l’analyse de données (voir fiches </a:t>
+            </a:r>
+            <a:r>
+              <a:rPr lang="fr-FR" sz="800" b="1" i="1" dirty="0">
+                <a:solidFill>
+                  <a:srgbClr val="E80C72"/>
+                </a:solidFill>
+                <a:latin typeface="Stone Serif" pitchFamily="2" charset="0"/>
+              </a:rPr>
+              <a:t>IA</a:t>
+            </a:r>
+            <a:r>
+              <a:rPr lang="fr-FR" sz="800" dirty="0" smtClean="0">
+                <a:latin typeface="Stone Serif" pitchFamily="2" charset="0"/>
+              </a:rPr>
+              <a:t>, </a:t>
+            </a:r>
+            <a:r>
+              <a:rPr lang="fr-FR" sz="800" b="1" i="1" dirty="0">
+                <a:solidFill>
+                  <a:srgbClr val="E80C72"/>
+                </a:solidFill>
+                <a:latin typeface="Stone Serif" pitchFamily="2" charset="0"/>
+              </a:rPr>
+              <a:t>machine </a:t>
+            </a:r>
+            <a:r>
+              <a:rPr lang="fr-FR" sz="800" b="1" i="1" dirty="0" err="1">
+                <a:solidFill>
+                  <a:srgbClr val="E80C72"/>
+                </a:solidFill>
+                <a:latin typeface="Stone Serif" pitchFamily="2" charset="0"/>
+              </a:rPr>
+              <a:t>learning</a:t>
+            </a:r>
+            <a:r>
+              <a:rPr lang="fr-FR" sz="800" dirty="0" smtClean="0">
+                <a:latin typeface="Stone Serif" pitchFamily="2" charset="0"/>
+              </a:rPr>
+              <a:t>, </a:t>
+            </a:r>
+            <a:r>
+              <a:rPr lang="fr-FR" sz="800" b="1" i="1" dirty="0">
+                <a:solidFill>
+                  <a:srgbClr val="E80C72"/>
+                </a:solidFill>
+                <a:latin typeface="Stone Serif" pitchFamily="2" charset="0"/>
+              </a:rPr>
+              <a:t>graph </a:t>
+            </a:r>
+            <a:r>
+              <a:rPr lang="fr-FR" sz="800" b="1" i="1" dirty="0" err="1">
+                <a:solidFill>
+                  <a:srgbClr val="E80C72"/>
+                </a:solidFill>
+                <a:latin typeface="Stone Serif" pitchFamily="2" charset="0"/>
+              </a:rPr>
+              <a:t>mining</a:t>
+            </a:r>
+            <a:r>
+              <a:rPr lang="fr-FR" sz="800" dirty="0" smtClean="0">
+                <a:latin typeface="Stone Serif" pitchFamily="2" charset="0"/>
+              </a:rPr>
+              <a:t>, </a:t>
+            </a:r>
+            <a:r>
+              <a:rPr lang="fr-FR" sz="800" b="1" i="1" dirty="0" err="1">
+                <a:solidFill>
+                  <a:srgbClr val="E80C72"/>
+                </a:solidFill>
+                <a:latin typeface="Stone Serif" pitchFamily="2" charset="0"/>
+              </a:rPr>
+              <a:t>text</a:t>
+            </a:r>
+            <a:r>
+              <a:rPr lang="fr-FR" sz="800" b="1" i="1" dirty="0">
+                <a:solidFill>
+                  <a:srgbClr val="E80C72"/>
+                </a:solidFill>
+                <a:latin typeface="Stone Serif" pitchFamily="2" charset="0"/>
+              </a:rPr>
+              <a:t> </a:t>
+            </a:r>
+            <a:r>
+              <a:rPr lang="fr-FR" sz="800" b="1" i="1" dirty="0" err="1">
+                <a:solidFill>
+                  <a:srgbClr val="E80C72"/>
+                </a:solidFill>
+                <a:latin typeface="Stone Serif" pitchFamily="2" charset="0"/>
+              </a:rPr>
+              <a:t>mining</a:t>
+            </a:r>
+            <a:r>
+              <a:rPr lang="fr-FR" sz="800" dirty="0" smtClean="0">
+                <a:latin typeface="Stone Serif" pitchFamily="2" charset="0"/>
+              </a:rPr>
+              <a:t>).</a:t>
+            </a:r>
+          </a:p>
+          <a:p>
+            <a:pPr marL="171450" indent="-171450" algn="just">
+              <a:lnSpc>
+                <a:spcPct val="145000"/>
+              </a:lnSpc>
+              <a:spcBef>
+                <a:spcPts val="0"/>
+              </a:spcBef>
+              <a:buFontTx/>
+              <a:buChar char="-"/>
+            </a:pPr>
+            <a:endParaRPr lang="fr-FR" sz="800" dirty="0" smtClean="0">
+              <a:latin typeface="Stone Serif" pitchFamily="2" charset="0"/>
+            </a:endParaRPr>
+          </a:p>
+          <a:p>
+            <a:pPr marL="171450" indent="-171450" algn="just">
+              <a:lnSpc>
+                <a:spcPct val="145000"/>
+              </a:lnSpc>
+              <a:spcBef>
+                <a:spcPts val="0"/>
+              </a:spcBef>
+              <a:buFontTx/>
+              <a:buChar char="-"/>
+            </a:pPr>
+            <a:endParaRPr lang="fr-FR" sz="800" dirty="0" smtClean="0">
+              <a:latin typeface="Stone Serif" pitchFamily="2" charset="0"/>
+            </a:endParaRPr>
+          </a:p>
+        </p:txBody>
+      </p:sp>
+      <p:sp>
+        <p:nvSpPr>
+          <p:cNvPr id="2" name="Titre 1"/>
+          <p:cNvSpPr>
+            <a:spLocks noGrp="1"/>
+          </p:cNvSpPr>
+          <p:nvPr>
+            <p:ph type="ctrTitle"/>
+          </p:nvPr>
+        </p:nvSpPr>
+        <p:spPr>
+          <a:xfrm>
+            <a:off x="432659" y="249842"/>
+            <a:ext cx="6896718" cy="592691"/>
+          </a:xfrm>
+          <a:solidFill>
+            <a:srgbClr val="E80C72"/>
+          </a:solidFill>
+          <a:ln>
+            <a:solidFill>
+              <a:schemeClr val="tx1">
+                <a:lumMod val="50000"/>
+                <a:lumOff val="50000"/>
+              </a:schemeClr>
+            </a:solidFill>
+          </a:ln>
+        </p:spPr>
+        <p:txBody>
+          <a:bodyPr>
+            <a:noAutofit/>
+          </a:bodyPr>
+          <a:lstStyle/>
+          <a:p>
+            <a:pPr>
+              <a:lnSpc>
+                <a:spcPct val="135000"/>
+              </a:lnSpc>
+            </a:pPr>
+            <a:r>
+              <a:rPr lang="fr-FR" sz="3200" dirty="0" smtClean="0">
+                <a:solidFill>
+                  <a:schemeClr val="bg1"/>
+                </a:solidFill>
+                <a:latin typeface="Stone Serif" pitchFamily="2" charset="0"/>
+              </a:rPr>
+              <a:t>Plateformes</a:t>
+            </a:r>
+            <a:endParaRPr lang="fr-FR" sz="3200" dirty="0">
+              <a:solidFill>
+                <a:schemeClr val="bg1"/>
+              </a:solidFill>
+              <a:latin typeface="Stone Serif" pitchFamily="2" charset="0"/>
+            </a:endParaRPr>
+          </a:p>
+        </p:txBody>
+      </p:sp>
+      <p:sp>
+        <p:nvSpPr>
+          <p:cNvPr id="8" name="Sous-titre 2"/>
+          <p:cNvSpPr txBox="1">
+            <a:spLocks/>
+          </p:cNvSpPr>
+          <p:nvPr/>
+        </p:nvSpPr>
+        <p:spPr>
+          <a:xfrm>
+            <a:off x="432657" y="1248866"/>
+            <a:ext cx="3409241" cy="2491284"/>
+          </a:xfrm>
+          <a:prstGeom prst="rect">
+            <a:avLst/>
+          </a:prstGeom>
+          <a:ln>
+            <a:solidFill>
+              <a:schemeClr val="tx1"/>
+            </a:solidFill>
+            <a:prstDash val="dash"/>
+          </a:ln>
+        </p:spPr>
+        <p:txBody>
+          <a:bodyPr vert="horz" lIns="91440" tIns="45720" rIns="91440" bIns="45720" rtlCol="0">
+            <a:noAutofit/>
+          </a:bodyPr>
+          <a:lstStyle>
+            <a:lvl1pPr marL="0" indent="0" algn="ctr" defTabSz="717530" rtl="0" eaLnBrk="1" latinLnBrk="0" hangingPunct="1">
+              <a:lnSpc>
+                <a:spcPct val="90000"/>
+              </a:lnSpc>
+              <a:spcBef>
+                <a:spcPts val="785"/>
+              </a:spcBef>
+              <a:buFont typeface="Arial" panose="020B0604020202020204" pitchFamily="34" charset="0"/>
+              <a:buNone/>
+              <a:defRPr sz="1883" kern="1200">
+                <a:solidFill>
+                  <a:schemeClr val="tx1"/>
+                </a:solidFill>
+                <a:latin typeface="+mn-lt"/>
+                <a:ea typeface="+mn-ea"/>
+                <a:cs typeface="+mn-cs"/>
+              </a:defRPr>
+            </a:lvl1pPr>
+            <a:lvl2pPr marL="358765" indent="0" algn="ctr" defTabSz="717530" rtl="0" eaLnBrk="1" latinLnBrk="0" hangingPunct="1">
+              <a:lnSpc>
+                <a:spcPct val="90000"/>
+              </a:lnSpc>
+              <a:spcBef>
+                <a:spcPts val="392"/>
+              </a:spcBef>
+              <a:buFont typeface="Arial" panose="020B0604020202020204" pitchFamily="34" charset="0"/>
+              <a:buNone/>
+              <a:defRPr sz="1569" kern="1200">
+                <a:solidFill>
+                  <a:schemeClr val="tx1"/>
+                </a:solidFill>
+                <a:latin typeface="+mn-lt"/>
+                <a:ea typeface="+mn-ea"/>
+                <a:cs typeface="+mn-cs"/>
+              </a:defRPr>
+            </a:lvl2pPr>
+            <a:lvl3pPr marL="717530" indent="0" algn="ctr" defTabSz="717530" rtl="0" eaLnBrk="1" latinLnBrk="0" hangingPunct="1">
+              <a:lnSpc>
+                <a:spcPct val="90000"/>
+              </a:lnSpc>
+              <a:spcBef>
+                <a:spcPts val="392"/>
+              </a:spcBef>
+              <a:buFont typeface="Arial" panose="020B0604020202020204" pitchFamily="34" charset="0"/>
+              <a:buNone/>
+              <a:defRPr sz="1412" kern="1200">
+                <a:solidFill>
+                  <a:schemeClr val="tx1"/>
+                </a:solidFill>
+                <a:latin typeface="+mn-lt"/>
+                <a:ea typeface="+mn-ea"/>
+                <a:cs typeface="+mn-cs"/>
+              </a:defRPr>
+            </a:lvl3pPr>
+            <a:lvl4pPr marL="1076295" indent="0" algn="ctr" defTabSz="717530" rtl="0" eaLnBrk="1" latinLnBrk="0" hangingPunct="1">
+              <a:lnSpc>
+                <a:spcPct val="90000"/>
+              </a:lnSpc>
+              <a:spcBef>
+                <a:spcPts val="392"/>
+              </a:spcBef>
+              <a:buFont typeface="Arial" panose="020B0604020202020204" pitchFamily="34" charset="0"/>
+              <a:buNone/>
+              <a:defRPr sz="1256" kern="1200">
+                <a:solidFill>
+                  <a:schemeClr val="tx1"/>
+                </a:solidFill>
+                <a:latin typeface="+mn-lt"/>
+                <a:ea typeface="+mn-ea"/>
+                <a:cs typeface="+mn-cs"/>
+              </a:defRPr>
+            </a:lvl4pPr>
+            <a:lvl5pPr marL="1435059" indent="0" algn="ctr" defTabSz="717530" rtl="0" eaLnBrk="1" latinLnBrk="0" hangingPunct="1">
+              <a:lnSpc>
+                <a:spcPct val="90000"/>
+              </a:lnSpc>
+              <a:spcBef>
+                <a:spcPts val="392"/>
+              </a:spcBef>
+              <a:buFont typeface="Arial" panose="020B0604020202020204" pitchFamily="34" charset="0"/>
+              <a:buNone/>
+              <a:defRPr sz="1256" kern="1200">
+                <a:solidFill>
+                  <a:schemeClr val="tx1"/>
+                </a:solidFill>
+                <a:latin typeface="+mn-lt"/>
+                <a:ea typeface="+mn-ea"/>
+                <a:cs typeface="+mn-cs"/>
+              </a:defRPr>
+            </a:lvl5pPr>
+            <a:lvl6pPr marL="1793824" indent="0" algn="ctr" defTabSz="717530" rtl="0" eaLnBrk="1" latinLnBrk="0" hangingPunct="1">
+              <a:lnSpc>
+                <a:spcPct val="90000"/>
+              </a:lnSpc>
+              <a:spcBef>
+                <a:spcPts val="392"/>
+              </a:spcBef>
+              <a:buFont typeface="Arial" panose="020B0604020202020204" pitchFamily="34" charset="0"/>
+              <a:buNone/>
+              <a:defRPr sz="1256" kern="1200">
+                <a:solidFill>
+                  <a:schemeClr val="tx1"/>
+                </a:solidFill>
+                <a:latin typeface="+mn-lt"/>
+                <a:ea typeface="+mn-ea"/>
+                <a:cs typeface="+mn-cs"/>
+              </a:defRPr>
+            </a:lvl6pPr>
+            <a:lvl7pPr marL="2152589" indent="0" algn="ctr" defTabSz="717530" rtl="0" eaLnBrk="1" latinLnBrk="0" hangingPunct="1">
+              <a:lnSpc>
+                <a:spcPct val="90000"/>
+              </a:lnSpc>
+              <a:spcBef>
+                <a:spcPts val="392"/>
+              </a:spcBef>
+              <a:buFont typeface="Arial" panose="020B0604020202020204" pitchFamily="34" charset="0"/>
+              <a:buNone/>
+              <a:defRPr sz="1256" kern="1200">
+                <a:solidFill>
+                  <a:schemeClr val="tx1"/>
+                </a:solidFill>
+                <a:latin typeface="+mn-lt"/>
+                <a:ea typeface="+mn-ea"/>
+                <a:cs typeface="+mn-cs"/>
+              </a:defRPr>
+            </a:lvl7pPr>
+            <a:lvl8pPr marL="2511354" indent="0" algn="ctr" defTabSz="717530" rtl="0" eaLnBrk="1" latinLnBrk="0" hangingPunct="1">
+              <a:lnSpc>
+                <a:spcPct val="90000"/>
+              </a:lnSpc>
+              <a:spcBef>
+                <a:spcPts val="392"/>
+              </a:spcBef>
+              <a:buFont typeface="Arial" panose="020B0604020202020204" pitchFamily="34" charset="0"/>
+              <a:buNone/>
+              <a:defRPr sz="1256" kern="1200">
+                <a:solidFill>
+                  <a:schemeClr val="tx1"/>
+                </a:solidFill>
+                <a:latin typeface="+mn-lt"/>
+                <a:ea typeface="+mn-ea"/>
+                <a:cs typeface="+mn-cs"/>
+              </a:defRPr>
+            </a:lvl8pPr>
+            <a:lvl9pPr marL="2870119" indent="0" algn="ctr" defTabSz="717530" rtl="0" eaLnBrk="1" latinLnBrk="0" hangingPunct="1">
+              <a:lnSpc>
+                <a:spcPct val="90000"/>
+              </a:lnSpc>
+              <a:spcBef>
+                <a:spcPts val="392"/>
+              </a:spcBef>
+              <a:buFont typeface="Arial" panose="020B0604020202020204" pitchFamily="34" charset="0"/>
+              <a:buNone/>
+              <a:defRPr sz="1256" kern="1200">
+                <a:solidFill>
+                  <a:schemeClr val="tx1"/>
+                </a:solidFill>
+                <a:latin typeface="+mn-lt"/>
+                <a:ea typeface="+mn-ea"/>
+                <a:cs typeface="+mn-cs"/>
+              </a:defRPr>
+            </a:lvl9pPr>
+          </a:lstStyle>
+          <a:p>
+            <a:pPr algn="just">
+              <a:lnSpc>
+                <a:spcPct val="135000"/>
+              </a:lnSpc>
+              <a:spcBef>
+                <a:spcPts val="0"/>
+              </a:spcBef>
+            </a:pPr>
+            <a:r>
+              <a:rPr lang="fr-FR" sz="700" dirty="0" smtClean="0">
+                <a:latin typeface="Stone Serif" pitchFamily="2" charset="0"/>
+              </a:rPr>
+              <a:t>Une plateforme est une structure </a:t>
+            </a:r>
+            <a:r>
+              <a:rPr lang="fr-FR" sz="700" dirty="0" err="1" smtClean="0">
+                <a:latin typeface="Stone Serif" pitchFamily="2" charset="0"/>
+              </a:rPr>
+              <a:t>mi-organisation</a:t>
+            </a:r>
+            <a:r>
+              <a:rPr lang="fr-FR" sz="700" dirty="0" smtClean="0">
+                <a:latin typeface="Stone Serif" pitchFamily="2" charset="0"/>
+              </a:rPr>
+              <a:t>, </a:t>
+            </a:r>
+            <a:r>
+              <a:rPr lang="fr-FR" sz="700" dirty="0" err="1" smtClean="0">
+                <a:latin typeface="Stone Serif" pitchFamily="2" charset="0"/>
+              </a:rPr>
+              <a:t>mi-marché</a:t>
+            </a:r>
+            <a:r>
+              <a:rPr lang="fr-FR" sz="700" dirty="0" smtClean="0">
+                <a:latin typeface="Stone Serif" pitchFamily="2" charset="0"/>
+              </a:rPr>
+              <a:t>, qui coordonne et stimule les transactions entre producteurs et consommateurs de biens et services. La plateforme est mise en place par une ou des organisations qui tirent parti de la valeur créée.</a:t>
+            </a:r>
+          </a:p>
+          <a:p>
+            <a:pPr algn="just">
+              <a:lnSpc>
+                <a:spcPct val="135000"/>
+              </a:lnSpc>
+              <a:spcBef>
+                <a:spcPts val="0"/>
+              </a:spcBef>
+            </a:pPr>
+            <a:endParaRPr lang="fr-FR" sz="700" dirty="0" smtClean="0">
+              <a:latin typeface="Stone Serif" pitchFamily="2" charset="0"/>
+            </a:endParaRPr>
+          </a:p>
+          <a:p>
+            <a:pPr algn="l">
+              <a:lnSpc>
+                <a:spcPct val="135000"/>
+              </a:lnSpc>
+              <a:spcBef>
+                <a:spcPts val="0"/>
+              </a:spcBef>
+            </a:pPr>
+            <a:r>
+              <a:rPr lang="fr-FR" sz="700" b="1" dirty="0" smtClean="0">
+                <a:latin typeface="Stone Serif" pitchFamily="2" charset="0"/>
+              </a:rPr>
+              <a:t>Les plateformes ressemblent aux organisations </a:t>
+            </a:r>
+            <a:r>
+              <a:rPr lang="fr-FR" sz="700" dirty="0" smtClean="0">
+                <a:latin typeface="Stone Serif" pitchFamily="2" charset="0"/>
+              </a:rPr>
+              <a:t>dans la mesure où ce sont le plus souvent des entreprises ou des instances publiques qui les créent. Mais au contraire des organisations, les ressources, l’activité et la valeur dégagée sont produits par des producteurs et consommateurs situés à l’extérieur de l’organisation.</a:t>
+            </a:r>
+            <a:br>
+              <a:rPr lang="fr-FR" sz="700" dirty="0" smtClean="0">
+                <a:latin typeface="Stone Serif" pitchFamily="2" charset="0"/>
+              </a:rPr>
+            </a:br>
+            <a:endParaRPr lang="fr-FR" sz="700" dirty="0" smtClean="0">
+              <a:latin typeface="Stone Serif" pitchFamily="2" charset="0"/>
+            </a:endParaRPr>
+          </a:p>
+          <a:p>
+            <a:pPr algn="just">
+              <a:lnSpc>
+                <a:spcPct val="135000"/>
+              </a:lnSpc>
+              <a:spcBef>
+                <a:spcPts val="0"/>
+              </a:spcBef>
+            </a:pPr>
+            <a:r>
+              <a:rPr lang="fr-FR" sz="700" b="1" dirty="0" smtClean="0">
+                <a:latin typeface="Stone Serif" pitchFamily="2" charset="0"/>
+              </a:rPr>
+              <a:t>Les plateformes ressemblent aux marchés </a:t>
+            </a:r>
+            <a:r>
+              <a:rPr lang="fr-FR" sz="700" dirty="0" smtClean="0">
+                <a:latin typeface="Stone Serif" pitchFamily="2" charset="0"/>
+              </a:rPr>
+              <a:t>dans la mesure où la valeur est créée par des agents indépendants qui opèrent des transactions « atomiques » (échanges, services ou ventes </a:t>
+            </a:r>
+            <a:r>
+              <a:rPr lang="fr-FR" sz="700" u="sng" dirty="0" smtClean="0">
+                <a:latin typeface="Stone Serif" pitchFamily="2" charset="0"/>
+              </a:rPr>
+              <a:t>à la pièce</a:t>
+            </a:r>
+            <a:r>
+              <a:rPr lang="fr-FR" sz="700" dirty="0" smtClean="0">
+                <a:latin typeface="Stone Serif" pitchFamily="2" charset="0"/>
+              </a:rPr>
+              <a:t>). Mais au contraire des marchés, ces transactions sont organisées et contrôlées très fortement par une organisation – qui joue en quelque sorte le rôle de « place de marché privée ».</a:t>
+            </a:r>
+          </a:p>
+          <a:p>
+            <a:pPr algn="just">
+              <a:lnSpc>
+                <a:spcPct val="135000"/>
+              </a:lnSpc>
+              <a:spcBef>
+                <a:spcPts val="0"/>
+              </a:spcBef>
+            </a:pPr>
+            <a:endParaRPr lang="fr-FR" sz="780" dirty="0" smtClean="0">
+              <a:latin typeface="Stone Serif" pitchFamily="2" charset="0"/>
+            </a:endParaRPr>
+          </a:p>
+        </p:txBody>
+      </p:sp>
+      <p:sp>
+        <p:nvSpPr>
+          <p:cNvPr id="5" name="ZoneTexte 4"/>
+          <p:cNvSpPr txBox="1"/>
+          <p:nvPr/>
+        </p:nvSpPr>
+        <p:spPr>
+          <a:xfrm>
+            <a:off x="432658" y="957446"/>
+            <a:ext cx="3409240" cy="320857"/>
+          </a:xfrm>
+          <a:prstGeom prst="rect">
+            <a:avLst/>
+          </a:prstGeom>
+          <a:solidFill>
+            <a:srgbClr val="FFBDF5"/>
+          </a:solidFill>
+        </p:spPr>
+        <p:txBody>
+          <a:bodyPr wrap="square" rtlCol="0">
+            <a:spAutoFit/>
+          </a:bodyPr>
+          <a:lstStyle/>
+          <a:p>
+            <a:pPr>
+              <a:lnSpc>
+                <a:spcPct val="135000"/>
+              </a:lnSpc>
+            </a:pPr>
+            <a:r>
+              <a:rPr lang="fr-FR" sz="1100" dirty="0">
+                <a:latin typeface="Stone Serif" pitchFamily="2" charset="0"/>
+              </a:rPr>
+              <a:t>Qu’est-ce que c’est?</a:t>
+            </a:r>
+          </a:p>
+        </p:txBody>
+      </p:sp>
+      <p:sp>
+        <p:nvSpPr>
+          <p:cNvPr id="9" name="ZoneTexte 8"/>
+          <p:cNvSpPr txBox="1"/>
+          <p:nvPr/>
+        </p:nvSpPr>
+        <p:spPr>
+          <a:xfrm>
+            <a:off x="4083172" y="957446"/>
+            <a:ext cx="3246204" cy="549381"/>
+          </a:xfrm>
+          <a:prstGeom prst="rect">
+            <a:avLst/>
+          </a:prstGeom>
+          <a:solidFill>
+            <a:srgbClr val="FFBDF5"/>
+          </a:solidFill>
+        </p:spPr>
+        <p:txBody>
+          <a:bodyPr wrap="square" rtlCol="0">
+            <a:spAutoFit/>
+          </a:bodyPr>
+          <a:lstStyle/>
+          <a:p>
+            <a:pPr>
+              <a:lnSpc>
+                <a:spcPct val="135000"/>
+              </a:lnSpc>
+            </a:pPr>
+            <a:r>
+              <a:rPr lang="fr-FR" sz="1100" dirty="0" smtClean="0">
+                <a:latin typeface="Stone Serif" pitchFamily="2" charset="0"/>
+              </a:rPr>
+              <a:t>La « data-</a:t>
+            </a:r>
+            <a:r>
+              <a:rPr lang="fr-FR" sz="1100" dirty="0" err="1" smtClean="0">
+                <a:latin typeface="Stone Serif" pitchFamily="2" charset="0"/>
+              </a:rPr>
+              <a:t>ification</a:t>
+            </a:r>
+            <a:r>
+              <a:rPr lang="fr-FR" sz="1100" dirty="0" smtClean="0">
+                <a:latin typeface="Stone Serif" pitchFamily="2" charset="0"/>
+              </a:rPr>
+              <a:t> », facteur clé de succès des plateformes</a:t>
+            </a:r>
+            <a:endParaRPr lang="fr-FR" sz="1100" dirty="0">
+              <a:latin typeface="Stone Serif" pitchFamily="2" charset="0"/>
+            </a:endParaRPr>
+          </a:p>
+        </p:txBody>
+      </p:sp>
+      <p:pic>
+        <p:nvPicPr>
+          <p:cNvPr id="28" name="Image 27"/>
+          <p:cNvPicPr>
+            <a:picLocks noChangeAspect="1"/>
+          </p:cNvPicPr>
+          <p:nvPr/>
+        </p:nvPicPr>
+        <p:blipFill>
+          <a:blip r:embed="rId2" cstate="print">
+            <a:extLst>
+              <a:ext uri="{28A0092B-C50C-407E-A947-70E740481C1C}">
+                <a14:useLocalDpi xmlns:a14="http://schemas.microsoft.com/office/drawing/2010/main" val="0"/>
+              </a:ext>
+            </a:extLst>
+          </a:blip>
+          <a:stretch>
+            <a:fillRect/>
+          </a:stretch>
+        </p:blipFill>
+        <p:spPr>
+          <a:xfrm rot="16200000">
+            <a:off x="-120915" y="4769262"/>
+            <a:ext cx="672857" cy="278333"/>
+          </a:xfrm>
+          <a:prstGeom prst="rect">
+            <a:avLst/>
+          </a:prstGeom>
+        </p:spPr>
+      </p:pic>
+      <p:sp>
+        <p:nvSpPr>
+          <p:cNvPr id="29" name="ZoneTexte 28"/>
+          <p:cNvSpPr txBox="1"/>
+          <p:nvPr/>
+        </p:nvSpPr>
+        <p:spPr>
+          <a:xfrm rot="16200000">
+            <a:off x="-881993" y="3351266"/>
+            <a:ext cx="2340098" cy="230832"/>
+          </a:xfrm>
+          <a:prstGeom prst="rect">
+            <a:avLst/>
+          </a:prstGeom>
+          <a:noFill/>
+          <a:ln>
+            <a:noFill/>
+          </a:ln>
+        </p:spPr>
+        <p:txBody>
+          <a:bodyPr wrap="square" rtlCol="0">
+            <a:spAutoFit/>
+          </a:bodyPr>
+          <a:lstStyle/>
+          <a:p>
+            <a:r>
+              <a:rPr lang="fr-FR" sz="700" dirty="0" smtClean="0"/>
+              <a:t>Pour aller plus </a:t>
+            </a:r>
+            <a:r>
+              <a:rPr lang="fr-FR" sz="700" dirty="0"/>
+              <a:t>loin : </a:t>
+            </a:r>
+            <a:r>
+              <a:rPr lang="fr-FR" sz="700" dirty="0">
+                <a:hlinkClick r:id="rId3"/>
+              </a:rPr>
+              <a:t>https://</a:t>
+            </a:r>
+            <a:r>
+              <a:rPr lang="fr-FR" sz="900" dirty="0" smtClean="0">
+                <a:hlinkClick r:id="rId3"/>
+              </a:rPr>
+              <a:t>emlyon.github.io/mk99</a:t>
+            </a:r>
+            <a:r>
+              <a:rPr lang="fr-FR" sz="700" dirty="0" smtClean="0"/>
+              <a:t>  </a:t>
+            </a:r>
+            <a:endParaRPr lang="fr-FR" sz="700" dirty="0"/>
+          </a:p>
+        </p:txBody>
+      </p:sp>
+      <p:sp>
+        <p:nvSpPr>
+          <p:cNvPr id="32" name="ZoneTexte 31"/>
+          <p:cNvSpPr txBox="1"/>
+          <p:nvPr/>
+        </p:nvSpPr>
+        <p:spPr>
+          <a:xfrm>
+            <a:off x="113682" y="28960"/>
+            <a:ext cx="1190578" cy="300082"/>
+          </a:xfrm>
+          <a:prstGeom prst="rect">
+            <a:avLst/>
+          </a:prstGeom>
+          <a:solidFill>
+            <a:srgbClr val="FFBDF5"/>
+          </a:solidFill>
+        </p:spPr>
+        <p:txBody>
+          <a:bodyPr wrap="square" rtlCol="0">
+            <a:spAutoFit/>
+          </a:bodyPr>
+          <a:lstStyle/>
+          <a:p>
+            <a:pPr>
+              <a:lnSpc>
+                <a:spcPct val="135000"/>
+              </a:lnSpc>
+            </a:pPr>
+            <a:r>
+              <a:rPr lang="fr-FR" sz="1000" dirty="0" smtClean="0">
+                <a:latin typeface="Stone Serif" pitchFamily="2" charset="0"/>
+              </a:rPr>
+              <a:t>Business </a:t>
+            </a:r>
+            <a:r>
+              <a:rPr lang="fr-FR" sz="1000" dirty="0" err="1" smtClean="0">
+                <a:latin typeface="Stone Serif" pitchFamily="2" charset="0"/>
+              </a:rPr>
+              <a:t>Models</a:t>
+            </a:r>
+            <a:endParaRPr lang="fr-FR" sz="1000" dirty="0">
+              <a:latin typeface="Stone Serif" pitchFamily="2" charset="0"/>
+            </a:endParaRPr>
+          </a:p>
+        </p:txBody>
+      </p:sp>
+      <p:sp>
+        <p:nvSpPr>
+          <p:cNvPr id="20" name="Sous-titre 2"/>
+          <p:cNvSpPr txBox="1">
+            <a:spLocks/>
+          </p:cNvSpPr>
+          <p:nvPr/>
+        </p:nvSpPr>
+        <p:spPr>
+          <a:xfrm>
+            <a:off x="432368" y="4742118"/>
+            <a:ext cx="2466776" cy="579181"/>
+          </a:xfrm>
+          <a:prstGeom prst="rect">
+            <a:avLst/>
+          </a:prstGeom>
+          <a:ln>
+            <a:solidFill>
+              <a:schemeClr val="tx1"/>
+            </a:solidFill>
+            <a:prstDash val="dash"/>
+          </a:ln>
+        </p:spPr>
+        <p:txBody>
+          <a:bodyPr vert="horz" lIns="91440" tIns="45720" rIns="91440" bIns="45720" rtlCol="0">
+            <a:normAutofit lnSpcReduction="10000"/>
+          </a:bodyPr>
+          <a:lstStyle>
+            <a:lvl1pPr marL="0" indent="0" algn="ctr" defTabSz="717530" rtl="0" eaLnBrk="1" latinLnBrk="0" hangingPunct="1">
+              <a:lnSpc>
+                <a:spcPct val="90000"/>
+              </a:lnSpc>
+              <a:spcBef>
+                <a:spcPts val="785"/>
+              </a:spcBef>
+              <a:buFont typeface="Arial" panose="020B0604020202020204" pitchFamily="34" charset="0"/>
+              <a:buNone/>
+              <a:defRPr sz="1883" kern="1200">
+                <a:solidFill>
+                  <a:schemeClr val="tx1"/>
+                </a:solidFill>
+                <a:latin typeface="+mn-lt"/>
+                <a:ea typeface="+mn-ea"/>
+                <a:cs typeface="+mn-cs"/>
+              </a:defRPr>
+            </a:lvl1pPr>
+            <a:lvl2pPr marL="358765" indent="0" algn="ctr" defTabSz="717530" rtl="0" eaLnBrk="1" latinLnBrk="0" hangingPunct="1">
+              <a:lnSpc>
+                <a:spcPct val="90000"/>
+              </a:lnSpc>
+              <a:spcBef>
+                <a:spcPts val="392"/>
+              </a:spcBef>
+              <a:buFont typeface="Arial" panose="020B0604020202020204" pitchFamily="34" charset="0"/>
+              <a:buNone/>
+              <a:defRPr sz="1569" kern="1200">
+                <a:solidFill>
+                  <a:schemeClr val="tx1"/>
+                </a:solidFill>
+                <a:latin typeface="+mn-lt"/>
+                <a:ea typeface="+mn-ea"/>
+                <a:cs typeface="+mn-cs"/>
+              </a:defRPr>
+            </a:lvl2pPr>
+            <a:lvl3pPr marL="717530" indent="0" algn="ctr" defTabSz="717530" rtl="0" eaLnBrk="1" latinLnBrk="0" hangingPunct="1">
+              <a:lnSpc>
+                <a:spcPct val="90000"/>
+              </a:lnSpc>
+              <a:spcBef>
+                <a:spcPts val="392"/>
+              </a:spcBef>
+              <a:buFont typeface="Arial" panose="020B0604020202020204" pitchFamily="34" charset="0"/>
+              <a:buNone/>
+              <a:defRPr sz="1412" kern="1200">
+                <a:solidFill>
+                  <a:schemeClr val="tx1"/>
+                </a:solidFill>
+                <a:latin typeface="+mn-lt"/>
+                <a:ea typeface="+mn-ea"/>
+                <a:cs typeface="+mn-cs"/>
+              </a:defRPr>
+            </a:lvl3pPr>
+            <a:lvl4pPr marL="1076295" indent="0" algn="ctr" defTabSz="717530" rtl="0" eaLnBrk="1" latinLnBrk="0" hangingPunct="1">
+              <a:lnSpc>
+                <a:spcPct val="90000"/>
+              </a:lnSpc>
+              <a:spcBef>
+                <a:spcPts val="392"/>
+              </a:spcBef>
+              <a:buFont typeface="Arial" panose="020B0604020202020204" pitchFamily="34" charset="0"/>
+              <a:buNone/>
+              <a:defRPr sz="1256" kern="1200">
+                <a:solidFill>
+                  <a:schemeClr val="tx1"/>
+                </a:solidFill>
+                <a:latin typeface="+mn-lt"/>
+                <a:ea typeface="+mn-ea"/>
+                <a:cs typeface="+mn-cs"/>
+              </a:defRPr>
+            </a:lvl4pPr>
+            <a:lvl5pPr marL="1435059" indent="0" algn="ctr" defTabSz="717530" rtl="0" eaLnBrk="1" latinLnBrk="0" hangingPunct="1">
+              <a:lnSpc>
+                <a:spcPct val="90000"/>
+              </a:lnSpc>
+              <a:spcBef>
+                <a:spcPts val="392"/>
+              </a:spcBef>
+              <a:buFont typeface="Arial" panose="020B0604020202020204" pitchFamily="34" charset="0"/>
+              <a:buNone/>
+              <a:defRPr sz="1256" kern="1200">
+                <a:solidFill>
+                  <a:schemeClr val="tx1"/>
+                </a:solidFill>
+                <a:latin typeface="+mn-lt"/>
+                <a:ea typeface="+mn-ea"/>
+                <a:cs typeface="+mn-cs"/>
+              </a:defRPr>
+            </a:lvl5pPr>
+            <a:lvl6pPr marL="1793824" indent="0" algn="ctr" defTabSz="717530" rtl="0" eaLnBrk="1" latinLnBrk="0" hangingPunct="1">
+              <a:lnSpc>
+                <a:spcPct val="90000"/>
+              </a:lnSpc>
+              <a:spcBef>
+                <a:spcPts val="392"/>
+              </a:spcBef>
+              <a:buFont typeface="Arial" panose="020B0604020202020204" pitchFamily="34" charset="0"/>
+              <a:buNone/>
+              <a:defRPr sz="1256" kern="1200">
+                <a:solidFill>
+                  <a:schemeClr val="tx1"/>
+                </a:solidFill>
+                <a:latin typeface="+mn-lt"/>
+                <a:ea typeface="+mn-ea"/>
+                <a:cs typeface="+mn-cs"/>
+              </a:defRPr>
+            </a:lvl6pPr>
+            <a:lvl7pPr marL="2152589" indent="0" algn="ctr" defTabSz="717530" rtl="0" eaLnBrk="1" latinLnBrk="0" hangingPunct="1">
+              <a:lnSpc>
+                <a:spcPct val="90000"/>
+              </a:lnSpc>
+              <a:spcBef>
+                <a:spcPts val="392"/>
+              </a:spcBef>
+              <a:buFont typeface="Arial" panose="020B0604020202020204" pitchFamily="34" charset="0"/>
+              <a:buNone/>
+              <a:defRPr sz="1256" kern="1200">
+                <a:solidFill>
+                  <a:schemeClr val="tx1"/>
+                </a:solidFill>
+                <a:latin typeface="+mn-lt"/>
+                <a:ea typeface="+mn-ea"/>
+                <a:cs typeface="+mn-cs"/>
+              </a:defRPr>
+            </a:lvl7pPr>
+            <a:lvl8pPr marL="2511354" indent="0" algn="ctr" defTabSz="717530" rtl="0" eaLnBrk="1" latinLnBrk="0" hangingPunct="1">
+              <a:lnSpc>
+                <a:spcPct val="90000"/>
+              </a:lnSpc>
+              <a:spcBef>
+                <a:spcPts val="392"/>
+              </a:spcBef>
+              <a:buFont typeface="Arial" panose="020B0604020202020204" pitchFamily="34" charset="0"/>
+              <a:buNone/>
+              <a:defRPr sz="1256" kern="1200">
+                <a:solidFill>
+                  <a:schemeClr val="tx1"/>
+                </a:solidFill>
+                <a:latin typeface="+mn-lt"/>
+                <a:ea typeface="+mn-ea"/>
+                <a:cs typeface="+mn-cs"/>
+              </a:defRPr>
+            </a:lvl8pPr>
+            <a:lvl9pPr marL="2870119" indent="0" algn="ctr" defTabSz="717530" rtl="0" eaLnBrk="1" latinLnBrk="0" hangingPunct="1">
+              <a:lnSpc>
+                <a:spcPct val="90000"/>
+              </a:lnSpc>
+              <a:spcBef>
+                <a:spcPts val="392"/>
+              </a:spcBef>
+              <a:buFont typeface="Arial" panose="020B0604020202020204" pitchFamily="34" charset="0"/>
+              <a:buNone/>
+              <a:defRPr sz="1256" kern="1200">
+                <a:solidFill>
+                  <a:schemeClr val="tx1"/>
+                </a:solidFill>
+                <a:latin typeface="+mn-lt"/>
+                <a:ea typeface="+mn-ea"/>
+                <a:cs typeface="+mn-cs"/>
+              </a:defRPr>
+            </a:lvl9pPr>
+          </a:lstStyle>
+          <a:p>
+            <a:pPr algn="l">
+              <a:lnSpc>
+                <a:spcPct val="135000"/>
+              </a:lnSpc>
+            </a:pPr>
+            <a:r>
+              <a:rPr lang="en-US" sz="600" b="1" dirty="0" err="1" smtClean="0">
+                <a:latin typeface="Stone Serif" pitchFamily="2" charset="0"/>
+              </a:rPr>
+              <a:t>Dawex</a:t>
+            </a:r>
+            <a:r>
+              <a:rPr lang="en-US" sz="600" b="1" dirty="0" smtClean="0">
+                <a:latin typeface="Stone Serif" pitchFamily="2" charset="0"/>
+              </a:rPr>
+              <a:t> </a:t>
+            </a:r>
+            <a:r>
+              <a:rPr lang="en-US" sz="600" dirty="0" err="1" smtClean="0">
+                <a:latin typeface="Stone Serif" pitchFamily="2" charset="0"/>
+              </a:rPr>
+              <a:t>développe</a:t>
+            </a:r>
+            <a:r>
+              <a:rPr lang="en-US" sz="600" dirty="0" smtClean="0">
+                <a:latin typeface="Stone Serif" pitchFamily="2" charset="0"/>
+              </a:rPr>
+              <a:t> </a:t>
+            </a:r>
+            <a:r>
+              <a:rPr lang="en-US" sz="600" dirty="0" err="1" smtClean="0">
+                <a:latin typeface="Stone Serif" pitchFamily="2" charset="0"/>
+              </a:rPr>
+              <a:t>une</a:t>
+            </a:r>
+            <a:r>
+              <a:rPr lang="en-US" sz="600" dirty="0" smtClean="0">
+                <a:latin typeface="Stone Serif" pitchFamily="2" charset="0"/>
+              </a:rPr>
+              <a:t> </a:t>
+            </a:r>
+            <a:r>
+              <a:rPr lang="en-US" sz="600" dirty="0" err="1" smtClean="0">
+                <a:latin typeface="Stone Serif" pitchFamily="2" charset="0"/>
+              </a:rPr>
+              <a:t>plateforme</a:t>
+            </a:r>
+            <a:r>
+              <a:rPr lang="en-US" sz="600" dirty="0" smtClean="0">
+                <a:latin typeface="Stone Serif" pitchFamily="2" charset="0"/>
+              </a:rPr>
+              <a:t> de </a:t>
+            </a:r>
+            <a:r>
+              <a:rPr lang="en-US" sz="600" dirty="0" err="1" smtClean="0">
+                <a:latin typeface="Stone Serif" pitchFamily="2" charset="0"/>
+              </a:rPr>
+              <a:t>marché</a:t>
+            </a:r>
+            <a:r>
+              <a:rPr lang="en-US" sz="600" dirty="0" smtClean="0">
+                <a:latin typeface="Stone Serif" pitchFamily="2" charset="0"/>
+              </a:rPr>
+              <a:t> pour la </a:t>
+            </a:r>
+            <a:r>
+              <a:rPr lang="en-US" sz="600" dirty="0" err="1" smtClean="0">
+                <a:latin typeface="Stone Serif" pitchFamily="2" charset="0"/>
+              </a:rPr>
+              <a:t>donnée</a:t>
+            </a:r>
+            <a:r>
+              <a:rPr lang="en-US" sz="600" dirty="0" smtClean="0">
+                <a:latin typeface="Stone Serif" pitchFamily="2" charset="0"/>
+              </a:rPr>
+              <a:t>, en </a:t>
+            </a:r>
+            <a:r>
+              <a:rPr lang="en-US" sz="600" dirty="0" err="1" smtClean="0">
+                <a:latin typeface="Stone Serif" pitchFamily="2" charset="0"/>
+              </a:rPr>
+              <a:t>mettant</a:t>
+            </a:r>
+            <a:r>
+              <a:rPr lang="en-US" sz="600" dirty="0" smtClean="0">
+                <a:latin typeface="Stone Serif" pitchFamily="2" charset="0"/>
+              </a:rPr>
+              <a:t> en relation </a:t>
+            </a:r>
+            <a:r>
+              <a:rPr lang="en-US" sz="600" dirty="0" err="1" smtClean="0">
+                <a:latin typeface="Stone Serif" pitchFamily="2" charset="0"/>
+              </a:rPr>
+              <a:t>vendeurs</a:t>
+            </a:r>
+            <a:r>
+              <a:rPr lang="en-US" sz="600" dirty="0" smtClean="0">
+                <a:latin typeface="Stone Serif" pitchFamily="2" charset="0"/>
+              </a:rPr>
+              <a:t> et </a:t>
+            </a:r>
+            <a:r>
+              <a:rPr lang="en-US" sz="600" dirty="0" err="1" smtClean="0">
+                <a:latin typeface="Stone Serif" pitchFamily="2" charset="0"/>
+              </a:rPr>
+              <a:t>acheteurs</a:t>
+            </a:r>
+            <a:r>
+              <a:rPr lang="en-US" sz="600" dirty="0" smtClean="0">
+                <a:latin typeface="Stone Serif" pitchFamily="2" charset="0"/>
+              </a:rPr>
+              <a:t> de </a:t>
+            </a:r>
+            <a:r>
+              <a:rPr lang="en-US" sz="600" dirty="0" err="1" smtClean="0">
+                <a:latin typeface="Stone Serif" pitchFamily="2" charset="0"/>
+              </a:rPr>
+              <a:t>données</a:t>
+            </a:r>
+            <a:r>
+              <a:rPr lang="en-US" sz="600" dirty="0" smtClean="0">
+                <a:latin typeface="Stone Serif" pitchFamily="2" charset="0"/>
+              </a:rPr>
+              <a:t>. La plus-value </a:t>
+            </a:r>
+            <a:r>
+              <a:rPr lang="en-US" sz="600" dirty="0" err="1" smtClean="0">
+                <a:latin typeface="Stone Serif" pitchFamily="2" charset="0"/>
+              </a:rPr>
+              <a:t>apportée</a:t>
+            </a:r>
+            <a:r>
+              <a:rPr lang="en-US" sz="600" dirty="0" smtClean="0">
+                <a:latin typeface="Stone Serif" pitchFamily="2" charset="0"/>
+              </a:rPr>
+              <a:t> par </a:t>
+            </a:r>
+            <a:r>
+              <a:rPr lang="en-US" sz="600" dirty="0" err="1" smtClean="0">
+                <a:latin typeface="Stone Serif" pitchFamily="2" charset="0"/>
+              </a:rPr>
+              <a:t>Dawex</a:t>
+            </a:r>
+            <a:r>
+              <a:rPr lang="en-US" sz="600" dirty="0" smtClean="0">
+                <a:latin typeface="Stone Serif" pitchFamily="2" charset="0"/>
+              </a:rPr>
+              <a:t> aux </a:t>
+            </a:r>
+            <a:r>
+              <a:rPr lang="en-US" sz="600" dirty="0" err="1" smtClean="0">
+                <a:latin typeface="Stone Serif" pitchFamily="2" charset="0"/>
+              </a:rPr>
+              <a:t>acteurs</a:t>
+            </a:r>
+            <a:r>
+              <a:rPr lang="en-US" sz="600" dirty="0" smtClean="0">
+                <a:latin typeface="Stone Serif" pitchFamily="2" charset="0"/>
+              </a:rPr>
+              <a:t> </a:t>
+            </a:r>
+            <a:r>
+              <a:rPr lang="en-US" sz="600" dirty="0" err="1" smtClean="0">
+                <a:latin typeface="Stone Serif" pitchFamily="2" charset="0"/>
+              </a:rPr>
+              <a:t>est</a:t>
+            </a:r>
+            <a:r>
+              <a:rPr lang="en-US" sz="600" dirty="0" smtClean="0">
+                <a:latin typeface="Stone Serif" pitchFamily="2" charset="0"/>
+              </a:rPr>
+              <a:t> la </a:t>
+            </a:r>
+            <a:r>
+              <a:rPr lang="en-US" sz="600" dirty="0" err="1" smtClean="0">
+                <a:latin typeface="Stone Serif" pitchFamily="2" charset="0"/>
+              </a:rPr>
+              <a:t>maîtrise</a:t>
+            </a:r>
+            <a:r>
+              <a:rPr lang="en-US" sz="600" dirty="0" smtClean="0">
+                <a:latin typeface="Stone Serif" pitchFamily="2" charset="0"/>
+              </a:rPr>
+              <a:t> </a:t>
+            </a:r>
+            <a:r>
+              <a:rPr lang="en-US" sz="600" dirty="0" err="1" smtClean="0">
+                <a:latin typeface="Stone Serif" pitchFamily="2" charset="0"/>
+              </a:rPr>
+              <a:t>totale</a:t>
+            </a:r>
+            <a:r>
+              <a:rPr lang="en-US" sz="600" dirty="0" smtClean="0">
+                <a:latin typeface="Stone Serif" pitchFamily="2" charset="0"/>
+              </a:rPr>
+              <a:t> de la transaction, </a:t>
+            </a:r>
+            <a:r>
+              <a:rPr lang="en-US" sz="600" dirty="0" err="1" smtClean="0">
+                <a:latin typeface="Stone Serif" pitchFamily="2" charset="0"/>
+              </a:rPr>
+              <a:t>sur</a:t>
+            </a:r>
+            <a:r>
+              <a:rPr lang="en-US" sz="600" dirty="0" smtClean="0">
+                <a:latin typeface="Stone Serif" pitchFamily="2" charset="0"/>
+              </a:rPr>
+              <a:t> un asset sensible.</a:t>
+            </a:r>
+            <a:endParaRPr lang="fr-FR" sz="600" dirty="0">
+              <a:latin typeface="Stone Serif" pitchFamily="2" charset="0"/>
+            </a:endParaRPr>
+          </a:p>
+        </p:txBody>
+      </p:sp>
+      <p:sp>
+        <p:nvSpPr>
+          <p:cNvPr id="21" name="ZoneTexte 20"/>
+          <p:cNvSpPr txBox="1"/>
+          <p:nvPr/>
+        </p:nvSpPr>
+        <p:spPr>
+          <a:xfrm>
+            <a:off x="432367" y="4437865"/>
+            <a:ext cx="6882833" cy="320857"/>
+          </a:xfrm>
+          <a:prstGeom prst="rect">
+            <a:avLst/>
+          </a:prstGeom>
+          <a:solidFill>
+            <a:srgbClr val="FFBDF5"/>
+          </a:solidFill>
+        </p:spPr>
+        <p:txBody>
+          <a:bodyPr wrap="square" rtlCol="0">
+            <a:spAutoFit/>
+          </a:bodyPr>
+          <a:lstStyle/>
+          <a:p>
+            <a:pPr>
+              <a:lnSpc>
+                <a:spcPct val="135000"/>
+              </a:lnSpc>
+            </a:pPr>
+            <a:r>
+              <a:rPr lang="fr-FR" sz="1100" dirty="0" smtClean="0">
+                <a:latin typeface="Stone Serif" pitchFamily="2" charset="0"/>
+              </a:rPr>
+              <a:t>Des organisations qui adoptent le modèle de plateforme</a:t>
+            </a:r>
+            <a:endParaRPr lang="fr-FR" sz="1100" dirty="0">
+              <a:latin typeface="Stone Serif" pitchFamily="2" charset="0"/>
+            </a:endParaRPr>
+          </a:p>
+        </p:txBody>
+      </p:sp>
+      <p:sp>
+        <p:nvSpPr>
+          <p:cNvPr id="27" name="ZoneTexte 26"/>
+          <p:cNvSpPr txBox="1"/>
+          <p:nvPr/>
+        </p:nvSpPr>
+        <p:spPr>
+          <a:xfrm>
+            <a:off x="432366" y="3784720"/>
+            <a:ext cx="4442692" cy="279307"/>
+          </a:xfrm>
+          <a:prstGeom prst="rect">
+            <a:avLst/>
+          </a:prstGeom>
+          <a:solidFill>
+            <a:srgbClr val="FFBDF5"/>
+          </a:solidFill>
+        </p:spPr>
+        <p:txBody>
+          <a:bodyPr wrap="square" rtlCol="0">
+            <a:spAutoFit/>
+          </a:bodyPr>
+          <a:lstStyle/>
+          <a:p>
+            <a:pPr>
+              <a:lnSpc>
+                <a:spcPct val="135000"/>
+              </a:lnSpc>
+            </a:pPr>
+            <a:r>
+              <a:rPr lang="fr-FR" sz="900" dirty="0" smtClean="0">
+                <a:latin typeface="Stone Serif" pitchFamily="2" charset="0"/>
+              </a:rPr>
+              <a:t>Pour aller plus loin</a:t>
+            </a:r>
+            <a:endParaRPr lang="fr-FR" sz="900" dirty="0">
+              <a:latin typeface="Stone Serif" pitchFamily="2" charset="0"/>
+            </a:endParaRPr>
+          </a:p>
+        </p:txBody>
+      </p:sp>
+      <p:sp>
+        <p:nvSpPr>
+          <p:cNvPr id="16" name="Sous-titre 2"/>
+          <p:cNvSpPr txBox="1">
+            <a:spLocks/>
+          </p:cNvSpPr>
+          <p:nvPr/>
+        </p:nvSpPr>
+        <p:spPr>
+          <a:xfrm>
+            <a:off x="5019992" y="4007791"/>
+            <a:ext cx="2295208" cy="372529"/>
+          </a:xfrm>
+          <a:prstGeom prst="rect">
+            <a:avLst/>
+          </a:prstGeom>
+          <a:ln>
+            <a:solidFill>
+              <a:schemeClr val="tx1"/>
+            </a:solidFill>
+            <a:prstDash val="dash"/>
+          </a:ln>
+        </p:spPr>
+        <p:txBody>
+          <a:bodyPr vert="horz" lIns="91440" tIns="45720" rIns="91440" bIns="45720" rtlCol="0">
+            <a:noAutofit/>
+          </a:bodyPr>
+          <a:lstStyle>
+            <a:lvl1pPr marL="0" indent="0" algn="ctr" defTabSz="717530" rtl="0" eaLnBrk="1" latinLnBrk="0" hangingPunct="1">
+              <a:lnSpc>
+                <a:spcPct val="90000"/>
+              </a:lnSpc>
+              <a:spcBef>
+                <a:spcPts val="785"/>
+              </a:spcBef>
+              <a:buFont typeface="Arial" panose="020B0604020202020204" pitchFamily="34" charset="0"/>
+              <a:buNone/>
+              <a:defRPr sz="1883" kern="1200">
+                <a:solidFill>
+                  <a:schemeClr val="tx1"/>
+                </a:solidFill>
+                <a:latin typeface="+mn-lt"/>
+                <a:ea typeface="+mn-ea"/>
+                <a:cs typeface="+mn-cs"/>
+              </a:defRPr>
+            </a:lvl1pPr>
+            <a:lvl2pPr marL="358765" indent="0" algn="ctr" defTabSz="717530" rtl="0" eaLnBrk="1" latinLnBrk="0" hangingPunct="1">
+              <a:lnSpc>
+                <a:spcPct val="90000"/>
+              </a:lnSpc>
+              <a:spcBef>
+                <a:spcPts val="392"/>
+              </a:spcBef>
+              <a:buFont typeface="Arial" panose="020B0604020202020204" pitchFamily="34" charset="0"/>
+              <a:buNone/>
+              <a:defRPr sz="1569" kern="1200">
+                <a:solidFill>
+                  <a:schemeClr val="tx1"/>
+                </a:solidFill>
+                <a:latin typeface="+mn-lt"/>
+                <a:ea typeface="+mn-ea"/>
+                <a:cs typeface="+mn-cs"/>
+              </a:defRPr>
+            </a:lvl2pPr>
+            <a:lvl3pPr marL="717530" indent="0" algn="ctr" defTabSz="717530" rtl="0" eaLnBrk="1" latinLnBrk="0" hangingPunct="1">
+              <a:lnSpc>
+                <a:spcPct val="90000"/>
+              </a:lnSpc>
+              <a:spcBef>
+                <a:spcPts val="392"/>
+              </a:spcBef>
+              <a:buFont typeface="Arial" panose="020B0604020202020204" pitchFamily="34" charset="0"/>
+              <a:buNone/>
+              <a:defRPr sz="1412" kern="1200">
+                <a:solidFill>
+                  <a:schemeClr val="tx1"/>
+                </a:solidFill>
+                <a:latin typeface="+mn-lt"/>
+                <a:ea typeface="+mn-ea"/>
+                <a:cs typeface="+mn-cs"/>
+              </a:defRPr>
+            </a:lvl3pPr>
+            <a:lvl4pPr marL="1076295" indent="0" algn="ctr" defTabSz="717530" rtl="0" eaLnBrk="1" latinLnBrk="0" hangingPunct="1">
+              <a:lnSpc>
+                <a:spcPct val="90000"/>
+              </a:lnSpc>
+              <a:spcBef>
+                <a:spcPts val="392"/>
+              </a:spcBef>
+              <a:buFont typeface="Arial" panose="020B0604020202020204" pitchFamily="34" charset="0"/>
+              <a:buNone/>
+              <a:defRPr sz="1256" kern="1200">
+                <a:solidFill>
+                  <a:schemeClr val="tx1"/>
+                </a:solidFill>
+                <a:latin typeface="+mn-lt"/>
+                <a:ea typeface="+mn-ea"/>
+                <a:cs typeface="+mn-cs"/>
+              </a:defRPr>
+            </a:lvl4pPr>
+            <a:lvl5pPr marL="1435059" indent="0" algn="ctr" defTabSz="717530" rtl="0" eaLnBrk="1" latinLnBrk="0" hangingPunct="1">
+              <a:lnSpc>
+                <a:spcPct val="90000"/>
+              </a:lnSpc>
+              <a:spcBef>
+                <a:spcPts val="392"/>
+              </a:spcBef>
+              <a:buFont typeface="Arial" panose="020B0604020202020204" pitchFamily="34" charset="0"/>
+              <a:buNone/>
+              <a:defRPr sz="1256" kern="1200">
+                <a:solidFill>
+                  <a:schemeClr val="tx1"/>
+                </a:solidFill>
+                <a:latin typeface="+mn-lt"/>
+                <a:ea typeface="+mn-ea"/>
+                <a:cs typeface="+mn-cs"/>
+              </a:defRPr>
+            </a:lvl5pPr>
+            <a:lvl6pPr marL="1793824" indent="0" algn="ctr" defTabSz="717530" rtl="0" eaLnBrk="1" latinLnBrk="0" hangingPunct="1">
+              <a:lnSpc>
+                <a:spcPct val="90000"/>
+              </a:lnSpc>
+              <a:spcBef>
+                <a:spcPts val="392"/>
+              </a:spcBef>
+              <a:buFont typeface="Arial" panose="020B0604020202020204" pitchFamily="34" charset="0"/>
+              <a:buNone/>
+              <a:defRPr sz="1256" kern="1200">
+                <a:solidFill>
+                  <a:schemeClr val="tx1"/>
+                </a:solidFill>
+                <a:latin typeface="+mn-lt"/>
+                <a:ea typeface="+mn-ea"/>
+                <a:cs typeface="+mn-cs"/>
+              </a:defRPr>
+            </a:lvl6pPr>
+            <a:lvl7pPr marL="2152589" indent="0" algn="ctr" defTabSz="717530" rtl="0" eaLnBrk="1" latinLnBrk="0" hangingPunct="1">
+              <a:lnSpc>
+                <a:spcPct val="90000"/>
+              </a:lnSpc>
+              <a:spcBef>
+                <a:spcPts val="392"/>
+              </a:spcBef>
+              <a:buFont typeface="Arial" panose="020B0604020202020204" pitchFamily="34" charset="0"/>
+              <a:buNone/>
+              <a:defRPr sz="1256" kern="1200">
+                <a:solidFill>
+                  <a:schemeClr val="tx1"/>
+                </a:solidFill>
+                <a:latin typeface="+mn-lt"/>
+                <a:ea typeface="+mn-ea"/>
+                <a:cs typeface="+mn-cs"/>
+              </a:defRPr>
+            </a:lvl7pPr>
+            <a:lvl8pPr marL="2511354" indent="0" algn="ctr" defTabSz="717530" rtl="0" eaLnBrk="1" latinLnBrk="0" hangingPunct="1">
+              <a:lnSpc>
+                <a:spcPct val="90000"/>
+              </a:lnSpc>
+              <a:spcBef>
+                <a:spcPts val="392"/>
+              </a:spcBef>
+              <a:buFont typeface="Arial" panose="020B0604020202020204" pitchFamily="34" charset="0"/>
+              <a:buNone/>
+              <a:defRPr sz="1256" kern="1200">
+                <a:solidFill>
+                  <a:schemeClr val="tx1"/>
+                </a:solidFill>
+                <a:latin typeface="+mn-lt"/>
+                <a:ea typeface="+mn-ea"/>
+                <a:cs typeface="+mn-cs"/>
+              </a:defRPr>
+            </a:lvl8pPr>
+            <a:lvl9pPr marL="2870119" indent="0" algn="ctr" defTabSz="717530" rtl="0" eaLnBrk="1" latinLnBrk="0" hangingPunct="1">
+              <a:lnSpc>
+                <a:spcPct val="90000"/>
+              </a:lnSpc>
+              <a:spcBef>
+                <a:spcPts val="392"/>
+              </a:spcBef>
+              <a:buFont typeface="Arial" panose="020B0604020202020204" pitchFamily="34" charset="0"/>
+              <a:buNone/>
+              <a:defRPr sz="1256" kern="1200">
+                <a:solidFill>
+                  <a:schemeClr val="tx1"/>
+                </a:solidFill>
+                <a:latin typeface="+mn-lt"/>
+                <a:ea typeface="+mn-ea"/>
+                <a:cs typeface="+mn-cs"/>
+              </a:defRPr>
+            </a:lvl9pPr>
+          </a:lstStyle>
+          <a:p>
+            <a:pPr algn="l">
+              <a:lnSpc>
+                <a:spcPct val="135000"/>
+              </a:lnSpc>
+            </a:pPr>
+            <a:r>
+              <a:rPr lang="fr-FR" sz="800" dirty="0" smtClean="0">
+                <a:latin typeface="Stone Serif" pitchFamily="2" charset="0"/>
+              </a:rPr>
+              <a:t>Platform Design </a:t>
+            </a:r>
+            <a:r>
+              <a:rPr lang="fr-FR" sz="800" dirty="0" err="1" smtClean="0">
+                <a:latin typeface="Stone Serif" pitchFamily="2" charset="0"/>
+              </a:rPr>
+              <a:t>Toolkit</a:t>
+            </a:r>
+            <a:r>
+              <a:rPr lang="fr-FR" sz="800" dirty="0">
+                <a:latin typeface="Stone Serif" pitchFamily="2" charset="0"/>
+              </a:rPr>
+              <a:t>:</a:t>
+            </a:r>
+            <a:br>
+              <a:rPr lang="fr-FR" sz="800" dirty="0">
+                <a:latin typeface="Stone Serif" pitchFamily="2" charset="0"/>
+              </a:rPr>
+            </a:br>
+            <a:r>
+              <a:rPr lang="fr-FR" sz="800" dirty="0">
+                <a:latin typeface="Stone Serif" pitchFamily="2" charset="0"/>
+                <a:hlinkClick r:id="rId4"/>
+              </a:rPr>
+              <a:t>https://platformdesigntoolkit.com</a:t>
+            </a:r>
+            <a:r>
+              <a:rPr lang="fr-FR" sz="800" dirty="0" smtClean="0">
+                <a:latin typeface="Stone Serif" pitchFamily="2" charset="0"/>
+                <a:hlinkClick r:id="rId4"/>
+              </a:rPr>
+              <a:t>/</a:t>
+            </a:r>
+            <a:r>
+              <a:rPr lang="fr-FR" sz="800" dirty="0" smtClean="0">
+                <a:latin typeface="Stone Serif" pitchFamily="2" charset="0"/>
+              </a:rPr>
+              <a:t> </a:t>
+            </a:r>
+          </a:p>
+        </p:txBody>
+      </p:sp>
+      <p:sp>
+        <p:nvSpPr>
+          <p:cNvPr id="17" name="ZoneTexte 16"/>
+          <p:cNvSpPr txBox="1"/>
+          <p:nvPr/>
+        </p:nvSpPr>
+        <p:spPr>
+          <a:xfrm>
+            <a:off x="5019992" y="3784720"/>
+            <a:ext cx="2295207" cy="279307"/>
+          </a:xfrm>
+          <a:prstGeom prst="rect">
+            <a:avLst/>
+          </a:prstGeom>
+          <a:solidFill>
+            <a:srgbClr val="FFBDF5"/>
+          </a:solidFill>
+        </p:spPr>
+        <p:txBody>
+          <a:bodyPr wrap="square" rtlCol="0">
+            <a:spAutoFit/>
+          </a:bodyPr>
+          <a:lstStyle/>
+          <a:p>
+            <a:pPr>
+              <a:lnSpc>
+                <a:spcPct val="135000"/>
+              </a:lnSpc>
+            </a:pPr>
+            <a:r>
+              <a:rPr lang="fr-FR" sz="900" dirty="0" smtClean="0">
+                <a:latin typeface="Stone Serif" pitchFamily="2" charset="0"/>
+              </a:rPr>
+              <a:t>Pour vous guider</a:t>
+            </a:r>
+            <a:endParaRPr lang="fr-FR" sz="900" dirty="0">
+              <a:latin typeface="Stone Serif" pitchFamily="2" charset="0"/>
+            </a:endParaRPr>
+          </a:p>
+        </p:txBody>
+      </p:sp>
+    </p:spTree>
+    <p:extLst>
+      <p:ext uri="{BB962C8B-B14F-4D97-AF65-F5344CB8AC3E}">
+        <p14:creationId xmlns:p14="http://schemas.microsoft.com/office/powerpoint/2010/main" val="3565595347"/>
+      </p:ext>
+    </p:extLst>
+  </p:cSld>
+  <p:clrMapOvr>
+    <a:masterClrMapping/>
+  </p:clrMapOvr>
+</p:sld>
+</file>
+
 <file path=ppt/slides/slide2.xml><?xml version="1.0" encoding="utf-8"?>
 <p:sld xmlns:a="http://schemas.openxmlformats.org/drawingml/2006/main" xmlns:r="http://schemas.openxmlformats.org/officeDocument/2006/relationships" xmlns:p="http://schemas.openxmlformats.org/presentationml/2006/main">
   <p:cSld>
@@ -16369,19 +19063,7 @@
               <a:rPr lang="fr-FR" sz="800" dirty="0" smtClean="0">
                 <a:latin typeface="Stone Serif" pitchFamily="2" charset="0"/>
               </a:rPr>
-              <a:t>– l’Etat français </a:t>
-            </a:r>
-            <a:r>
-              <a:rPr lang="fr-FR" sz="800" dirty="0" smtClean="0">
-                <a:latin typeface="Stone Serif" pitchFamily="2" charset="0"/>
-              </a:rPr>
-              <a:t>met </a:t>
-            </a:r>
-            <a:r>
-              <a:rPr lang="fr-FR" sz="800" dirty="0" smtClean="0">
-                <a:latin typeface="Stone Serif" pitchFamily="2" charset="0"/>
-              </a:rPr>
-              <a:t>à disposition près de 40,000 jeux de données sur la vie publique, réutilisables librement par les citoyens et organisations.</a:t>
+              <a:t>– l’Etat français met à disposition près de 40,000 jeux de données sur la vie publique, réutilisables librement par les citoyens et organisations.</a:t>
             </a:r>
             <a:endParaRPr lang="fr-FR" sz="800" dirty="0">
               <a:latin typeface="Stone Serif" pitchFamily="2" charset="0"/>
@@ -18919,19 +21601,7 @@
               <a:rPr lang="fr-FR" sz="800" dirty="0" smtClean="0">
                 <a:latin typeface="Stone Serif" pitchFamily="2" charset="0"/>
               </a:rPr>
-              <a:t> d’être interfac</a:t>
-            </a:r>
-            <a:r>
-              <a:rPr lang="fr-FR" sz="800" dirty="0" smtClean="0">
-                <a:latin typeface="Stone Serif" pitchFamily="2" charset="0"/>
-              </a:rPr>
-              <a:t>és aux métiers et à la DSI.</a:t>
-            </a:r>
-            <a:r>
-              <a:rPr lang="fr-FR" sz="800" dirty="0" smtClean="0">
-                <a:latin typeface="Stone Serif" pitchFamily="2" charset="0"/>
-              </a:rPr>
-              <a:t/>
+              <a:t> d’être interfacés aux métiers et à la DSI.</a:t>
             </a:r>
             <a:br>
               <a:rPr lang="fr-FR" sz="800" dirty="0" smtClean="0">

--- a/docs/content/fr/cards.pptx
+++ b/docs/content/fr/cards.pptx
@@ -10783,7 +10783,7 @@
         <p:spPr>
           <a:xfrm>
             <a:off x="450972" y="4024511"/>
-            <a:ext cx="4425828" cy="382389"/>
+            <a:ext cx="4496712" cy="382389"/>
           </a:xfrm>
           <a:prstGeom prst="rect">
             <a:avLst/>
@@ -13130,8 +13130,8 @@
         </p:nvSpPr>
         <p:spPr>
           <a:xfrm>
-            <a:off x="432366" y="3784720"/>
-            <a:ext cx="4442692" cy="279307"/>
+            <a:off x="432366" y="3795987"/>
+            <a:ext cx="4515318" cy="279307"/>
           </a:xfrm>
           <a:prstGeom prst="rect">
             <a:avLst/>

--- a/docs/content/fr/cards.pptx
+++ b/docs/content/fr/cards.pptx
@@ -11763,7 +11763,13 @@
               <a:rPr lang="fr-FR" sz="800" dirty="0" smtClean="0">
                 <a:latin typeface="Stone Serif" pitchFamily="2" charset="0"/>
               </a:rPr>
-              <a:t>tierce parties nombreuses et variées.  Cela suppose une collecte intensive de données sur les acteurs de la plateforme et leurs usages (voir fiches </a:t>
+              <a:t>tierces </a:t>
+            </a:r>
+            <a:r>
+              <a:rPr lang="fr-FR" sz="800" dirty="0" smtClean="0">
+                <a:latin typeface="Stone Serif" pitchFamily="2" charset="0"/>
+              </a:rPr>
+              <a:t>parties nombreuses et variées.  Cela suppose une collecte intensive de données sur les acteurs de la plateforme et leurs usages (voir fiches </a:t>
             </a:r>
             <a:r>
               <a:rPr lang="fr-FR" sz="800" b="1" i="1" dirty="0" err="1" smtClean="0">

--- a/docs/content/fr/cards.pptx
+++ b/docs/content/fr/cards.pptx
@@ -211,7 +211,7 @@
           <a:p>
             <a:fld id="{D121557B-95DC-4F9D-80D7-494E711A263C}" type="datetimeFigureOut">
               <a:rPr lang="fr-FR" smtClean="0"/>
-              <a:t>12/06/2019</a:t>
+              <a:t>13/06/2019</a:t>
             </a:fld>
             <a:endParaRPr lang="fr-FR"/>
           </a:p>
@@ -377,7 +377,7 @@
           <a:p>
             <a:fld id="{34B0D5AD-2B20-4FC5-9805-AA792A2BEE79}" type="datetimeFigureOut">
               <a:rPr lang="fr-FR" smtClean="0"/>
-              <a:t>12/06/2019</a:t>
+              <a:t>13/06/2019</a:t>
             </a:fld>
             <a:endParaRPr lang="fr-FR"/>
           </a:p>
@@ -838,7 +838,7 @@
           <a:p>
             <a:fld id="{654FF092-CFE9-4329-97B3-D872B1066925}" type="datetimeFigureOut">
               <a:rPr lang="fr-FR" smtClean="0"/>
-              <a:t>12/06/2019</a:t>
+              <a:t>13/06/2019</a:t>
             </a:fld>
             <a:endParaRPr lang="fr-FR"/>
           </a:p>
@@ -1008,7 +1008,7 @@
           <a:p>
             <a:fld id="{654FF092-CFE9-4329-97B3-D872B1066925}" type="datetimeFigureOut">
               <a:rPr lang="fr-FR" smtClean="0"/>
-              <a:t>12/06/2019</a:t>
+              <a:t>13/06/2019</a:t>
             </a:fld>
             <a:endParaRPr lang="fr-FR"/>
           </a:p>
@@ -1188,7 +1188,7 @@
           <a:p>
             <a:fld id="{654FF092-CFE9-4329-97B3-D872B1066925}" type="datetimeFigureOut">
               <a:rPr lang="fr-FR" smtClean="0"/>
-              <a:t>12/06/2019</a:t>
+              <a:t>13/06/2019</a:t>
             </a:fld>
             <a:endParaRPr lang="fr-FR"/>
           </a:p>
@@ -1358,7 +1358,7 @@
           <a:p>
             <a:fld id="{654FF092-CFE9-4329-97B3-D872B1066925}" type="datetimeFigureOut">
               <a:rPr lang="fr-FR" smtClean="0"/>
-              <a:t>12/06/2019</a:t>
+              <a:t>13/06/2019</a:t>
             </a:fld>
             <a:endParaRPr lang="fr-FR"/>
           </a:p>
@@ -1602,7 +1602,7 @@
           <a:p>
             <a:fld id="{654FF092-CFE9-4329-97B3-D872B1066925}" type="datetimeFigureOut">
               <a:rPr lang="fr-FR" smtClean="0"/>
-              <a:t>12/06/2019</a:t>
+              <a:t>13/06/2019</a:t>
             </a:fld>
             <a:endParaRPr lang="fr-FR"/>
           </a:p>
@@ -1834,7 +1834,7 @@
           <a:p>
             <a:fld id="{654FF092-CFE9-4329-97B3-D872B1066925}" type="datetimeFigureOut">
               <a:rPr lang="fr-FR" smtClean="0"/>
-              <a:t>12/06/2019</a:t>
+              <a:t>13/06/2019</a:t>
             </a:fld>
             <a:endParaRPr lang="fr-FR"/>
           </a:p>
@@ -2201,7 +2201,7 @@
           <a:p>
             <a:fld id="{654FF092-CFE9-4329-97B3-D872B1066925}" type="datetimeFigureOut">
               <a:rPr lang="fr-FR" smtClean="0"/>
-              <a:t>12/06/2019</a:t>
+              <a:t>13/06/2019</a:t>
             </a:fld>
             <a:endParaRPr lang="fr-FR"/>
           </a:p>
@@ -2319,7 +2319,7 @@
           <a:p>
             <a:fld id="{654FF092-CFE9-4329-97B3-D872B1066925}" type="datetimeFigureOut">
               <a:rPr lang="fr-FR" smtClean="0"/>
-              <a:t>12/06/2019</a:t>
+              <a:t>13/06/2019</a:t>
             </a:fld>
             <a:endParaRPr lang="fr-FR"/>
           </a:p>
@@ -2414,7 +2414,7 @@
           <a:p>
             <a:fld id="{654FF092-CFE9-4329-97B3-D872B1066925}" type="datetimeFigureOut">
               <a:rPr lang="fr-FR" smtClean="0"/>
-              <a:t>12/06/2019</a:t>
+              <a:t>13/06/2019</a:t>
             </a:fld>
             <a:endParaRPr lang="fr-FR"/>
           </a:p>
@@ -2691,7 +2691,7 @@
           <a:p>
             <a:fld id="{654FF092-CFE9-4329-97B3-D872B1066925}" type="datetimeFigureOut">
               <a:rPr lang="fr-FR" smtClean="0"/>
-              <a:t>12/06/2019</a:t>
+              <a:t>13/06/2019</a:t>
             </a:fld>
             <a:endParaRPr lang="fr-FR"/>
           </a:p>
@@ -2948,7 +2948,7 @@
           <a:p>
             <a:fld id="{654FF092-CFE9-4329-97B3-D872B1066925}" type="datetimeFigureOut">
               <a:rPr lang="fr-FR" smtClean="0"/>
-              <a:t>12/06/2019</a:t>
+              <a:t>13/06/2019</a:t>
             </a:fld>
             <a:endParaRPr lang="fr-FR"/>
           </a:p>
@@ -3161,7 +3161,7 @@
           <a:p>
             <a:fld id="{654FF092-CFE9-4329-97B3-D872B1066925}" type="datetimeFigureOut">
               <a:rPr lang="fr-FR" smtClean="0"/>
-              <a:t>12/06/2019</a:t>
+              <a:t>13/06/2019</a:t>
             </a:fld>
             <a:endParaRPr lang="fr-FR"/>
           </a:p>
@@ -8461,6 +8461,245 @@
       </p:grpSpPr>
       <p:sp>
         <p:nvSpPr>
+          <p:cNvPr id="20" name="Sous-titre 2"/>
+          <p:cNvSpPr txBox="1">
+            <a:spLocks/>
+          </p:cNvSpPr>
+          <p:nvPr/>
+        </p:nvSpPr>
+        <p:spPr>
+          <a:xfrm>
+            <a:off x="3152553" y="3846211"/>
+            <a:ext cx="1967023" cy="1276467"/>
+          </a:xfrm>
+          <a:prstGeom prst="rect">
+            <a:avLst/>
+          </a:prstGeom>
+          <a:ln>
+            <a:solidFill>
+              <a:schemeClr val="tx1"/>
+            </a:solidFill>
+            <a:prstDash val="dash"/>
+          </a:ln>
+        </p:spPr>
+        <p:txBody>
+          <a:bodyPr vert="horz" lIns="91440" tIns="45720" rIns="91440" bIns="45720" rtlCol="0">
+            <a:noAutofit/>
+          </a:bodyPr>
+          <a:lstStyle>
+            <a:lvl1pPr marL="0" indent="0" algn="ctr" defTabSz="717530" rtl="0" eaLnBrk="1" latinLnBrk="0" hangingPunct="1">
+              <a:lnSpc>
+                <a:spcPct val="90000"/>
+              </a:lnSpc>
+              <a:spcBef>
+                <a:spcPts val="785"/>
+              </a:spcBef>
+              <a:buFont typeface="Arial" panose="020B0604020202020204" pitchFamily="34" charset="0"/>
+              <a:buNone/>
+              <a:defRPr sz="1883" kern="1200">
+                <a:solidFill>
+                  <a:schemeClr val="tx1"/>
+                </a:solidFill>
+                <a:latin typeface="+mn-lt"/>
+                <a:ea typeface="+mn-ea"/>
+                <a:cs typeface="+mn-cs"/>
+              </a:defRPr>
+            </a:lvl1pPr>
+            <a:lvl2pPr marL="358765" indent="0" algn="ctr" defTabSz="717530" rtl="0" eaLnBrk="1" latinLnBrk="0" hangingPunct="1">
+              <a:lnSpc>
+                <a:spcPct val="90000"/>
+              </a:lnSpc>
+              <a:spcBef>
+                <a:spcPts val="392"/>
+              </a:spcBef>
+              <a:buFont typeface="Arial" panose="020B0604020202020204" pitchFamily="34" charset="0"/>
+              <a:buNone/>
+              <a:defRPr sz="1569" kern="1200">
+                <a:solidFill>
+                  <a:schemeClr val="tx1"/>
+                </a:solidFill>
+                <a:latin typeface="+mn-lt"/>
+                <a:ea typeface="+mn-ea"/>
+                <a:cs typeface="+mn-cs"/>
+              </a:defRPr>
+            </a:lvl2pPr>
+            <a:lvl3pPr marL="717530" indent="0" algn="ctr" defTabSz="717530" rtl="0" eaLnBrk="1" latinLnBrk="0" hangingPunct="1">
+              <a:lnSpc>
+                <a:spcPct val="90000"/>
+              </a:lnSpc>
+              <a:spcBef>
+                <a:spcPts val="392"/>
+              </a:spcBef>
+              <a:buFont typeface="Arial" panose="020B0604020202020204" pitchFamily="34" charset="0"/>
+              <a:buNone/>
+              <a:defRPr sz="1412" kern="1200">
+                <a:solidFill>
+                  <a:schemeClr val="tx1"/>
+                </a:solidFill>
+                <a:latin typeface="+mn-lt"/>
+                <a:ea typeface="+mn-ea"/>
+                <a:cs typeface="+mn-cs"/>
+              </a:defRPr>
+            </a:lvl3pPr>
+            <a:lvl4pPr marL="1076295" indent="0" algn="ctr" defTabSz="717530" rtl="0" eaLnBrk="1" latinLnBrk="0" hangingPunct="1">
+              <a:lnSpc>
+                <a:spcPct val="90000"/>
+              </a:lnSpc>
+              <a:spcBef>
+                <a:spcPts val="392"/>
+              </a:spcBef>
+              <a:buFont typeface="Arial" panose="020B0604020202020204" pitchFamily="34" charset="0"/>
+              <a:buNone/>
+              <a:defRPr sz="1256" kern="1200">
+                <a:solidFill>
+                  <a:schemeClr val="tx1"/>
+                </a:solidFill>
+                <a:latin typeface="+mn-lt"/>
+                <a:ea typeface="+mn-ea"/>
+                <a:cs typeface="+mn-cs"/>
+              </a:defRPr>
+            </a:lvl4pPr>
+            <a:lvl5pPr marL="1435059" indent="0" algn="ctr" defTabSz="717530" rtl="0" eaLnBrk="1" latinLnBrk="0" hangingPunct="1">
+              <a:lnSpc>
+                <a:spcPct val="90000"/>
+              </a:lnSpc>
+              <a:spcBef>
+                <a:spcPts val="392"/>
+              </a:spcBef>
+              <a:buFont typeface="Arial" panose="020B0604020202020204" pitchFamily="34" charset="0"/>
+              <a:buNone/>
+              <a:defRPr sz="1256" kern="1200">
+                <a:solidFill>
+                  <a:schemeClr val="tx1"/>
+                </a:solidFill>
+                <a:latin typeface="+mn-lt"/>
+                <a:ea typeface="+mn-ea"/>
+                <a:cs typeface="+mn-cs"/>
+              </a:defRPr>
+            </a:lvl5pPr>
+            <a:lvl6pPr marL="1793824" indent="0" algn="ctr" defTabSz="717530" rtl="0" eaLnBrk="1" latinLnBrk="0" hangingPunct="1">
+              <a:lnSpc>
+                <a:spcPct val="90000"/>
+              </a:lnSpc>
+              <a:spcBef>
+                <a:spcPts val="392"/>
+              </a:spcBef>
+              <a:buFont typeface="Arial" panose="020B0604020202020204" pitchFamily="34" charset="0"/>
+              <a:buNone/>
+              <a:defRPr sz="1256" kern="1200">
+                <a:solidFill>
+                  <a:schemeClr val="tx1"/>
+                </a:solidFill>
+                <a:latin typeface="+mn-lt"/>
+                <a:ea typeface="+mn-ea"/>
+                <a:cs typeface="+mn-cs"/>
+              </a:defRPr>
+            </a:lvl6pPr>
+            <a:lvl7pPr marL="2152589" indent="0" algn="ctr" defTabSz="717530" rtl="0" eaLnBrk="1" latinLnBrk="0" hangingPunct="1">
+              <a:lnSpc>
+                <a:spcPct val="90000"/>
+              </a:lnSpc>
+              <a:spcBef>
+                <a:spcPts val="392"/>
+              </a:spcBef>
+              <a:buFont typeface="Arial" panose="020B0604020202020204" pitchFamily="34" charset="0"/>
+              <a:buNone/>
+              <a:defRPr sz="1256" kern="1200">
+                <a:solidFill>
+                  <a:schemeClr val="tx1"/>
+                </a:solidFill>
+                <a:latin typeface="+mn-lt"/>
+                <a:ea typeface="+mn-ea"/>
+                <a:cs typeface="+mn-cs"/>
+              </a:defRPr>
+            </a:lvl7pPr>
+            <a:lvl8pPr marL="2511354" indent="0" algn="ctr" defTabSz="717530" rtl="0" eaLnBrk="1" latinLnBrk="0" hangingPunct="1">
+              <a:lnSpc>
+                <a:spcPct val="90000"/>
+              </a:lnSpc>
+              <a:spcBef>
+                <a:spcPts val="392"/>
+              </a:spcBef>
+              <a:buFont typeface="Arial" panose="020B0604020202020204" pitchFamily="34" charset="0"/>
+              <a:buNone/>
+              <a:defRPr sz="1256" kern="1200">
+                <a:solidFill>
+                  <a:schemeClr val="tx1"/>
+                </a:solidFill>
+                <a:latin typeface="+mn-lt"/>
+                <a:ea typeface="+mn-ea"/>
+                <a:cs typeface="+mn-cs"/>
+              </a:defRPr>
+            </a:lvl8pPr>
+            <a:lvl9pPr marL="2870119" indent="0" algn="ctr" defTabSz="717530" rtl="0" eaLnBrk="1" latinLnBrk="0" hangingPunct="1">
+              <a:lnSpc>
+                <a:spcPct val="90000"/>
+              </a:lnSpc>
+              <a:spcBef>
+                <a:spcPts val="392"/>
+              </a:spcBef>
+              <a:buFont typeface="Arial" panose="020B0604020202020204" pitchFamily="34" charset="0"/>
+              <a:buNone/>
+              <a:defRPr sz="1256" kern="1200">
+                <a:solidFill>
+                  <a:schemeClr val="tx1"/>
+                </a:solidFill>
+                <a:latin typeface="+mn-lt"/>
+                <a:ea typeface="+mn-ea"/>
+                <a:cs typeface="+mn-cs"/>
+              </a:defRPr>
+            </a:lvl9pPr>
+          </a:lstStyle>
+          <a:p>
+            <a:pPr algn="l">
+              <a:lnSpc>
+                <a:spcPct val="135000"/>
+              </a:lnSpc>
+            </a:pPr>
+            <a:r>
+              <a:rPr lang="fr-FR" sz="700" b="1" dirty="0" err="1">
+                <a:latin typeface="Stone Serif" pitchFamily="2" charset="0"/>
+              </a:rPr>
+              <a:t>Guardtime</a:t>
+            </a:r>
+            <a:r>
+              <a:rPr lang="fr-FR" sz="700" b="1" dirty="0">
+                <a:latin typeface="Stone Serif" pitchFamily="2" charset="0"/>
+              </a:rPr>
+              <a:t> HSX </a:t>
+            </a:r>
+            <a:r>
+              <a:rPr lang="fr-FR" sz="700" dirty="0">
+                <a:latin typeface="Stone Serif" pitchFamily="2" charset="0"/>
+              </a:rPr>
+              <a:t>-</a:t>
+            </a:r>
+            <a:r>
+              <a:rPr lang="fr-FR" sz="700" dirty="0" smtClean="0">
+                <a:latin typeface="Stone Serif" pitchFamily="2" charset="0"/>
+              </a:rPr>
+              <a:t> </a:t>
+            </a:r>
+            <a:r>
+              <a:rPr lang="fr-FR" sz="700" dirty="0" smtClean="0">
+                <a:latin typeface="Stone Serif" pitchFamily="2" charset="0"/>
+              </a:rPr>
+              <a:t>"</a:t>
+            </a:r>
+            <a:r>
+              <a:rPr lang="fr-FR" sz="700" dirty="0">
+                <a:latin typeface="Stone Serif" pitchFamily="2" charset="0"/>
+              </a:rPr>
+              <a:t>rapproche les patients, les fournisseurs, les payeurs, les régulateurs et le secteur pharmaceutique en transportant des données de manière transparente entre plusieurs parties prenantes du secteur de la santé, en offrant une utilisation sécurisée d'une version unique et véridique des données de santé."</a:t>
+            </a:r>
+            <a:endParaRPr lang="fr-FR" sz="700" dirty="0">
+              <a:latin typeface="Stone Serif" pitchFamily="2" charset="0"/>
+            </a:endParaRPr>
+          </a:p>
+        </p:txBody>
+      </p:sp>
+      <p:sp>
+        <p:nvSpPr>
           <p:cNvPr id="17" name="Sous-titre 2"/>
           <p:cNvSpPr txBox="1">
             <a:spLocks/>
@@ -9671,7 +9910,7 @@
       </p:sp>
       <p:sp>
         <p:nvSpPr>
-          <p:cNvPr id="23" name="Sous-titre 2"/>
+          <p:cNvPr id="24" name="Sous-titre 2"/>
           <p:cNvSpPr txBox="1">
             <a:spLocks/>
           </p:cNvSpPr>
@@ -9679,8 +9918,8 @@
         </p:nvSpPr>
         <p:spPr>
           <a:xfrm>
-            <a:off x="432368" y="3852847"/>
-            <a:ext cx="1311374" cy="1292778"/>
+            <a:off x="1932309" y="3846212"/>
+            <a:ext cx="1111679" cy="1276467"/>
           </a:xfrm>
           <a:prstGeom prst="rect">
             <a:avLst/>
@@ -9867,254 +10106,30 @@
               </a:lnSpc>
             </a:pPr>
             <a:r>
-              <a:rPr lang="en-US" sz="800" b="1" dirty="0" err="1">
-                <a:latin typeface="Stone Serif" pitchFamily="2" charset="0"/>
-              </a:rPr>
-              <a:t>Quantmetry</a:t>
-            </a:r>
-            <a:r>
-              <a:rPr lang="en-US" sz="800" b="1" dirty="0">
+              <a:rPr lang="fr-FR" sz="700" b="1" dirty="0" err="1" smtClean="0">
+                <a:latin typeface="Stone Serif" pitchFamily="2" charset="0"/>
+              </a:rPr>
+              <a:t>BCDiploma</a:t>
+            </a:r>
+            <a:r>
+              <a:rPr lang="fr-FR" sz="700" b="1" dirty="0" smtClean="0">
                 <a:latin typeface="Stone Serif" pitchFamily="2" charset="0"/>
               </a:rPr>
               <a:t> </a:t>
             </a:r>
             <a:r>
-              <a:rPr lang="fr-FR" sz="800" dirty="0" smtClean="0">
-                <a:latin typeface="Stone Serif" pitchFamily="2" charset="0"/>
-              </a:rPr>
-              <a:t>utilise </a:t>
-            </a:r>
-            <a:r>
-              <a:rPr lang="fr-FR" sz="800" dirty="0">
-                <a:latin typeface="Stone Serif" pitchFamily="2" charset="0"/>
-              </a:rPr>
-              <a:t>la </a:t>
-            </a:r>
-            <a:r>
-              <a:rPr lang="fr-FR" sz="800" dirty="0" err="1">
-                <a:latin typeface="Stone Serif" pitchFamily="2" charset="0"/>
-              </a:rPr>
-              <a:t>blockchain</a:t>
-            </a:r>
-            <a:r>
-              <a:rPr lang="fr-FR" sz="800" dirty="0">
-                <a:latin typeface="Stone Serif" pitchFamily="2" charset="0"/>
-              </a:rPr>
-              <a:t> pour assurer le transfert d’actifs (ici, des jeux de données) entre parties prenantes, sans tiers de confiance.</a:t>
-            </a:r>
-          </a:p>
-        </p:txBody>
-      </p:sp>
-      <p:sp>
-        <p:nvSpPr>
-          <p:cNvPr id="24" name="Sous-titre 2"/>
-          <p:cNvSpPr txBox="1">
-            <a:spLocks/>
-          </p:cNvSpPr>
-          <p:nvPr/>
-        </p:nvSpPr>
-        <p:spPr>
-          <a:xfrm>
-            <a:off x="3668954" y="3846212"/>
-            <a:ext cx="1073169" cy="1276467"/>
-          </a:xfrm>
-          <a:prstGeom prst="rect">
-            <a:avLst/>
-          </a:prstGeom>
-          <a:ln>
-            <a:solidFill>
-              <a:schemeClr val="tx1"/>
-            </a:solidFill>
-            <a:prstDash val="dash"/>
-          </a:ln>
-        </p:spPr>
-        <p:txBody>
-          <a:bodyPr vert="horz" lIns="91440" tIns="45720" rIns="91440" bIns="45720" rtlCol="0">
-            <a:normAutofit/>
-          </a:bodyPr>
-          <a:lstStyle>
-            <a:lvl1pPr marL="0" indent="0" algn="ctr" defTabSz="717530" rtl="0" eaLnBrk="1" latinLnBrk="0" hangingPunct="1">
-              <a:lnSpc>
-                <a:spcPct val="90000"/>
-              </a:lnSpc>
-              <a:spcBef>
-                <a:spcPts val="785"/>
-              </a:spcBef>
-              <a:buFont typeface="Arial" panose="020B0604020202020204" pitchFamily="34" charset="0"/>
-              <a:buNone/>
-              <a:defRPr sz="1883" kern="1200">
-                <a:solidFill>
-                  <a:schemeClr val="tx1"/>
-                </a:solidFill>
-                <a:latin typeface="+mn-lt"/>
-                <a:ea typeface="+mn-ea"/>
-                <a:cs typeface="+mn-cs"/>
-              </a:defRPr>
-            </a:lvl1pPr>
-            <a:lvl2pPr marL="358765" indent="0" algn="ctr" defTabSz="717530" rtl="0" eaLnBrk="1" latinLnBrk="0" hangingPunct="1">
-              <a:lnSpc>
-                <a:spcPct val="90000"/>
-              </a:lnSpc>
-              <a:spcBef>
-                <a:spcPts val="392"/>
-              </a:spcBef>
-              <a:buFont typeface="Arial" panose="020B0604020202020204" pitchFamily="34" charset="0"/>
-              <a:buNone/>
-              <a:defRPr sz="1569" kern="1200">
-                <a:solidFill>
-                  <a:schemeClr val="tx1"/>
-                </a:solidFill>
-                <a:latin typeface="+mn-lt"/>
-                <a:ea typeface="+mn-ea"/>
-                <a:cs typeface="+mn-cs"/>
-              </a:defRPr>
-            </a:lvl2pPr>
-            <a:lvl3pPr marL="717530" indent="0" algn="ctr" defTabSz="717530" rtl="0" eaLnBrk="1" latinLnBrk="0" hangingPunct="1">
-              <a:lnSpc>
-                <a:spcPct val="90000"/>
-              </a:lnSpc>
-              <a:spcBef>
-                <a:spcPts val="392"/>
-              </a:spcBef>
-              <a:buFont typeface="Arial" panose="020B0604020202020204" pitchFamily="34" charset="0"/>
-              <a:buNone/>
-              <a:defRPr sz="1412" kern="1200">
-                <a:solidFill>
-                  <a:schemeClr val="tx1"/>
-                </a:solidFill>
-                <a:latin typeface="+mn-lt"/>
-                <a:ea typeface="+mn-ea"/>
-                <a:cs typeface="+mn-cs"/>
-              </a:defRPr>
-            </a:lvl3pPr>
-            <a:lvl4pPr marL="1076295" indent="0" algn="ctr" defTabSz="717530" rtl="0" eaLnBrk="1" latinLnBrk="0" hangingPunct="1">
-              <a:lnSpc>
-                <a:spcPct val="90000"/>
-              </a:lnSpc>
-              <a:spcBef>
-                <a:spcPts val="392"/>
-              </a:spcBef>
-              <a:buFont typeface="Arial" panose="020B0604020202020204" pitchFamily="34" charset="0"/>
-              <a:buNone/>
-              <a:defRPr sz="1256" kern="1200">
-                <a:solidFill>
-                  <a:schemeClr val="tx1"/>
-                </a:solidFill>
-                <a:latin typeface="+mn-lt"/>
-                <a:ea typeface="+mn-ea"/>
-                <a:cs typeface="+mn-cs"/>
-              </a:defRPr>
-            </a:lvl4pPr>
-            <a:lvl5pPr marL="1435059" indent="0" algn="ctr" defTabSz="717530" rtl="0" eaLnBrk="1" latinLnBrk="0" hangingPunct="1">
-              <a:lnSpc>
-                <a:spcPct val="90000"/>
-              </a:lnSpc>
-              <a:spcBef>
-                <a:spcPts val="392"/>
-              </a:spcBef>
-              <a:buFont typeface="Arial" panose="020B0604020202020204" pitchFamily="34" charset="0"/>
-              <a:buNone/>
-              <a:defRPr sz="1256" kern="1200">
-                <a:solidFill>
-                  <a:schemeClr val="tx1"/>
-                </a:solidFill>
-                <a:latin typeface="+mn-lt"/>
-                <a:ea typeface="+mn-ea"/>
-                <a:cs typeface="+mn-cs"/>
-              </a:defRPr>
-            </a:lvl5pPr>
-            <a:lvl6pPr marL="1793824" indent="0" algn="ctr" defTabSz="717530" rtl="0" eaLnBrk="1" latinLnBrk="0" hangingPunct="1">
-              <a:lnSpc>
-                <a:spcPct val="90000"/>
-              </a:lnSpc>
-              <a:spcBef>
-                <a:spcPts val="392"/>
-              </a:spcBef>
-              <a:buFont typeface="Arial" panose="020B0604020202020204" pitchFamily="34" charset="0"/>
-              <a:buNone/>
-              <a:defRPr sz="1256" kern="1200">
-                <a:solidFill>
-                  <a:schemeClr val="tx1"/>
-                </a:solidFill>
-                <a:latin typeface="+mn-lt"/>
-                <a:ea typeface="+mn-ea"/>
-                <a:cs typeface="+mn-cs"/>
-              </a:defRPr>
-            </a:lvl6pPr>
-            <a:lvl7pPr marL="2152589" indent="0" algn="ctr" defTabSz="717530" rtl="0" eaLnBrk="1" latinLnBrk="0" hangingPunct="1">
-              <a:lnSpc>
-                <a:spcPct val="90000"/>
-              </a:lnSpc>
-              <a:spcBef>
-                <a:spcPts val="392"/>
-              </a:spcBef>
-              <a:buFont typeface="Arial" panose="020B0604020202020204" pitchFamily="34" charset="0"/>
-              <a:buNone/>
-              <a:defRPr sz="1256" kern="1200">
-                <a:solidFill>
-                  <a:schemeClr val="tx1"/>
-                </a:solidFill>
-                <a:latin typeface="+mn-lt"/>
-                <a:ea typeface="+mn-ea"/>
-                <a:cs typeface="+mn-cs"/>
-              </a:defRPr>
-            </a:lvl7pPr>
-            <a:lvl8pPr marL="2511354" indent="0" algn="ctr" defTabSz="717530" rtl="0" eaLnBrk="1" latinLnBrk="0" hangingPunct="1">
-              <a:lnSpc>
-                <a:spcPct val="90000"/>
-              </a:lnSpc>
-              <a:spcBef>
-                <a:spcPts val="392"/>
-              </a:spcBef>
-              <a:buFont typeface="Arial" panose="020B0604020202020204" pitchFamily="34" charset="0"/>
-              <a:buNone/>
-              <a:defRPr sz="1256" kern="1200">
-                <a:solidFill>
-                  <a:schemeClr val="tx1"/>
-                </a:solidFill>
-                <a:latin typeface="+mn-lt"/>
-                <a:ea typeface="+mn-ea"/>
-                <a:cs typeface="+mn-cs"/>
-              </a:defRPr>
-            </a:lvl8pPr>
-            <a:lvl9pPr marL="2870119" indent="0" algn="ctr" defTabSz="717530" rtl="0" eaLnBrk="1" latinLnBrk="0" hangingPunct="1">
-              <a:lnSpc>
-                <a:spcPct val="90000"/>
-              </a:lnSpc>
-              <a:spcBef>
-                <a:spcPts val="392"/>
-              </a:spcBef>
-              <a:buFont typeface="Arial" panose="020B0604020202020204" pitchFamily="34" charset="0"/>
-              <a:buNone/>
-              <a:defRPr sz="1256" kern="1200">
-                <a:solidFill>
-                  <a:schemeClr val="tx1"/>
-                </a:solidFill>
-                <a:latin typeface="+mn-lt"/>
-                <a:ea typeface="+mn-ea"/>
-                <a:cs typeface="+mn-cs"/>
-              </a:defRPr>
-            </a:lvl9pPr>
-          </a:lstStyle>
-          <a:p>
-            <a:pPr algn="l">
-              <a:lnSpc>
-                <a:spcPct val="135000"/>
-              </a:lnSpc>
-            </a:pPr>
-            <a:r>
-              <a:rPr lang="fr-FR" sz="800" b="1" dirty="0" err="1" smtClean="0">
-                <a:latin typeface="Stone Serif" pitchFamily="2" charset="0"/>
-              </a:rPr>
-              <a:t>BCDiploma</a:t>
-            </a:r>
-            <a:r>
-              <a:rPr lang="fr-FR" sz="800" dirty="0" smtClean="0">
-                <a:latin typeface="Stone Serif" pitchFamily="2" charset="0"/>
-              </a:rPr>
-              <a:t>: start-up développant une solution d’authentification de diplômes, multi-écoles.</a:t>
-            </a:r>
-            <a:endParaRPr lang="fr-FR" sz="800" dirty="0">
+              <a:rPr lang="fr-FR" sz="700" dirty="0" smtClean="0">
+                <a:latin typeface="Stone Serif" pitchFamily="2" charset="0"/>
+              </a:rPr>
+              <a:t>- </a:t>
+            </a:r>
+            <a:r>
+              <a:rPr lang="fr-FR" sz="700" dirty="0" smtClean="0">
+                <a:latin typeface="Stone Serif" pitchFamily="2" charset="0"/>
+              </a:rPr>
+              <a:t>start-up développant une solution d’authentification de diplômes, multi-écoles.</a:t>
+            </a:r>
+            <a:endParaRPr lang="fr-FR" sz="700" dirty="0">
               <a:latin typeface="Stone Serif" pitchFamily="2" charset="0"/>
             </a:endParaRPr>
           </a:p>
@@ -10130,8 +10145,8 @@
         </p:nvSpPr>
         <p:spPr>
           <a:xfrm>
-            <a:off x="1840155" y="3846268"/>
-            <a:ext cx="1732386" cy="1276411"/>
+            <a:off x="465016" y="3846268"/>
+            <a:ext cx="1411631" cy="1276411"/>
           </a:xfrm>
           <a:prstGeom prst="rect">
             <a:avLst/>
@@ -10318,54 +10333,54 @@
               </a:lnSpc>
             </a:pPr>
             <a:r>
-              <a:rPr lang="fr-FR" sz="800" b="1" dirty="0" err="1" smtClean="0">
+              <a:rPr lang="fr-FR" sz="700" b="1" dirty="0" err="1" smtClean="0">
                 <a:latin typeface="Stone Serif" pitchFamily="2" charset="0"/>
               </a:rPr>
               <a:t>bitcoin</a:t>
             </a:r>
             <a:r>
-              <a:rPr lang="fr-FR" sz="800" dirty="0" smtClean="0">
+              <a:rPr lang="fr-FR" sz="700" dirty="0" smtClean="0">
                 <a:latin typeface="Stone Serif" pitchFamily="2" charset="0"/>
               </a:rPr>
               <a:t> – cette monnaie utilise la </a:t>
             </a:r>
             <a:r>
-              <a:rPr lang="fr-FR" sz="800" dirty="0" err="1" smtClean="0">
+              <a:rPr lang="fr-FR" sz="700" dirty="0" err="1" smtClean="0">
                 <a:latin typeface="Stone Serif" pitchFamily="2" charset="0"/>
               </a:rPr>
               <a:t>blockchain</a:t>
             </a:r>
             <a:r>
-              <a:rPr lang="fr-FR" sz="800" dirty="0" smtClean="0">
+              <a:rPr lang="fr-FR" sz="700" dirty="0" smtClean="0">
                 <a:latin typeface="Stone Serif" pitchFamily="2" charset="0"/>
               </a:rPr>
               <a:t> pour déterminer son mode d’émission et pour assurer les transactions financières. Le </a:t>
             </a:r>
             <a:r>
-              <a:rPr lang="fr-FR" sz="800" dirty="0" err="1" smtClean="0">
+              <a:rPr lang="fr-FR" sz="700" dirty="0" err="1" smtClean="0">
                 <a:latin typeface="Stone Serif" pitchFamily="2" charset="0"/>
               </a:rPr>
               <a:t>bitcoin</a:t>
             </a:r>
             <a:r>
-              <a:rPr lang="fr-FR" sz="800" dirty="0" smtClean="0">
+              <a:rPr lang="fr-FR" sz="700" dirty="0" smtClean="0">
                 <a:latin typeface="Stone Serif" pitchFamily="2" charset="0"/>
               </a:rPr>
               <a:t> a été créé comme premier cas d’usage de la </a:t>
             </a:r>
             <a:r>
-              <a:rPr lang="fr-FR" sz="800" dirty="0" err="1" smtClean="0">
+              <a:rPr lang="fr-FR" sz="700" dirty="0" err="1" smtClean="0">
                 <a:latin typeface="Stone Serif" pitchFamily="2" charset="0"/>
               </a:rPr>
               <a:t>blockchain</a:t>
             </a:r>
             <a:r>
-              <a:rPr lang="fr-FR" sz="800" dirty="0" smtClean="0">
+              <a:rPr lang="fr-FR" sz="700" dirty="0" smtClean="0">
                 <a:latin typeface="Stone Serif" pitchFamily="2" charset="0"/>
               </a:rPr>
               <a:t> en 2009.</a:t>
             </a:r>
-            <a:endParaRPr lang="fr-FR" sz="800" dirty="0">
+            <a:endParaRPr lang="fr-FR" sz="700" dirty="0">
               <a:latin typeface="Stone Serif" pitchFamily="2" charset="0"/>
             </a:endParaRPr>
           </a:p>
@@ -10379,8 +10394,8 @@
         </p:nvSpPr>
         <p:spPr>
           <a:xfrm>
-            <a:off x="432658" y="3572412"/>
-            <a:ext cx="4309466" cy="320857"/>
+            <a:off x="432657" y="3572412"/>
+            <a:ext cx="4686919" cy="320857"/>
           </a:xfrm>
           <a:prstGeom prst="rect">
             <a:avLst/>
@@ -10463,8 +10478,8 @@
         </p:nvSpPr>
         <p:spPr>
           <a:xfrm>
-            <a:off x="4880615" y="3824485"/>
-            <a:ext cx="2349525" cy="1298194"/>
+            <a:off x="5228141" y="3824485"/>
+            <a:ext cx="2001999" cy="1298194"/>
           </a:xfrm>
           <a:prstGeom prst="rect">
             <a:avLst/>
@@ -10709,8 +10724,8 @@
         </p:nvSpPr>
         <p:spPr>
           <a:xfrm>
-            <a:off x="4880617" y="3581066"/>
-            <a:ext cx="2349524" cy="279307"/>
+            <a:off x="5209953" y="3581066"/>
+            <a:ext cx="2041452" cy="279307"/>
           </a:xfrm>
           <a:prstGeom prst="rect">
             <a:avLst/>
@@ -11763,13 +11778,7 @@
               <a:rPr lang="fr-FR" sz="800" dirty="0" smtClean="0">
                 <a:latin typeface="Stone Serif" pitchFamily="2" charset="0"/>
               </a:rPr>
-              <a:t>tierces </a:t>
-            </a:r>
-            <a:r>
-              <a:rPr lang="fr-FR" sz="800" dirty="0" smtClean="0">
-                <a:latin typeface="Stone Serif" pitchFamily="2" charset="0"/>
-              </a:rPr>
-              <a:t>parties nombreuses et variées.  Cela suppose une collecte intensive de données sur les acteurs de la plateforme et leurs usages (voir fiches </a:t>
+              <a:t>tierces parties nombreuses et variées.  Cela suppose une collecte intensive de données sur les acteurs de la plateforme et leurs usages (voir fiches </a:t>
             </a:r>
             <a:r>
               <a:rPr lang="fr-FR" sz="800" b="1" i="1" dirty="0" err="1" smtClean="0">

--- a/docs/content/fr/cards.pptx
+++ b/docs/content/fr/cards.pptx
@@ -211,7 +211,7 @@
           <a:p>
             <a:fld id="{D121557B-95DC-4F9D-80D7-494E711A263C}" type="datetimeFigureOut">
               <a:rPr lang="fr-FR" smtClean="0"/>
-              <a:t>13/06/2019</a:t>
+              <a:t>18/06/2019</a:t>
             </a:fld>
             <a:endParaRPr lang="fr-FR"/>
           </a:p>
@@ -377,7 +377,7 @@
           <a:p>
             <a:fld id="{34B0D5AD-2B20-4FC5-9805-AA792A2BEE79}" type="datetimeFigureOut">
               <a:rPr lang="fr-FR" smtClean="0"/>
-              <a:t>13/06/2019</a:t>
+              <a:t>18/06/2019</a:t>
             </a:fld>
             <a:endParaRPr lang="fr-FR"/>
           </a:p>
@@ -838,7 +838,7 @@
           <a:p>
             <a:fld id="{654FF092-CFE9-4329-97B3-D872B1066925}" type="datetimeFigureOut">
               <a:rPr lang="fr-FR" smtClean="0"/>
-              <a:t>13/06/2019</a:t>
+              <a:t>18/06/2019</a:t>
             </a:fld>
             <a:endParaRPr lang="fr-FR"/>
           </a:p>
@@ -1008,7 +1008,7 @@
           <a:p>
             <a:fld id="{654FF092-CFE9-4329-97B3-D872B1066925}" type="datetimeFigureOut">
               <a:rPr lang="fr-FR" smtClean="0"/>
-              <a:t>13/06/2019</a:t>
+              <a:t>18/06/2019</a:t>
             </a:fld>
             <a:endParaRPr lang="fr-FR"/>
           </a:p>
@@ -1188,7 +1188,7 @@
           <a:p>
             <a:fld id="{654FF092-CFE9-4329-97B3-D872B1066925}" type="datetimeFigureOut">
               <a:rPr lang="fr-FR" smtClean="0"/>
-              <a:t>13/06/2019</a:t>
+              <a:t>18/06/2019</a:t>
             </a:fld>
             <a:endParaRPr lang="fr-FR"/>
           </a:p>
@@ -1358,7 +1358,7 @@
           <a:p>
             <a:fld id="{654FF092-CFE9-4329-97B3-D872B1066925}" type="datetimeFigureOut">
               <a:rPr lang="fr-FR" smtClean="0"/>
-              <a:t>13/06/2019</a:t>
+              <a:t>18/06/2019</a:t>
             </a:fld>
             <a:endParaRPr lang="fr-FR"/>
           </a:p>
@@ -1602,7 +1602,7 @@
           <a:p>
             <a:fld id="{654FF092-CFE9-4329-97B3-D872B1066925}" type="datetimeFigureOut">
               <a:rPr lang="fr-FR" smtClean="0"/>
-              <a:t>13/06/2019</a:t>
+              <a:t>18/06/2019</a:t>
             </a:fld>
             <a:endParaRPr lang="fr-FR"/>
           </a:p>
@@ -1834,7 +1834,7 @@
           <a:p>
             <a:fld id="{654FF092-CFE9-4329-97B3-D872B1066925}" type="datetimeFigureOut">
               <a:rPr lang="fr-FR" smtClean="0"/>
-              <a:t>13/06/2019</a:t>
+              <a:t>18/06/2019</a:t>
             </a:fld>
             <a:endParaRPr lang="fr-FR"/>
           </a:p>
@@ -2201,7 +2201,7 @@
           <a:p>
             <a:fld id="{654FF092-CFE9-4329-97B3-D872B1066925}" type="datetimeFigureOut">
               <a:rPr lang="fr-FR" smtClean="0"/>
-              <a:t>13/06/2019</a:t>
+              <a:t>18/06/2019</a:t>
             </a:fld>
             <a:endParaRPr lang="fr-FR"/>
           </a:p>
@@ -2319,7 +2319,7 @@
           <a:p>
             <a:fld id="{654FF092-CFE9-4329-97B3-D872B1066925}" type="datetimeFigureOut">
               <a:rPr lang="fr-FR" smtClean="0"/>
-              <a:t>13/06/2019</a:t>
+              <a:t>18/06/2019</a:t>
             </a:fld>
             <a:endParaRPr lang="fr-FR"/>
           </a:p>
@@ -2414,7 +2414,7 @@
           <a:p>
             <a:fld id="{654FF092-CFE9-4329-97B3-D872B1066925}" type="datetimeFigureOut">
               <a:rPr lang="fr-FR" smtClean="0"/>
-              <a:t>13/06/2019</a:t>
+              <a:t>18/06/2019</a:t>
             </a:fld>
             <a:endParaRPr lang="fr-FR"/>
           </a:p>
@@ -2691,7 +2691,7 @@
           <a:p>
             <a:fld id="{654FF092-CFE9-4329-97B3-D872B1066925}" type="datetimeFigureOut">
               <a:rPr lang="fr-FR" smtClean="0"/>
-              <a:t>13/06/2019</a:t>
+              <a:t>18/06/2019</a:t>
             </a:fld>
             <a:endParaRPr lang="fr-FR"/>
           </a:p>
@@ -2948,7 +2948,7 @@
           <a:p>
             <a:fld id="{654FF092-CFE9-4329-97B3-D872B1066925}" type="datetimeFigureOut">
               <a:rPr lang="fr-FR" smtClean="0"/>
-              <a:t>13/06/2019</a:t>
+              <a:t>18/06/2019</a:t>
             </a:fld>
             <a:endParaRPr lang="fr-FR"/>
           </a:p>
@@ -3161,7 +3161,7 @@
           <a:p>
             <a:fld id="{654FF092-CFE9-4329-97B3-D872B1066925}" type="datetimeFigureOut">
               <a:rPr lang="fr-FR" smtClean="0"/>
-              <a:t>13/06/2019</a:t>
+              <a:t>18/06/2019</a:t>
             </a:fld>
             <a:endParaRPr lang="fr-FR"/>
           </a:p>
@@ -8678,13 +8678,7 @@
               <a:rPr lang="fr-FR" sz="700" dirty="0" smtClean="0">
                 <a:latin typeface="Stone Serif" pitchFamily="2" charset="0"/>
               </a:rPr>
-              <a:t> </a:t>
-            </a:r>
-            <a:r>
-              <a:rPr lang="fr-FR" sz="700" dirty="0" smtClean="0">
-                <a:latin typeface="Stone Serif" pitchFamily="2" charset="0"/>
-              </a:rPr>
-              <a:t>"</a:t>
+              <a:t> "</a:t>
             </a:r>
             <a:r>
               <a:rPr lang="fr-FR" sz="700" dirty="0">
@@ -8692,9 +8686,6 @@
               </a:rPr>
               <a:t>rapproche les patients, les fournisseurs, les payeurs, les régulateurs et le secteur pharmaceutique en transportant des données de manière transparente entre plusieurs parties prenantes du secteur de la santé, en offrant une utilisation sécurisée d'une version unique et véridique des données de santé."</a:t>
             </a:r>
-            <a:endParaRPr lang="fr-FR" sz="700" dirty="0">
-              <a:latin typeface="Stone Serif" pitchFamily="2" charset="0"/>
-            </a:endParaRPr>
           </a:p>
         </p:txBody>
       </p:sp>
@@ -10121,13 +10112,7 @@
               <a:rPr lang="fr-FR" sz="700" dirty="0" smtClean="0">
                 <a:latin typeface="Stone Serif" pitchFamily="2" charset="0"/>
               </a:rPr>
-              <a:t>- </a:t>
-            </a:r>
-            <a:r>
-              <a:rPr lang="fr-FR" sz="700" dirty="0" smtClean="0">
-                <a:latin typeface="Stone Serif" pitchFamily="2" charset="0"/>
-              </a:rPr>
-              <a:t>start-up développant une solution d’authentification de diplômes, multi-écoles.</a:t>
+              <a:t>- start-up développant une solution d’authentification de diplômes, multi-écoles.</a:t>
             </a:r>
             <a:endParaRPr lang="fr-FR" sz="700" dirty="0">
               <a:latin typeface="Stone Serif" pitchFamily="2" charset="0"/>
@@ -10797,8 +10782,8 @@
         </p:nvSpPr>
         <p:spPr>
           <a:xfrm>
-            <a:off x="450972" y="4024511"/>
-            <a:ext cx="4496712" cy="382389"/>
+            <a:off x="432366" y="3517018"/>
+            <a:ext cx="3085534" cy="822247"/>
           </a:xfrm>
           <a:prstGeom prst="rect">
             <a:avLst/>
@@ -10985,65 +10970,123 @@
               </a:lnSpc>
             </a:pPr>
             <a:r>
-              <a:rPr lang="fr-FR" sz="800" dirty="0" smtClean="0">
+              <a:rPr lang="fr-FR" sz="700" dirty="0" smtClean="0">
                 <a:latin typeface="Stone Serif" pitchFamily="2" charset="0"/>
               </a:rPr>
               <a:t>A. </a:t>
             </a:r>
             <a:r>
-              <a:rPr lang="fr-FR" sz="800" dirty="0" err="1" smtClean="0">
+              <a:rPr lang="fr-FR" sz="700" dirty="0" err="1" smtClean="0">
                 <a:latin typeface="Stone Serif" pitchFamily="2" charset="0"/>
               </a:rPr>
               <a:t>Casilli</a:t>
             </a:r>
             <a:r>
-              <a:rPr lang="fr-FR" sz="800" dirty="0" smtClean="0">
+              <a:rPr lang="fr-FR" sz="700" dirty="0" smtClean="0">
                 <a:latin typeface="Stone Serif" pitchFamily="2" charset="0"/>
               </a:rPr>
               <a:t>, </a:t>
             </a:r>
             <a:r>
-              <a:rPr lang="fr-FR" sz="800" i="1" dirty="0" smtClean="0">
+              <a:rPr lang="fr-FR" sz="700" i="1" dirty="0" smtClean="0">
                 <a:latin typeface="Stone Serif" pitchFamily="2" charset="0"/>
               </a:rPr>
               <a:t>En attendant les robots</a:t>
             </a:r>
             <a:r>
-              <a:rPr lang="fr-FR" sz="800" dirty="0" smtClean="0">
+              <a:rPr lang="fr-FR" sz="700" dirty="0" smtClean="0">
                 <a:latin typeface="Stone Serif" pitchFamily="2" charset="0"/>
               </a:rPr>
               <a:t>,  Seuil, 2019.</a:t>
             </a:r>
             <a:br>
-              <a:rPr lang="fr-FR" sz="800" dirty="0" smtClean="0">
+              <a:rPr lang="fr-FR" sz="700" dirty="0" smtClean="0">
                 <a:latin typeface="Stone Serif" pitchFamily="2" charset="0"/>
               </a:rPr>
             </a:br>
             <a:r>
-              <a:rPr lang="da-DK" sz="800" dirty="0" smtClean="0">
+              <a:rPr lang="da-DK" sz="700" dirty="0" smtClean="0">
                 <a:latin typeface="Stone Serif" pitchFamily="2" charset="0"/>
               </a:rPr>
               <a:t>A. Mcafee &amp; E. Brynjolfsson, </a:t>
             </a:r>
             <a:r>
-              <a:rPr lang="fr-FR" sz="800" i="1" dirty="0">
+              <a:rPr lang="fr-FR" sz="700" i="1" dirty="0">
                 <a:latin typeface="Stone Serif" pitchFamily="2" charset="0"/>
               </a:rPr>
               <a:t>Des Machines, des plateformes et des </a:t>
             </a:r>
             <a:r>
-              <a:rPr lang="fr-FR" sz="800" i="1" dirty="0" smtClean="0">
+              <a:rPr lang="fr-FR" sz="700" i="1" dirty="0" smtClean="0">
                 <a:latin typeface="Stone Serif" pitchFamily="2" charset="0"/>
               </a:rPr>
               <a:t>foules</a:t>
             </a:r>
             <a:r>
-              <a:rPr lang="fr-FR" sz="800" dirty="0" smtClean="0">
-                <a:latin typeface="Stone Serif" pitchFamily="2" charset="0"/>
-              </a:rPr>
-              <a:t>, Odile Jacob, 2018.</a:t>
-            </a:r>
-            <a:endParaRPr lang="fr-FR" sz="800" i="1" dirty="0">
+              <a:rPr lang="fr-FR" sz="700" dirty="0" smtClean="0">
+                <a:latin typeface="Stone Serif" pitchFamily="2" charset="0"/>
+              </a:rPr>
+              <a:t>, Odile Jacob, 2018</a:t>
+            </a:r>
+            <a:r>
+              <a:rPr lang="fr-FR" sz="700" dirty="0" smtClean="0">
+                <a:latin typeface="Stone Serif" pitchFamily="2" charset="0"/>
+              </a:rPr>
+              <a:t>.</a:t>
+            </a:r>
+          </a:p>
+          <a:p>
+            <a:pPr algn="l">
+              <a:lnSpc>
+                <a:spcPct val="135000"/>
+              </a:lnSpc>
+            </a:pPr>
+            <a:r>
+              <a:rPr lang="fr-FR" sz="700" dirty="0">
+                <a:latin typeface="Stone Serif" pitchFamily="2" charset="0"/>
+              </a:rPr>
+              <a:t>Platform Design </a:t>
+            </a:r>
+            <a:r>
+              <a:rPr lang="fr-FR" sz="700" dirty="0" err="1" smtClean="0">
+                <a:latin typeface="Stone Serif" pitchFamily="2" charset="0"/>
+              </a:rPr>
+              <a:t>Toolkit</a:t>
+            </a:r>
+            <a:r>
+              <a:rPr lang="fr-FR" sz="700" dirty="0" smtClean="0">
+                <a:latin typeface="Stone Serif" pitchFamily="2" charset="0"/>
+              </a:rPr>
+              <a:t>: </a:t>
+            </a:r>
+            <a:r>
+              <a:rPr lang="fr-FR" sz="700" dirty="0" smtClean="0">
+                <a:latin typeface="Stone Serif" pitchFamily="2" charset="0"/>
+                <a:hlinkClick r:id="rId2"/>
+              </a:rPr>
+              <a:t>https</a:t>
+            </a:r>
+            <a:r>
+              <a:rPr lang="fr-FR" sz="700" dirty="0">
+                <a:latin typeface="Stone Serif" pitchFamily="2" charset="0"/>
+                <a:hlinkClick r:id="rId2"/>
+              </a:rPr>
+              <a:t>://platformdesigntoolkit.com/</a:t>
+            </a:r>
+            <a:r>
+              <a:rPr lang="fr-FR" sz="700" dirty="0">
+                <a:latin typeface="Stone Serif" pitchFamily="2" charset="0"/>
+              </a:rPr>
+              <a:t> </a:t>
+            </a:r>
+          </a:p>
+          <a:p>
+            <a:pPr algn="l">
+              <a:lnSpc>
+                <a:spcPct val="135000"/>
+              </a:lnSpc>
+            </a:pPr>
+            <a:endParaRPr lang="fr-FR" sz="700" i="1" dirty="0">
               <a:latin typeface="Stone Serif" pitchFamily="2" charset="0"/>
             </a:endParaRPr>
           </a:p>
@@ -11635,8 +11678,8 @@
         </p:nvSpPr>
         <p:spPr>
           <a:xfrm>
-            <a:off x="4090260" y="1461519"/>
-            <a:ext cx="3224941" cy="2278631"/>
+            <a:off x="3600450" y="1216371"/>
+            <a:ext cx="3714749" cy="1857029"/>
           </a:xfrm>
           <a:ln>
             <a:solidFill>
@@ -11647,7 +11690,7 @@
         </p:spPr>
         <p:txBody>
           <a:bodyPr>
-            <a:normAutofit fontScale="85000" lnSpcReduction="20000"/>
+            <a:normAutofit/>
           </a:bodyPr>
           <a:lstStyle/>
           <a:p>
@@ -11660,61 +11703,61 @@
               </a:spcBef>
             </a:pPr>
             <a:r>
-              <a:rPr lang="fr-FR" sz="800" dirty="0" smtClean="0">
+              <a:rPr lang="fr-FR" sz="600" dirty="0" smtClean="0">
                 <a:latin typeface="Stone Serif" pitchFamily="2" charset="0"/>
               </a:rPr>
               <a:t>L’avantage </a:t>
             </a:r>
             <a:r>
-              <a:rPr lang="fr-FR" sz="800" dirty="0">
+              <a:rPr lang="fr-FR" sz="600" dirty="0">
                 <a:latin typeface="Stone Serif" pitchFamily="2" charset="0"/>
               </a:rPr>
               <a:t>concurrentiel </a:t>
             </a:r>
             <a:r>
-              <a:rPr lang="fr-FR" sz="800" dirty="0" smtClean="0">
+              <a:rPr lang="fr-FR" sz="600" dirty="0" smtClean="0">
                 <a:latin typeface="Stone Serif" pitchFamily="2" charset="0"/>
               </a:rPr>
               <a:t>d’une plateforme n’est pas le </a:t>
             </a:r>
             <a:r>
-              <a:rPr lang="fr-FR" sz="800" dirty="0" err="1">
+              <a:rPr lang="fr-FR" sz="600" dirty="0" err="1">
                 <a:latin typeface="Stone Serif" pitchFamily="2" charset="0"/>
               </a:rPr>
               <a:t>market</a:t>
             </a:r>
             <a:r>
-              <a:rPr lang="fr-FR" sz="800" dirty="0">
+              <a:rPr lang="fr-FR" sz="600" dirty="0">
                 <a:latin typeface="Stone Serif" pitchFamily="2" charset="0"/>
               </a:rPr>
               <a:t> fit entre </a:t>
             </a:r>
             <a:r>
-              <a:rPr lang="fr-FR" sz="800" dirty="0" smtClean="0">
+              <a:rPr lang="fr-FR" sz="600" dirty="0" smtClean="0">
                 <a:latin typeface="Stone Serif" pitchFamily="2" charset="0"/>
               </a:rPr>
               <a:t>un </a:t>
             </a:r>
             <a:r>
-              <a:rPr lang="fr-FR" sz="800" dirty="0">
+              <a:rPr lang="fr-FR" sz="600" dirty="0">
                 <a:latin typeface="Stone Serif" pitchFamily="2" charset="0"/>
               </a:rPr>
               <a:t>produit créé </a:t>
             </a:r>
             <a:r>
-              <a:rPr lang="fr-FR" sz="800" dirty="0" smtClean="0">
+              <a:rPr lang="fr-FR" sz="600" dirty="0" smtClean="0">
                 <a:latin typeface="Stone Serif" pitchFamily="2" charset="0"/>
               </a:rPr>
               <a:t>en interne et des acheteurs externes, </a:t>
             </a:r>
             <a:r>
-              <a:rPr lang="fr-FR" sz="800" dirty="0">
+              <a:rPr lang="fr-FR" sz="600" dirty="0">
                 <a:latin typeface="Stone Serif" pitchFamily="2" charset="0"/>
               </a:rPr>
               <a:t>mais sa capacité </a:t>
             </a:r>
             <a:r>
-              <a:rPr lang="fr-FR" sz="800" dirty="0" smtClean="0">
+              <a:rPr lang="fr-FR" sz="600" dirty="0" smtClean="0">
                 <a:latin typeface="Stone Serif" pitchFamily="2" charset="0"/>
               </a:rPr>
               <a:t>à :</a:t>
@@ -11729,7 +11772,7 @@
                 <a:spcPts val="0"/>
               </a:spcBef>
             </a:pPr>
-            <a:endParaRPr lang="fr-FR" sz="800" dirty="0" smtClean="0">
+            <a:endParaRPr lang="fr-FR" sz="600" dirty="0" smtClean="0">
               <a:latin typeface="Stone Serif" pitchFamily="2" charset="0"/>
             </a:endParaRPr>
           </a:p>
@@ -11745,43 +11788,43 @@
               <a:buChar char="-"/>
             </a:pPr>
             <a:r>
-              <a:rPr lang="fr-FR" sz="800" b="1" dirty="0" smtClean="0">
+              <a:rPr lang="fr-FR" sz="600" b="1" dirty="0" smtClean="0">
                 <a:latin typeface="Stone Serif" pitchFamily="2" charset="0"/>
               </a:rPr>
               <a:t>orchestrer </a:t>
             </a:r>
             <a:r>
-              <a:rPr lang="fr-FR" sz="800" b="1" dirty="0">
+              <a:rPr lang="fr-FR" sz="600" b="1" dirty="0">
                 <a:latin typeface="Stone Serif" pitchFamily="2" charset="0"/>
               </a:rPr>
               <a:t>une coordination</a:t>
             </a:r>
             <a:r>
-              <a:rPr lang="fr-FR" sz="800" dirty="0">
+              <a:rPr lang="fr-FR" sz="600" dirty="0">
                 <a:latin typeface="Stone Serif" pitchFamily="2" charset="0"/>
               </a:rPr>
               <a:t> </a:t>
             </a:r>
             <a:r>
-              <a:rPr lang="fr-FR" sz="800" dirty="0" smtClean="0">
+              <a:rPr lang="fr-FR" sz="600" dirty="0" smtClean="0">
                 <a:latin typeface="Stone Serif" pitchFamily="2" charset="0"/>
               </a:rPr>
               <a:t>utile, fluide et efficace </a:t>
             </a:r>
             <a:r>
-              <a:rPr lang="fr-FR" sz="800" dirty="0">
+              <a:rPr lang="fr-FR" sz="600" dirty="0">
                 <a:latin typeface="Stone Serif" pitchFamily="2" charset="0"/>
               </a:rPr>
               <a:t>entre </a:t>
             </a:r>
             <a:r>
-              <a:rPr lang="fr-FR" sz="800" dirty="0" smtClean="0">
+              <a:rPr lang="fr-FR" sz="600" dirty="0" smtClean="0">
                 <a:latin typeface="Stone Serif" pitchFamily="2" charset="0"/>
               </a:rPr>
               <a:t>tierces parties nombreuses et variées.  Cela suppose une collecte intensive de données sur les acteurs de la plateforme et leurs usages (voir fiches </a:t>
             </a:r>
             <a:r>
-              <a:rPr lang="fr-FR" sz="800" b="1" i="1" dirty="0" err="1" smtClean="0">
+              <a:rPr lang="fr-FR" sz="600" b="1" i="1" dirty="0" err="1" smtClean="0">
                 <a:solidFill>
                   <a:srgbClr val="E80C72"/>
                 </a:solidFill>
@@ -11790,7 +11833,7 @@
               <a:t>big</a:t>
             </a:r>
             <a:r>
-              <a:rPr lang="fr-FR" sz="800" b="1" i="1" dirty="0" smtClean="0">
+              <a:rPr lang="fr-FR" sz="600" b="1" i="1" dirty="0" smtClean="0">
                 <a:solidFill>
                   <a:srgbClr val="E80C72"/>
                 </a:solidFill>
@@ -11799,13 +11842,13 @@
               <a:t> data</a:t>
             </a:r>
             <a:r>
-              <a:rPr lang="fr-FR" sz="800" dirty="0" smtClean="0">
+              <a:rPr lang="fr-FR" sz="600" dirty="0" smtClean="0">
                 <a:latin typeface="Stone Serif" pitchFamily="2" charset="0"/>
               </a:rPr>
               <a:t> et </a:t>
             </a:r>
             <a:r>
-              <a:rPr lang="fr-FR" sz="800" b="1" i="1" dirty="0" err="1">
+              <a:rPr lang="fr-FR" sz="600" b="1" i="1" dirty="0" err="1">
                 <a:solidFill>
                   <a:srgbClr val="E80C72"/>
                 </a:solidFill>
@@ -11814,25 +11857,25 @@
               <a:t>IoT</a:t>
             </a:r>
             <a:r>
-              <a:rPr lang="fr-FR" sz="800" dirty="0" smtClean="0">
+              <a:rPr lang="fr-FR" sz="600" dirty="0" smtClean="0">
                 <a:latin typeface="Stone Serif" pitchFamily="2" charset="0"/>
               </a:rPr>
               <a:t>),  une automation et </a:t>
             </a:r>
             <a:r>
-              <a:rPr lang="fr-FR" sz="800" dirty="0" err="1" smtClean="0">
+              <a:rPr lang="fr-FR" sz="600" dirty="0" err="1" smtClean="0">
                 <a:latin typeface="Stone Serif" pitchFamily="2" charset="0"/>
               </a:rPr>
               <a:t>scalabilité</a:t>
             </a:r>
             <a:r>
-              <a:rPr lang="fr-FR" sz="800" dirty="0" smtClean="0">
+              <a:rPr lang="fr-FR" sz="600" dirty="0" smtClean="0">
                 <a:latin typeface="Stone Serif" pitchFamily="2" charset="0"/>
               </a:rPr>
               <a:t> des échanges d’information (voir fiches </a:t>
             </a:r>
             <a:r>
-              <a:rPr lang="fr-FR" sz="800" b="1" i="1" dirty="0" smtClean="0">
+              <a:rPr lang="fr-FR" sz="600" b="1" i="1" dirty="0" smtClean="0">
                 <a:solidFill>
                   <a:srgbClr val="E80C72"/>
                 </a:solidFill>
@@ -11841,13 +11884,13 @@
               <a:t>web API</a:t>
             </a:r>
             <a:r>
-              <a:rPr lang="fr-FR" sz="800" dirty="0" smtClean="0">
+              <a:rPr lang="fr-FR" sz="600" dirty="0" smtClean="0">
                 <a:latin typeface="Stone Serif" pitchFamily="2" charset="0"/>
               </a:rPr>
               <a:t> et </a:t>
             </a:r>
             <a:r>
-              <a:rPr lang="fr-FR" sz="800" b="1" i="1" dirty="0">
+              <a:rPr lang="fr-FR" sz="600" b="1" i="1" dirty="0">
                 <a:solidFill>
                   <a:srgbClr val="E80C72"/>
                 </a:solidFill>
@@ -11856,13 +11899,13 @@
               <a:t>cloud</a:t>
             </a:r>
             <a:r>
-              <a:rPr lang="fr-FR" sz="800" dirty="0" smtClean="0">
+              <a:rPr lang="fr-FR" sz="600" dirty="0" smtClean="0">
                 <a:latin typeface="Stone Serif" pitchFamily="2" charset="0"/>
               </a:rPr>
               <a:t>), l’excellence des moyens permettant de s’interfacer (voir fiches </a:t>
             </a:r>
             <a:r>
-              <a:rPr lang="fr-FR" sz="800" b="1" i="1" dirty="0" smtClean="0">
+              <a:rPr lang="fr-FR" sz="600" b="1" i="1" dirty="0" smtClean="0">
                 <a:solidFill>
                   <a:srgbClr val="E80C72"/>
                 </a:solidFill>
@@ -11871,13 +11914,13 @@
               <a:t>web API</a:t>
             </a:r>
             <a:r>
-              <a:rPr lang="fr-FR" sz="800" dirty="0" smtClean="0">
+              <a:rPr lang="fr-FR" sz="600" dirty="0" smtClean="0">
                 <a:latin typeface="Stone Serif" pitchFamily="2" charset="0"/>
               </a:rPr>
               <a:t> et </a:t>
             </a:r>
             <a:r>
-              <a:rPr lang="fr-FR" sz="800" b="1" i="1" dirty="0" smtClean="0">
+              <a:rPr lang="fr-FR" sz="600" b="1" i="1" dirty="0" smtClean="0">
                 <a:solidFill>
                   <a:srgbClr val="E80C72"/>
                 </a:solidFill>
@@ -11886,13 +11929,13 @@
               <a:t>visualisation des données</a:t>
             </a:r>
             <a:r>
-              <a:rPr lang="fr-FR" sz="800" dirty="0" smtClean="0">
+              <a:rPr lang="fr-FR" sz="600" dirty="0" smtClean="0">
                 <a:latin typeface="Stone Serif" pitchFamily="2" charset="0"/>
               </a:rPr>
               <a:t>), et la gestion fine des droits et devoirs associés aux données (voir fiches </a:t>
             </a:r>
             <a:r>
-              <a:rPr lang="fr-FR" sz="800" b="1" i="1" dirty="0">
+              <a:rPr lang="fr-FR" sz="600" b="1" i="1" dirty="0">
                 <a:solidFill>
                   <a:srgbClr val="E80C72"/>
                 </a:solidFill>
@@ -11901,13 +11944,13 @@
               <a:t>RGPD</a:t>
             </a:r>
             <a:r>
-              <a:rPr lang="fr-FR" sz="800" dirty="0" smtClean="0">
+              <a:rPr lang="fr-FR" sz="600" dirty="0" smtClean="0">
                 <a:latin typeface="Stone Serif" pitchFamily="2" charset="0"/>
               </a:rPr>
               <a:t> et </a:t>
             </a:r>
             <a:r>
-              <a:rPr lang="fr-FR" sz="800" b="1" i="1" dirty="0" err="1">
+              <a:rPr lang="fr-FR" sz="600" b="1" i="1" dirty="0" err="1">
                 <a:solidFill>
                   <a:srgbClr val="E80C72"/>
                 </a:solidFill>
@@ -11916,7 +11959,7 @@
               <a:t>blockchain</a:t>
             </a:r>
             <a:r>
-              <a:rPr lang="fr-FR" sz="800" dirty="0" smtClean="0">
+              <a:rPr lang="fr-FR" sz="600" dirty="0" smtClean="0">
                 <a:latin typeface="Stone Serif" pitchFamily="2" charset="0"/>
               </a:rPr>
               <a:t>).</a:t>
@@ -11933,7 +11976,7 @@
               <a:buFontTx/>
               <a:buChar char="-"/>
             </a:pPr>
-            <a:endParaRPr lang="fr-FR" sz="800" dirty="0" smtClean="0">
+            <a:endParaRPr lang="fr-FR" sz="600" dirty="0" smtClean="0">
               <a:latin typeface="Stone Serif" pitchFamily="2" charset="0"/>
             </a:endParaRPr>
           </a:p>
@@ -11949,19 +11992,19 @@
               <a:buChar char="-"/>
             </a:pPr>
             <a:r>
-              <a:rPr lang="fr-FR" sz="800" b="1" dirty="0" smtClean="0">
+              <a:rPr lang="fr-FR" sz="600" b="1" dirty="0" smtClean="0">
                 <a:latin typeface="Stone Serif" pitchFamily="2" charset="0"/>
               </a:rPr>
               <a:t>mettre en place des mécanismes d’apprentissage </a:t>
             </a:r>
             <a:r>
-              <a:rPr lang="fr-FR" sz="800" dirty="0" smtClean="0">
+              <a:rPr lang="fr-FR" sz="600" dirty="0" smtClean="0">
                 <a:latin typeface="Stone Serif" pitchFamily="2" charset="0"/>
               </a:rPr>
               <a:t>qui accroissent la valeur tirée par les utilisateurs de la plateforme au cours du temps. Cela est rendu possible par l’analyse de données (voir fiches </a:t>
             </a:r>
             <a:r>
-              <a:rPr lang="fr-FR" sz="800" b="1" i="1" dirty="0">
+              <a:rPr lang="fr-FR" sz="600" b="1" i="1" dirty="0">
                 <a:solidFill>
                   <a:srgbClr val="E80C72"/>
                 </a:solidFill>
@@ -11970,13 +12013,13 @@
               <a:t>IA</a:t>
             </a:r>
             <a:r>
-              <a:rPr lang="fr-FR" sz="800" dirty="0" smtClean="0">
+              <a:rPr lang="fr-FR" sz="600" dirty="0" smtClean="0">
                 <a:latin typeface="Stone Serif" pitchFamily="2" charset="0"/>
               </a:rPr>
               <a:t>, </a:t>
             </a:r>
             <a:r>
-              <a:rPr lang="fr-FR" sz="800" b="1" i="1" dirty="0">
+              <a:rPr lang="fr-FR" sz="600" b="1" i="1" dirty="0">
                 <a:solidFill>
                   <a:srgbClr val="E80C72"/>
                 </a:solidFill>
@@ -11985,7 +12028,7 @@
               <a:t>machine </a:t>
             </a:r>
             <a:r>
-              <a:rPr lang="fr-FR" sz="800" b="1" i="1" dirty="0" err="1">
+              <a:rPr lang="fr-FR" sz="600" b="1" i="1" dirty="0" err="1">
                 <a:solidFill>
                   <a:srgbClr val="E80C72"/>
                 </a:solidFill>
@@ -11994,13 +12037,13 @@
               <a:t>learning</a:t>
             </a:r>
             <a:r>
-              <a:rPr lang="fr-FR" sz="800" dirty="0" smtClean="0">
+              <a:rPr lang="fr-FR" sz="600" dirty="0" smtClean="0">
                 <a:latin typeface="Stone Serif" pitchFamily="2" charset="0"/>
               </a:rPr>
               <a:t>, </a:t>
             </a:r>
             <a:r>
-              <a:rPr lang="fr-FR" sz="800" b="1" i="1" dirty="0">
+              <a:rPr lang="fr-FR" sz="600" b="1" i="1" dirty="0">
                 <a:solidFill>
                   <a:srgbClr val="E80C72"/>
                 </a:solidFill>
@@ -12009,7 +12052,7 @@
               <a:t>graph </a:t>
             </a:r>
             <a:r>
-              <a:rPr lang="fr-FR" sz="800" b="1" i="1" dirty="0" err="1">
+              <a:rPr lang="fr-FR" sz="600" b="1" i="1" dirty="0" err="1">
                 <a:solidFill>
                   <a:srgbClr val="E80C72"/>
                 </a:solidFill>
@@ -12018,13 +12061,13 @@
               <a:t>mining</a:t>
             </a:r>
             <a:r>
-              <a:rPr lang="fr-FR" sz="800" dirty="0" smtClean="0">
+              <a:rPr lang="fr-FR" sz="600" dirty="0" smtClean="0">
                 <a:latin typeface="Stone Serif" pitchFamily="2" charset="0"/>
               </a:rPr>
               <a:t>, </a:t>
             </a:r>
             <a:r>
-              <a:rPr lang="fr-FR" sz="800" b="1" i="1" dirty="0" err="1">
+              <a:rPr lang="fr-FR" sz="600" b="1" i="1" dirty="0" err="1">
                 <a:solidFill>
                   <a:srgbClr val="E80C72"/>
                 </a:solidFill>
@@ -12033,7 +12076,7 @@
               <a:t>text</a:t>
             </a:r>
             <a:r>
-              <a:rPr lang="fr-FR" sz="800" b="1" i="1" dirty="0">
+              <a:rPr lang="fr-FR" sz="600" b="1" i="1" dirty="0">
                 <a:solidFill>
                   <a:srgbClr val="E80C72"/>
                 </a:solidFill>
@@ -12042,7 +12085,7 @@
               <a:t> </a:t>
             </a:r>
             <a:r>
-              <a:rPr lang="fr-FR" sz="800" b="1" i="1" dirty="0" err="1">
+              <a:rPr lang="fr-FR" sz="600" b="1" i="1" dirty="0" err="1">
                 <a:solidFill>
                   <a:srgbClr val="E80C72"/>
                 </a:solidFill>
@@ -12051,7 +12094,7 @@
               <a:t>mining</a:t>
             </a:r>
             <a:r>
-              <a:rPr lang="fr-FR" sz="800" dirty="0" smtClean="0">
+              <a:rPr lang="fr-FR" sz="600" dirty="0" smtClean="0">
                 <a:latin typeface="Stone Serif" pitchFamily="2" charset="0"/>
               </a:rPr>
               <a:t>).</a:t>
@@ -12068,7 +12111,7 @@
               <a:buFontTx/>
               <a:buChar char="-"/>
             </a:pPr>
-            <a:endParaRPr lang="fr-FR" sz="800" dirty="0" smtClean="0">
+            <a:endParaRPr lang="fr-FR" sz="600" dirty="0" smtClean="0">
               <a:latin typeface="Stone Serif" pitchFamily="2" charset="0"/>
             </a:endParaRPr>
           </a:p>
@@ -12083,7 +12126,7 @@
               <a:buFontTx/>
               <a:buChar char="-"/>
             </a:pPr>
-            <a:endParaRPr lang="fr-FR" sz="800" dirty="0" smtClean="0">
+            <a:endParaRPr lang="fr-FR" sz="600" dirty="0" smtClean="0">
               <a:latin typeface="Stone Serif" pitchFamily="2" charset="0"/>
             </a:endParaRPr>
           </a:p>
@@ -12156,7 +12199,7 @@
         <p:spPr>
           <a:xfrm>
             <a:off x="432657" y="1248866"/>
-            <a:ext cx="3409241" cy="2491284"/>
+            <a:ext cx="3085243" cy="2011214"/>
           </a:xfrm>
           <a:prstGeom prst="rect">
             <a:avLst/>
@@ -12346,46 +12389,66 @@
               </a:spcBef>
             </a:pPr>
             <a:r>
-              <a:rPr lang="fr-FR" sz="700" dirty="0" smtClean="0">
+              <a:rPr lang="fr-FR" sz="600" dirty="0" smtClean="0">
                 <a:latin typeface="Stone Serif" pitchFamily="2" charset="0"/>
               </a:rPr>
               <a:t>Une plateforme est une structure </a:t>
             </a:r>
             <a:r>
-              <a:rPr lang="fr-FR" sz="700" dirty="0" err="1" smtClean="0">
+              <a:rPr lang="fr-FR" sz="600" dirty="0" err="1" smtClean="0">
                 <a:latin typeface="Stone Serif" pitchFamily="2" charset="0"/>
               </a:rPr>
               <a:t>mi-organisation</a:t>
             </a:r>
             <a:r>
-              <a:rPr lang="fr-FR" sz="700" dirty="0" smtClean="0">
+              <a:rPr lang="fr-FR" sz="600" dirty="0" smtClean="0">
                 <a:latin typeface="Stone Serif" pitchFamily="2" charset="0"/>
               </a:rPr>
               <a:t>, </a:t>
             </a:r>
             <a:r>
-              <a:rPr lang="fr-FR" sz="700" dirty="0" err="1" smtClean="0">
+              <a:rPr lang="fr-FR" sz="600" dirty="0" err="1" smtClean="0">
                 <a:latin typeface="Stone Serif" pitchFamily="2" charset="0"/>
               </a:rPr>
               <a:t>mi-marché</a:t>
             </a:r>
             <a:r>
-              <a:rPr lang="fr-FR" sz="700" dirty="0" smtClean="0">
-                <a:latin typeface="Stone Serif" pitchFamily="2" charset="0"/>
-              </a:rPr>
-              <a:t>, qui coordonne et stimule les transactions entre producteurs et consommateurs de biens et services. La plateforme est mise en place par une ou des organisations qui tirent parti de la valeur créée.</a:t>
-            </a:r>
-          </a:p>
-          <a:p>
-            <a:pPr algn="just">
-              <a:lnSpc>
-                <a:spcPct val="135000"/>
-              </a:lnSpc>
-              <a:spcBef>
-                <a:spcPts val="0"/>
-              </a:spcBef>
-            </a:pPr>
-            <a:endParaRPr lang="fr-FR" sz="700" dirty="0" smtClean="0">
+              <a:rPr lang="fr-FR" sz="600" dirty="0" smtClean="0">
+                <a:latin typeface="Stone Serif" pitchFamily="2" charset="0"/>
+              </a:rPr>
+              <a:t>, qui coordonne et stimule les transactions </a:t>
+            </a:r>
+            <a:r>
+              <a:rPr lang="fr-FR" sz="600" dirty="0" smtClean="0">
+                <a:latin typeface="Stone Serif" pitchFamily="2" charset="0"/>
+              </a:rPr>
+              <a:t>entre producteurs </a:t>
+            </a:r>
+            <a:r>
+              <a:rPr lang="fr-FR" sz="600" dirty="0" smtClean="0">
+                <a:latin typeface="Stone Serif" pitchFamily="2" charset="0"/>
+              </a:rPr>
+              <a:t>et consommateurs de biens et </a:t>
+            </a:r>
+            <a:r>
+              <a:rPr lang="fr-FR" sz="600" dirty="0" smtClean="0">
+                <a:latin typeface="Stone Serif" pitchFamily="2" charset="0"/>
+              </a:rPr>
+              <a:t>services. </a:t>
+            </a:r>
+            <a:r>
+              <a:rPr lang="fr-FR" sz="600" dirty="0" smtClean="0">
+                <a:latin typeface="Stone Serif" pitchFamily="2" charset="0"/>
+              </a:rPr>
+              <a:t>La plateforme est mise en place par une ou des organisations qui tirent parti de la valeur créée</a:t>
+            </a:r>
+            <a:r>
+              <a:rPr lang="fr-FR" sz="600" dirty="0" smtClean="0">
+                <a:latin typeface="Stone Serif" pitchFamily="2" charset="0"/>
+              </a:rPr>
+              <a:t>. Plus il y a d’utilisateurs de la plateforme, plus ils en tirent de valeur (effets réseaux).</a:t>
+            </a:r>
+            <a:endParaRPr lang="fr-FR" sz="600" dirty="0" smtClean="0">
               <a:latin typeface="Stone Serif" pitchFamily="2" charset="0"/>
             </a:endParaRPr>
           </a:p>
@@ -12399,25 +12462,64 @@
               </a:spcBef>
             </a:pPr>
             <a:r>
-              <a:rPr lang="fr-FR" sz="700" b="1" dirty="0" smtClean="0">
+              <a:rPr lang="fr-FR" sz="600" b="1" dirty="0" smtClean="0">
                 <a:latin typeface="Stone Serif" pitchFamily="2" charset="0"/>
               </a:rPr>
               <a:t>Les plateformes ressemblent aux organisations </a:t>
             </a:r>
             <a:r>
-              <a:rPr lang="fr-FR" sz="700" dirty="0" smtClean="0">
-                <a:latin typeface="Stone Serif" pitchFamily="2" charset="0"/>
-              </a:rPr>
-              <a:t>dans la mesure où ce sont le plus souvent des entreprises ou des instances publiques qui les créent. Mais au contraire des organisations, les ressources, l’activité et la valeur dégagée sont produits par des producteurs et consommateurs situés à l’extérieur de l’organisation.</a:t>
+              <a:rPr lang="fr-FR" sz="600" dirty="0" smtClean="0">
+                <a:latin typeface="Stone Serif" pitchFamily="2" charset="0"/>
+              </a:rPr>
+              <a:t>dans la mesure où ce sont le plus souvent des entreprises ou des instances publiques qui les créent. Mais au contraire des organisations, les ressources, l’activité et la valeur dégagée sont </a:t>
+            </a:r>
+            <a:r>
+              <a:rPr lang="fr-FR" sz="600" dirty="0" smtClean="0">
+                <a:latin typeface="Stone Serif" pitchFamily="2" charset="0"/>
+              </a:rPr>
+              <a:t>produites </a:t>
+            </a:r>
+            <a:r>
+              <a:rPr lang="fr-FR" sz="600" dirty="0" smtClean="0">
+                <a:latin typeface="Stone Serif" pitchFamily="2" charset="0"/>
+              </a:rPr>
+              <a:t>par des producteurs et consommateurs situés à l’extérieur de l’organisation.</a:t>
             </a:r>
             <a:br>
-              <a:rPr lang="fr-FR" sz="700" dirty="0" smtClean="0">
+              <a:rPr lang="fr-FR" sz="600" dirty="0" smtClean="0">
                 <a:latin typeface="Stone Serif" pitchFamily="2" charset="0"/>
               </a:rPr>
             </a:br>
-            <a:endParaRPr lang="fr-FR" sz="700" dirty="0" smtClean="0">
-              <a:latin typeface="Stone Serif" pitchFamily="2" charset="0"/>
-            </a:endParaRPr>
+            <a:r>
+              <a:rPr lang="fr-FR" sz="600" b="1" dirty="0" smtClean="0">
+                <a:latin typeface="Stone Serif" pitchFamily="2" charset="0"/>
+              </a:rPr>
+              <a:t>Les </a:t>
+            </a:r>
+            <a:r>
+              <a:rPr lang="fr-FR" sz="600" b="1" dirty="0" smtClean="0">
+                <a:latin typeface="Stone Serif" pitchFamily="2" charset="0"/>
+              </a:rPr>
+              <a:t>plateformes ressemblent aux marchés </a:t>
+            </a:r>
+            <a:r>
+              <a:rPr lang="fr-FR" sz="600" dirty="0" smtClean="0">
+                <a:latin typeface="Stone Serif" pitchFamily="2" charset="0"/>
+              </a:rPr>
+              <a:t>dans la mesure où la valeur est créée par des agents indépendants qui opèrent des transactions « atomiques » (échanges, services ou ventes </a:t>
+            </a:r>
+            <a:r>
+              <a:rPr lang="fr-FR" sz="600" u="sng" dirty="0" smtClean="0">
+                <a:latin typeface="Stone Serif" pitchFamily="2" charset="0"/>
+              </a:rPr>
+              <a:t>à la pièce</a:t>
+            </a:r>
+            <a:r>
+              <a:rPr lang="fr-FR" sz="600" dirty="0" smtClean="0">
+                <a:latin typeface="Stone Serif" pitchFamily="2" charset="0"/>
+              </a:rPr>
+              <a:t>). Mais au contraire des marchés, ces transactions sont organisées et contrôlées très fortement par une organisation – qui joue en quelque sorte le rôle de « place de marché privée ».</a:t>
+            </a:r>
           </a:p>
           <a:p>
             <a:pPr algn="just">
@@ -12428,41 +12530,7 @@
                 <a:spcPts val="0"/>
               </a:spcBef>
             </a:pPr>
-            <a:r>
-              <a:rPr lang="fr-FR" sz="700" b="1" dirty="0" smtClean="0">
-                <a:latin typeface="Stone Serif" pitchFamily="2" charset="0"/>
-              </a:rPr>
-              <a:t>Les plateformes ressemblent aux marchés </a:t>
-            </a:r>
-            <a:r>
-              <a:rPr lang="fr-FR" sz="700" dirty="0" smtClean="0">
-                <a:latin typeface="Stone Serif" pitchFamily="2" charset="0"/>
-              </a:rPr>
-              <a:t>dans la mesure où la valeur est créée par des agents indépendants qui opèrent des transactions « atomiques » (échanges, services ou ventes </a:t>
-            </a:r>
-            <a:r>
-              <a:rPr lang="fr-FR" sz="700" u="sng" dirty="0" smtClean="0">
-                <a:latin typeface="Stone Serif" pitchFamily="2" charset="0"/>
-              </a:rPr>
-              <a:t>à la pièce</a:t>
-            </a:r>
-            <a:r>
-              <a:rPr lang="fr-FR" sz="700" dirty="0" smtClean="0">
-                <a:latin typeface="Stone Serif" pitchFamily="2" charset="0"/>
-              </a:rPr>
-              <a:t>). Mais au contraire des marchés, ces transactions sont organisées et contrôlées très fortement par une organisation – qui joue en quelque sorte le rôle de « place de marché privée ».</a:t>
-            </a:r>
-          </a:p>
-          <a:p>
-            <a:pPr algn="just">
-              <a:lnSpc>
-                <a:spcPct val="135000"/>
-              </a:lnSpc>
-              <a:spcBef>
-                <a:spcPts val="0"/>
-              </a:spcBef>
-            </a:pPr>
-            <a:endParaRPr lang="fr-FR" sz="780" dirty="0" smtClean="0">
+            <a:endParaRPr lang="fr-FR" sz="600" dirty="0" smtClean="0">
               <a:latin typeface="Stone Serif" pitchFamily="2" charset="0"/>
             </a:endParaRPr>
           </a:p>
@@ -12477,7 +12545,7 @@
         <p:spPr>
           <a:xfrm>
             <a:off x="432658" y="957446"/>
-            <a:ext cx="3409240" cy="320857"/>
+            <a:ext cx="3114427" cy="320857"/>
           </a:xfrm>
           <a:prstGeom prst="rect">
             <a:avLst/>
@@ -12514,8 +12582,8 @@
         </p:nvSpPr>
         <p:spPr>
           <a:xfrm>
-            <a:off x="4083172" y="957446"/>
-            <a:ext cx="3246204" cy="549381"/>
+            <a:off x="3600450" y="957446"/>
+            <a:ext cx="3728926" cy="289695"/>
           </a:xfrm>
           <a:prstGeom prst="rect">
             <a:avLst/>
@@ -12536,24 +12604,24 @@
               </a:lnSpc>
             </a:pPr>
             <a:r>
-              <a:rPr lang="fr-FR" sz="1100" dirty="0" smtClean="0">
+              <a:rPr lang="fr-FR" sz="1050" dirty="0" smtClean="0">
                 <a:latin typeface="Stone Serif" pitchFamily="2" charset="0"/>
               </a:rPr>
               <a:t>La « data-</a:t>
             </a:r>
             <a:r>
-              <a:rPr lang="fr-FR" sz="1100" dirty="0" err="1" smtClean="0">
+              <a:rPr lang="fr-FR" sz="1050" dirty="0" err="1" smtClean="0">
                 <a:latin typeface="Stone Serif" pitchFamily="2" charset="0"/>
               </a:rPr>
               <a:t>ification</a:t>
             </a:r>
             <a:r>
-              <a:rPr lang="fr-FR" sz="1100" dirty="0" smtClean="0">
+              <a:rPr lang="fr-FR" sz="1050" dirty="0" smtClean="0">
                 <a:latin typeface="Stone Serif" pitchFamily="2" charset="0"/>
               </a:rPr>
               <a:t> », facteur clé de succès des plateformes</a:t>
             </a:r>
-            <a:endParaRPr lang="fr-FR" sz="1100" dirty="0">
+            <a:endParaRPr lang="fr-FR" sz="1050" dirty="0">
               <a:latin typeface="Stone Serif" pitchFamily="2" charset="0"/>
             </a:endParaRPr>
           </a:p>
@@ -12568,7 +12636,7 @@
           <p:nvPr/>
         </p:nvPicPr>
         <p:blipFill>
-          <a:blip r:embed="rId2" cstate="print">
+          <a:blip r:embed="rId3" cstate="print">
             <a:extLst>
               <a:ext uri="{28A0092B-C50C-407E-A947-70E740481C1C}">
                 <a14:useLocalDpi xmlns:a14="http://schemas.microsoft.com/office/drawing/2010/main" val="0"/>
@@ -12624,13 +12692,13 @@
             </a:r>
             <a:r>
               <a:rPr lang="fr-FR" sz="700" dirty="0">
-                <a:hlinkClick r:id="rId3"/>
+                <a:hlinkClick r:id="rId4"/>
               </a:rPr>
               <a:t>https://</a:t>
             </a:r>
             <a:r>
               <a:rPr lang="fr-FR" sz="900" dirty="0" smtClean="0">
-                <a:hlinkClick r:id="rId3"/>
+                <a:hlinkClick r:id="rId4"/>
               </a:rPr>
               <a:t>emlyon.github.io/mk99</a:t>
             </a:r>
@@ -13145,8 +13213,8 @@
         </p:nvSpPr>
         <p:spPr>
           <a:xfrm>
-            <a:off x="432366" y="3795987"/>
-            <a:ext cx="4515318" cy="279307"/>
+            <a:off x="432366" y="3291059"/>
+            <a:ext cx="3085534" cy="279307"/>
           </a:xfrm>
           <a:prstGeom prst="rect">
             <a:avLst/>
@@ -13188,8 +13256,8 @@
         </p:nvSpPr>
         <p:spPr>
           <a:xfrm>
-            <a:off x="5019992" y="4007791"/>
-            <a:ext cx="2295208" cy="372529"/>
+            <a:off x="3600449" y="3430712"/>
+            <a:ext cx="3714749" cy="908553"/>
           </a:xfrm>
           <a:prstGeom prst="rect">
             <a:avLst/>
@@ -13202,7 +13270,7 @@
           </a:ln>
         </p:spPr>
         <p:txBody>
-          <a:bodyPr vert="horz" lIns="91440" tIns="45720" rIns="91440" bIns="45720" rtlCol="0">
+          <a:bodyPr vert="horz" lIns="91440" tIns="45720" rIns="91440" bIns="45720" numCol="3" rtlCol="0">
             <a:noAutofit/>
           </a:bodyPr>
           <a:lstStyle>
@@ -13376,48 +13444,102 @@
               </a:lnSpc>
             </a:pPr>
             <a:r>
-              <a:rPr lang="fr-FR" sz="800" dirty="0" smtClean="0">
-                <a:latin typeface="Stone Serif" pitchFamily="2" charset="0"/>
-              </a:rPr>
-              <a:t>Platform Design </a:t>
-            </a:r>
-            <a:r>
-              <a:rPr lang="fr-FR" sz="800" dirty="0" err="1" smtClean="0">
-                <a:latin typeface="Stone Serif" pitchFamily="2" charset="0"/>
-              </a:rPr>
-              <a:t>Toolkit</a:t>
-            </a:r>
-            <a:r>
-              <a:rPr lang="fr-FR" sz="800" dirty="0">
-                <a:latin typeface="Stone Serif" pitchFamily="2" charset="0"/>
-              </a:rPr>
-              <a:t>:</a:t>
-            </a:r>
-            <a:br>
-              <a:rPr lang="fr-FR" sz="800" dirty="0">
-                <a:latin typeface="Stone Serif" pitchFamily="2" charset="0"/>
-              </a:rPr>
-            </a:br>
-            <a:r>
-              <a:rPr lang="fr-FR" sz="800" dirty="0">
-                <a:latin typeface="Stone Serif" pitchFamily="2" charset="0"/>
-                <a:hlinkClick r:id="rId4"/>
-              </a:rPr>
-              <a:t>https://platformdesigntoolkit.com</a:t>
-            </a:r>
-            <a:r>
-              <a:rPr lang="fr-FR" sz="800" dirty="0" smtClean="0">
-                <a:latin typeface="Stone Serif" pitchFamily="2" charset="0"/>
-                <a:hlinkClick r:id="rId4"/>
-              </a:rPr>
-              <a:t>/</a:t>
-            </a:r>
-            <a:r>
-              <a:rPr lang="fr-FR" sz="800" dirty="0" smtClean="0">
-                <a:latin typeface="Stone Serif" pitchFamily="2" charset="0"/>
-              </a:rPr>
-              <a:t> </a:t>
-            </a:r>
+              <a:rPr lang="fr-FR" sz="700" dirty="0" smtClean="0">
+                <a:latin typeface="Stone Serif" pitchFamily="2" charset="0"/>
+              </a:rPr>
+              <a:t>- Mettre en place un mécanisme de </a:t>
+            </a:r>
+            <a:r>
+              <a:rPr lang="fr-FR" sz="700" dirty="0" err="1" smtClean="0">
+                <a:latin typeface="Stone Serif" pitchFamily="2" charset="0"/>
+              </a:rPr>
+              <a:t>pricing</a:t>
+            </a:r>
+            <a:r>
+              <a:rPr lang="fr-FR" sz="700" dirty="0" smtClean="0">
+                <a:latin typeface="Stone Serif" pitchFamily="2" charset="0"/>
+              </a:rPr>
+              <a:t> avantageux pour toutes les parties (</a:t>
+            </a:r>
+            <a:r>
+              <a:rPr lang="fr-FR" sz="700" i="1" dirty="0" smtClean="0">
+                <a:latin typeface="Stone Serif" pitchFamily="2" charset="0"/>
+              </a:rPr>
+              <a:t>revenue management</a:t>
+            </a:r>
+            <a:r>
+              <a:rPr lang="fr-FR" sz="700" dirty="0" smtClean="0">
+                <a:latin typeface="Stone Serif" pitchFamily="2" charset="0"/>
+              </a:rPr>
+              <a:t>)</a:t>
+            </a:r>
+          </a:p>
+          <a:p>
+            <a:pPr algn="l">
+              <a:lnSpc>
+                <a:spcPct val="135000"/>
+              </a:lnSpc>
+            </a:pPr>
+            <a:r>
+              <a:rPr lang="fr-FR" sz="700" dirty="0" smtClean="0">
+                <a:latin typeface="Stone Serif" pitchFamily="2" charset="0"/>
+              </a:rPr>
+              <a:t>- Développer la </a:t>
+            </a:r>
+            <a:r>
+              <a:rPr lang="fr-FR" sz="700" dirty="0">
+                <a:latin typeface="Stone Serif" pitchFamily="2" charset="0"/>
+              </a:rPr>
+              <a:t>confiance entre les parties </a:t>
+            </a:r>
+            <a:r>
+              <a:rPr lang="fr-FR" sz="700" dirty="0" smtClean="0">
+                <a:latin typeface="Stone Serif" pitchFamily="2" charset="0"/>
+              </a:rPr>
+              <a:t>avec des </a:t>
+            </a:r>
+            <a:r>
+              <a:rPr lang="fr-FR" sz="700" dirty="0">
+                <a:latin typeface="Stone Serif" pitchFamily="2" charset="0"/>
+              </a:rPr>
+              <a:t>mécanismes de réputation (évaluations entre </a:t>
+            </a:r>
+            <a:r>
+              <a:rPr lang="fr-FR" sz="700" dirty="0" smtClean="0">
+                <a:latin typeface="Stone Serif" pitchFamily="2" charset="0"/>
+              </a:rPr>
+              <a:t>utilisateurs)</a:t>
+            </a:r>
+          </a:p>
+          <a:p>
+            <a:pPr marL="171450" indent="-171450" algn="l">
+              <a:lnSpc>
+                <a:spcPct val="135000"/>
+              </a:lnSpc>
+              <a:buFontTx/>
+              <a:buChar char="-"/>
+            </a:pPr>
+            <a:r>
+              <a:rPr lang="fr-FR" sz="700" dirty="0" smtClean="0">
+                <a:latin typeface="Stone Serif" pitchFamily="2" charset="0"/>
+              </a:rPr>
+              <a:t>Faciliter </a:t>
+            </a:r>
+            <a:r>
+              <a:rPr lang="fr-FR" sz="700" dirty="0">
+                <a:latin typeface="Stone Serif" pitchFamily="2" charset="0"/>
+              </a:rPr>
+              <a:t>l'ajout d'applications gratuites sur votre plate-forme, car cela augmente la valeur pour toutes les </a:t>
+            </a:r>
+            <a:r>
+              <a:rPr lang="fr-FR" sz="700" dirty="0" smtClean="0">
+                <a:latin typeface="Stone Serif" pitchFamily="2" charset="0"/>
+              </a:rPr>
+              <a:t>parties.</a:t>
+            </a:r>
+            <a:endParaRPr lang="fr-FR" sz="700" dirty="0" smtClean="0">
+              <a:latin typeface="Stone Serif" pitchFamily="2" charset="0"/>
+            </a:endParaRPr>
           </a:p>
         </p:txBody>
       </p:sp>
@@ -13429,7 +13551,7 @@
         </p:nvSpPr>
         <p:spPr>
           <a:xfrm>
-            <a:off x="5019992" y="3784720"/>
+            <a:off x="3600450" y="3165907"/>
             <a:ext cx="2295207" cy="279307"/>
           </a:xfrm>
           <a:prstGeom prst="rect">
@@ -13454,7 +13576,7 @@
               <a:rPr lang="fr-FR" sz="900" dirty="0" smtClean="0">
                 <a:latin typeface="Stone Serif" pitchFamily="2" charset="0"/>
               </a:rPr>
-              <a:t>Pour vous guider</a:t>
+              <a:t>Points de vigilance</a:t>
             </a:r>
             <a:endParaRPr lang="fr-FR" sz="900" dirty="0">
               <a:latin typeface="Stone Serif" pitchFamily="2" charset="0"/>

--- a/docs/content/fr/cards.pptx
+++ b/docs/content/fr/cards.pptx
@@ -211,7 +211,7 @@
           <a:p>
             <a:fld id="{D121557B-95DC-4F9D-80D7-494E711A263C}" type="datetimeFigureOut">
               <a:rPr lang="fr-FR" smtClean="0"/>
-              <a:t>18/06/2019</a:t>
+              <a:t>23/06/2019</a:t>
             </a:fld>
             <a:endParaRPr lang="fr-FR"/>
           </a:p>
@@ -377,7 +377,7 @@
           <a:p>
             <a:fld id="{34B0D5AD-2B20-4FC5-9805-AA792A2BEE79}" type="datetimeFigureOut">
               <a:rPr lang="fr-FR" smtClean="0"/>
-              <a:t>18/06/2019</a:t>
+              <a:t>23/06/2019</a:t>
             </a:fld>
             <a:endParaRPr lang="fr-FR"/>
           </a:p>
@@ -838,7 +838,7 @@
           <a:p>
             <a:fld id="{654FF092-CFE9-4329-97B3-D872B1066925}" type="datetimeFigureOut">
               <a:rPr lang="fr-FR" smtClean="0"/>
-              <a:t>18/06/2019</a:t>
+              <a:t>23/06/2019</a:t>
             </a:fld>
             <a:endParaRPr lang="fr-FR"/>
           </a:p>
@@ -1008,7 +1008,7 @@
           <a:p>
             <a:fld id="{654FF092-CFE9-4329-97B3-D872B1066925}" type="datetimeFigureOut">
               <a:rPr lang="fr-FR" smtClean="0"/>
-              <a:t>18/06/2019</a:t>
+              <a:t>23/06/2019</a:t>
             </a:fld>
             <a:endParaRPr lang="fr-FR"/>
           </a:p>
@@ -1188,7 +1188,7 @@
           <a:p>
             <a:fld id="{654FF092-CFE9-4329-97B3-D872B1066925}" type="datetimeFigureOut">
               <a:rPr lang="fr-FR" smtClean="0"/>
-              <a:t>18/06/2019</a:t>
+              <a:t>23/06/2019</a:t>
             </a:fld>
             <a:endParaRPr lang="fr-FR"/>
           </a:p>
@@ -1358,7 +1358,7 @@
           <a:p>
             <a:fld id="{654FF092-CFE9-4329-97B3-D872B1066925}" type="datetimeFigureOut">
               <a:rPr lang="fr-FR" smtClean="0"/>
-              <a:t>18/06/2019</a:t>
+              <a:t>23/06/2019</a:t>
             </a:fld>
             <a:endParaRPr lang="fr-FR"/>
           </a:p>
@@ -1602,7 +1602,7 @@
           <a:p>
             <a:fld id="{654FF092-CFE9-4329-97B3-D872B1066925}" type="datetimeFigureOut">
               <a:rPr lang="fr-FR" smtClean="0"/>
-              <a:t>18/06/2019</a:t>
+              <a:t>23/06/2019</a:t>
             </a:fld>
             <a:endParaRPr lang="fr-FR"/>
           </a:p>
@@ -1834,7 +1834,7 @@
           <a:p>
             <a:fld id="{654FF092-CFE9-4329-97B3-D872B1066925}" type="datetimeFigureOut">
               <a:rPr lang="fr-FR" smtClean="0"/>
-              <a:t>18/06/2019</a:t>
+              <a:t>23/06/2019</a:t>
             </a:fld>
             <a:endParaRPr lang="fr-FR"/>
           </a:p>
@@ -2201,7 +2201,7 @@
           <a:p>
             <a:fld id="{654FF092-CFE9-4329-97B3-D872B1066925}" type="datetimeFigureOut">
               <a:rPr lang="fr-FR" smtClean="0"/>
-              <a:t>18/06/2019</a:t>
+              <a:t>23/06/2019</a:t>
             </a:fld>
             <a:endParaRPr lang="fr-FR"/>
           </a:p>
@@ -2319,7 +2319,7 @@
           <a:p>
             <a:fld id="{654FF092-CFE9-4329-97B3-D872B1066925}" type="datetimeFigureOut">
               <a:rPr lang="fr-FR" smtClean="0"/>
-              <a:t>18/06/2019</a:t>
+              <a:t>23/06/2019</a:t>
             </a:fld>
             <a:endParaRPr lang="fr-FR"/>
           </a:p>
@@ -2414,7 +2414,7 @@
           <a:p>
             <a:fld id="{654FF092-CFE9-4329-97B3-D872B1066925}" type="datetimeFigureOut">
               <a:rPr lang="fr-FR" smtClean="0"/>
-              <a:t>18/06/2019</a:t>
+              <a:t>23/06/2019</a:t>
             </a:fld>
             <a:endParaRPr lang="fr-FR"/>
           </a:p>
@@ -2691,7 +2691,7 @@
           <a:p>
             <a:fld id="{654FF092-CFE9-4329-97B3-D872B1066925}" type="datetimeFigureOut">
               <a:rPr lang="fr-FR" smtClean="0"/>
-              <a:t>18/06/2019</a:t>
+              <a:t>23/06/2019</a:t>
             </a:fld>
             <a:endParaRPr lang="fr-FR"/>
           </a:p>
@@ -2948,7 +2948,7 @@
           <a:p>
             <a:fld id="{654FF092-CFE9-4329-97B3-D872B1066925}" type="datetimeFigureOut">
               <a:rPr lang="fr-FR" smtClean="0"/>
-              <a:t>18/06/2019</a:t>
+              <a:t>23/06/2019</a:t>
             </a:fld>
             <a:endParaRPr lang="fr-FR"/>
           </a:p>
@@ -3161,7 +3161,7 @@
           <a:p>
             <a:fld id="{654FF092-CFE9-4329-97B3-D872B1066925}" type="datetimeFigureOut">
               <a:rPr lang="fr-FR" smtClean="0"/>
-              <a:t>18/06/2019</a:t>
+              <a:t>23/06/2019</a:t>
             </a:fld>
             <a:endParaRPr lang="fr-FR"/>
           </a:p>
@@ -11026,13 +11026,7 @@
               <a:rPr lang="fr-FR" sz="700" dirty="0" smtClean="0">
                 <a:latin typeface="Stone Serif" pitchFamily="2" charset="0"/>
               </a:rPr>
-              <a:t>, Odile Jacob, 2018</a:t>
-            </a:r>
-            <a:r>
-              <a:rPr lang="fr-FR" sz="700" dirty="0" smtClean="0">
-                <a:latin typeface="Stone Serif" pitchFamily="2" charset="0"/>
-              </a:rPr>
-              <a:t>.</a:t>
+              <a:t>, Odile Jacob, 2018.</a:t>
             </a:r>
           </a:p>
           <a:p>
@@ -12416,74 +12410,29 @@
               <a:rPr lang="fr-FR" sz="600" dirty="0" smtClean="0">
                 <a:latin typeface="Stone Serif" pitchFamily="2" charset="0"/>
               </a:rPr>
-              <a:t>, qui coordonne et stimule les transactions </a:t>
+              <a:t>, qui coordonne et stimule les transactions entre producteurs et consommateurs de biens et services. La plateforme est mise en place par une ou des organisations qui tirent parti de la valeur créée. Plus il y a d’utilisateurs de la plateforme, plus ils en tirent de valeur (effets réseaux).</a:t>
+            </a:r>
+          </a:p>
+          <a:p>
+            <a:pPr algn="l">
+              <a:lnSpc>
+                <a:spcPct val="135000"/>
+              </a:lnSpc>
+              <a:spcBef>
+                <a:spcPts val="0"/>
+              </a:spcBef>
+            </a:pPr>
+            <a:r>
+              <a:rPr lang="fr-FR" sz="600" b="1" dirty="0" smtClean="0">
+                <a:latin typeface="Stone Serif" pitchFamily="2" charset="0"/>
+              </a:rPr>
+              <a:t>Les plateformes ressemblent aux organisations </a:t>
             </a:r>
             <a:r>
               <a:rPr lang="fr-FR" sz="600" dirty="0" smtClean="0">
                 <a:latin typeface="Stone Serif" pitchFamily="2" charset="0"/>
               </a:rPr>
-              <a:t>entre producteurs </a:t>
-            </a:r>
-            <a:r>
-              <a:rPr lang="fr-FR" sz="600" dirty="0" smtClean="0">
-                <a:latin typeface="Stone Serif" pitchFamily="2" charset="0"/>
-              </a:rPr>
-              <a:t>et consommateurs de biens et </a:t>
-            </a:r>
-            <a:r>
-              <a:rPr lang="fr-FR" sz="600" dirty="0" smtClean="0">
-                <a:latin typeface="Stone Serif" pitchFamily="2" charset="0"/>
-              </a:rPr>
-              <a:t>services. </a:t>
-            </a:r>
-            <a:r>
-              <a:rPr lang="fr-FR" sz="600" dirty="0" smtClean="0">
-                <a:latin typeface="Stone Serif" pitchFamily="2" charset="0"/>
-              </a:rPr>
-              <a:t>La plateforme est mise en place par une ou des organisations qui tirent parti de la valeur créée</a:t>
-            </a:r>
-            <a:r>
-              <a:rPr lang="fr-FR" sz="600" dirty="0" smtClean="0">
-                <a:latin typeface="Stone Serif" pitchFamily="2" charset="0"/>
-              </a:rPr>
-              <a:t>. Plus il y a d’utilisateurs de la plateforme, plus ils en tirent de valeur (effets réseaux).</a:t>
-            </a:r>
-            <a:endParaRPr lang="fr-FR" sz="600" dirty="0" smtClean="0">
-              <a:latin typeface="Stone Serif" pitchFamily="2" charset="0"/>
-            </a:endParaRPr>
-          </a:p>
-          <a:p>
-            <a:pPr algn="l">
-              <a:lnSpc>
-                <a:spcPct val="135000"/>
-              </a:lnSpc>
-              <a:spcBef>
-                <a:spcPts val="0"/>
-              </a:spcBef>
-            </a:pPr>
-            <a:r>
-              <a:rPr lang="fr-FR" sz="600" b="1" dirty="0" smtClean="0">
-                <a:latin typeface="Stone Serif" pitchFamily="2" charset="0"/>
-              </a:rPr>
-              <a:t>Les plateformes ressemblent aux organisations </a:t>
-            </a:r>
-            <a:r>
-              <a:rPr lang="fr-FR" sz="600" dirty="0" smtClean="0">
-                <a:latin typeface="Stone Serif" pitchFamily="2" charset="0"/>
-              </a:rPr>
-              <a:t>dans la mesure où ce sont le plus souvent des entreprises ou des instances publiques qui les créent. Mais au contraire des organisations, les ressources, l’activité et la valeur dégagée sont </a:t>
-            </a:r>
-            <a:r>
-              <a:rPr lang="fr-FR" sz="600" dirty="0" smtClean="0">
-                <a:latin typeface="Stone Serif" pitchFamily="2" charset="0"/>
-              </a:rPr>
-              <a:t>produites </a:t>
-            </a:r>
-            <a:r>
-              <a:rPr lang="fr-FR" sz="600" dirty="0" smtClean="0">
-                <a:latin typeface="Stone Serif" pitchFamily="2" charset="0"/>
-              </a:rPr>
-              <a:t>par des producteurs et consommateurs situés à l’extérieur de l’organisation.</a:t>
+              <a:t>dans la mesure où ce sont le plus souvent des entreprises ou des instances publiques qui les créent. Mais au contraire des organisations, les ressources, l’activité et la valeur dégagée sont produites par des producteurs et consommateurs situés à l’extérieur de l’organisation.</a:t>
             </a:r>
             <a:br>
               <a:rPr lang="fr-FR" sz="600" dirty="0" smtClean="0">
@@ -12494,13 +12443,7 @@
               <a:rPr lang="fr-FR" sz="600" b="1" dirty="0" smtClean="0">
                 <a:latin typeface="Stone Serif" pitchFamily="2" charset="0"/>
               </a:rPr>
-              <a:t>Les </a:t>
-            </a:r>
-            <a:r>
-              <a:rPr lang="fr-FR" sz="600" b="1" dirty="0" smtClean="0">
-                <a:latin typeface="Stone Serif" pitchFamily="2" charset="0"/>
-              </a:rPr>
-              <a:t>plateformes ressemblent aux marchés </a:t>
+              <a:t>Les plateformes ressemblent aux marchés </a:t>
             </a:r>
             <a:r>
               <a:rPr lang="fr-FR" sz="600" dirty="0" smtClean="0">
@@ -13512,18 +13455,16 @@
             </a:r>
           </a:p>
           <a:p>
-            <a:pPr marL="171450" indent="-171450" algn="l">
+            <a:pPr algn="l">
               <a:lnSpc>
                 <a:spcPct val="135000"/>
               </a:lnSpc>
-              <a:buFontTx/>
-              <a:buChar char="-"/>
             </a:pPr>
             <a:r>
               <a:rPr lang="fr-FR" sz="700" dirty="0" smtClean="0">
                 <a:latin typeface="Stone Serif" pitchFamily="2" charset="0"/>
               </a:rPr>
-              <a:t>Faciliter </a:t>
+              <a:t>- Faciliter </a:t>
             </a:r>
             <a:r>
               <a:rPr lang="fr-FR" sz="700" dirty="0">
@@ -13537,9 +13478,6 @@
               </a:rPr>
               <a:t>parties.</a:t>
             </a:r>
-            <a:endParaRPr lang="fr-FR" sz="700" dirty="0" smtClean="0">
-              <a:latin typeface="Stone Serif" pitchFamily="2" charset="0"/>
-            </a:endParaRPr>
           </a:p>
         </p:txBody>
       </p:sp>
@@ -23911,7 +23849,19 @@
               <a:rPr lang="fr-FR" sz="700" dirty="0" smtClean="0">
                 <a:latin typeface="Stone Serif" pitchFamily="2" charset="0"/>
               </a:rPr>
-              <a:t>  facturé à l’usage, sans achat de la ressource sous-jacente au service (serveur, logiciel). Depuis l’essor du cloud en 2006, les services disponibles en mode cloud se sont diversifiés : depuis la simple location de puissance de calcul (« Infrastructure as a service ») jusqu’à l’accès une application métier complète (« Software as a service »).</a:t>
+              <a:t>  facturé à l’usage, sans achat de la ressource sous-jacente au service (serveur, logiciel). Depuis l’essor du cloud en 2006, les services disponibles en mode cloud se sont diversifiés : depuis la simple location de puissance de calcul (« Infrastructure as a service ») jusqu’à l’accès </a:t>
+            </a:r>
+            <a:r>
+              <a:rPr lang="fr-FR" sz="700" dirty="0" smtClean="0">
+                <a:latin typeface="Stone Serif" pitchFamily="2" charset="0"/>
+              </a:rPr>
+              <a:t>à une </a:t>
+            </a:r>
+            <a:r>
+              <a:rPr lang="fr-FR" sz="700" dirty="0" smtClean="0">
+                <a:latin typeface="Stone Serif" pitchFamily="2" charset="0"/>
+              </a:rPr>
+              <a:t>application métier complète (« Software as a service »).</a:t>
             </a:r>
           </a:p>
         </p:txBody>
@@ -34045,10 +33995,16 @@
               <a:t>Underwood</a:t>
             </a:r>
             <a:r>
+              <a:rPr lang="fr-FR" sz="800" dirty="0">
+                <a:latin typeface="Stone Serif" pitchFamily="2" charset="0"/>
+              </a:rPr>
+              <a:t>,</a:t>
+            </a:r>
+            <a:r>
               <a:rPr lang="fr-FR" sz="800" dirty="0" smtClean="0">
                 <a:latin typeface="Stone Serif" pitchFamily="2" charset="0"/>
               </a:rPr>
-              <a:t>. Seth Grimes.</a:t>
+              <a:t> Seth Grimes.</a:t>
             </a:r>
             <a:endParaRPr lang="fr-FR" sz="800" dirty="0">
               <a:latin typeface="Stone Serif" pitchFamily="2" charset="0"/>
